--- a/Py B - unit 2p.pptx
+++ b/Py B - unit 2p.pptx
@@ -7,8 +7,18 @@
   <p:sldIdLst>
     <p:sldId id="266" r:id="rId2"/>
     <p:sldId id="273" r:id="rId3"/>
-    <p:sldId id="275" r:id="rId4"/>
-    <p:sldId id="274" r:id="rId5"/>
+    <p:sldId id="284" r:id="rId4"/>
+    <p:sldId id="267" r:id="rId5"/>
+    <p:sldId id="297" r:id="rId6"/>
+    <p:sldId id="296" r:id="rId7"/>
+    <p:sldId id="292" r:id="rId8"/>
+    <p:sldId id="298" r:id="rId9"/>
+    <p:sldId id="275" r:id="rId10"/>
+    <p:sldId id="278" r:id="rId11"/>
+    <p:sldId id="279" r:id="rId12"/>
+    <p:sldId id="274" r:id="rId13"/>
+    <p:sldId id="276" r:id="rId14"/>
+    <p:sldId id="277" r:id="rId15"/>
   </p:sldIdLst>
   <p:sldSz cx="12192000" cy="6858000"/>
   <p:notesSz cx="6858000" cy="9144000"/>
@@ -118,7 +128,7 @@
 <file path=ppt/revisionInfo.xml><?xml version="1.0" encoding="utf-8"?>
 <p1510:revInfo xmlns:a="http://schemas.openxmlformats.org/drawingml/2006/main" xmlns:r="http://schemas.openxmlformats.org/officeDocument/2006/relationships" xmlns:p1510="http://schemas.microsoft.com/office/powerpoint/2015/10/main">
   <p1510:revLst>
-    <p1510:client id="{7D6A44A9-8053-4F5E-9C7F-4F59BEFB9A32}" v="1" dt="2021-05-31T09:04:38.043"/>
+    <p1510:client id="{6A96D280-A5A3-4047-8961-F87F78459831}" v="13" dt="2021-12-26T07:21:16.821"/>
   </p1510:revLst>
 </p1510:revInfo>
 </file>
@@ -385,6 +395,250 @@
     </pc:docChg>
   </pc:docChgLst>
   <pc:docChgLst>
+    <pc:chgData name="Li Lixiang" userId="6104bbfcb56aea79" providerId="LiveId" clId="{6A96D280-A5A3-4047-8961-F87F78459831}"/>
+    <pc:docChg chg="undo redo custSel addSld delSld modSld sldOrd">
+      <pc:chgData name="Li Lixiang" userId="6104bbfcb56aea79" providerId="LiveId" clId="{6A96D280-A5A3-4047-8961-F87F78459831}" dt="2021-12-26T07:21:58.660" v="3377" actId="404"/>
+      <pc:docMkLst>
+        <pc:docMk/>
+      </pc:docMkLst>
+      <pc:sldChg chg="modSp add mod setBg">
+        <pc:chgData name="Li Lixiang" userId="6104bbfcb56aea79" providerId="LiveId" clId="{6A96D280-A5A3-4047-8961-F87F78459831}" dt="2021-12-24T02:34:00.550" v="2414" actId="1036"/>
+        <pc:sldMkLst>
+          <pc:docMk/>
+          <pc:sldMk cId="521383145" sldId="267"/>
+        </pc:sldMkLst>
+        <pc:spChg chg="mod">
+          <ac:chgData name="Li Lixiang" userId="6104bbfcb56aea79" providerId="LiveId" clId="{6A96D280-A5A3-4047-8961-F87F78459831}" dt="2021-12-24T02:34:00.550" v="2414" actId="1036"/>
+          <ac:spMkLst>
+            <pc:docMk/>
+            <pc:sldMk cId="521383145" sldId="267"/>
+            <ac:spMk id="3" creationId="{7060439F-2729-478E-B95F-230482B50AA1}"/>
+          </ac:spMkLst>
+        </pc:spChg>
+        <pc:spChg chg="mod">
+          <ac:chgData name="Li Lixiang" userId="6104bbfcb56aea79" providerId="LiveId" clId="{6A96D280-A5A3-4047-8961-F87F78459831}" dt="2021-12-24T02:34:00.550" v="2414" actId="1036"/>
+          <ac:spMkLst>
+            <pc:docMk/>
+            <pc:sldMk cId="521383145" sldId="267"/>
+            <ac:spMk id="4" creationId="{DDAFC502-84FC-4D06-80EB-69B911342252}"/>
+          </ac:spMkLst>
+        </pc:spChg>
+      </pc:sldChg>
+      <pc:sldChg chg="modSp mod">
+        <pc:chgData name="Li Lixiang" userId="6104bbfcb56aea79" providerId="LiveId" clId="{6A96D280-A5A3-4047-8961-F87F78459831}" dt="2021-12-24T02:37:49.405" v="2603" actId="14100"/>
+        <pc:sldMkLst>
+          <pc:docMk/>
+          <pc:sldMk cId="4124062850" sldId="275"/>
+        </pc:sldMkLst>
+        <pc:spChg chg="mod">
+          <ac:chgData name="Li Lixiang" userId="6104bbfcb56aea79" providerId="LiveId" clId="{6A96D280-A5A3-4047-8961-F87F78459831}" dt="2021-12-24T02:37:49.405" v="2603" actId="14100"/>
+          <ac:spMkLst>
+            <pc:docMk/>
+            <pc:sldMk cId="4124062850" sldId="275"/>
+            <ac:spMk id="3" creationId="{9ACB66CF-AD72-47FB-9DEE-6949334A6EA7}"/>
+          </ac:spMkLst>
+        </pc:spChg>
+      </pc:sldChg>
+      <pc:sldChg chg="modSp add mod">
+        <pc:chgData name="Li Lixiang" userId="6104bbfcb56aea79" providerId="LiveId" clId="{6A96D280-A5A3-4047-8961-F87F78459831}" dt="2021-10-13T02:08:03.519" v="668" actId="27636"/>
+        <pc:sldMkLst>
+          <pc:docMk/>
+          <pc:sldMk cId="2094285108" sldId="276"/>
+        </pc:sldMkLst>
+        <pc:spChg chg="mod">
+          <ac:chgData name="Li Lixiang" userId="6104bbfcb56aea79" providerId="LiveId" clId="{6A96D280-A5A3-4047-8961-F87F78459831}" dt="2021-10-13T02:08:03.519" v="668" actId="27636"/>
+          <ac:spMkLst>
+            <pc:docMk/>
+            <pc:sldMk cId="2094285108" sldId="276"/>
+            <ac:spMk id="3" creationId="{7060439F-2729-478E-B95F-230482B50AA1}"/>
+          </ac:spMkLst>
+        </pc:spChg>
+      </pc:sldChg>
+      <pc:sldChg chg="modSp add mod">
+        <pc:chgData name="Li Lixiang" userId="6104bbfcb56aea79" providerId="LiveId" clId="{6A96D280-A5A3-4047-8961-F87F78459831}" dt="2021-10-13T02:22:40.664" v="1316" actId="6549"/>
+        <pc:sldMkLst>
+          <pc:docMk/>
+          <pc:sldMk cId="2103825147" sldId="277"/>
+        </pc:sldMkLst>
+        <pc:spChg chg="mod">
+          <ac:chgData name="Li Lixiang" userId="6104bbfcb56aea79" providerId="LiveId" clId="{6A96D280-A5A3-4047-8961-F87F78459831}" dt="2021-10-13T02:22:40.664" v="1316" actId="6549"/>
+          <ac:spMkLst>
+            <pc:docMk/>
+            <pc:sldMk cId="2103825147" sldId="277"/>
+            <ac:spMk id="3" creationId="{7060439F-2729-478E-B95F-230482B50AA1}"/>
+          </ac:spMkLst>
+        </pc:spChg>
+      </pc:sldChg>
+      <pc:sldChg chg="addSp delSp modSp add mod">
+        <pc:chgData name="Li Lixiang" userId="6104bbfcb56aea79" providerId="LiveId" clId="{6A96D280-A5A3-4047-8961-F87F78459831}" dt="2021-12-26T03:56:18.867" v="3319" actId="27636"/>
+        <pc:sldMkLst>
+          <pc:docMk/>
+          <pc:sldMk cId="3556490810" sldId="278"/>
+        </pc:sldMkLst>
+        <pc:spChg chg="del mod">
+          <ac:chgData name="Li Lixiang" userId="6104bbfcb56aea79" providerId="LiveId" clId="{6A96D280-A5A3-4047-8961-F87F78459831}" dt="2021-12-26T03:56:06.821" v="3313" actId="478"/>
+          <ac:spMkLst>
+            <pc:docMk/>
+            <pc:sldMk cId="3556490810" sldId="278"/>
+            <ac:spMk id="2" creationId="{5D280E3F-E80C-41C4-83BA-7980618EAC5E}"/>
+          </ac:spMkLst>
+        </pc:spChg>
+        <pc:spChg chg="mod">
+          <ac:chgData name="Li Lixiang" userId="6104bbfcb56aea79" providerId="LiveId" clId="{6A96D280-A5A3-4047-8961-F87F78459831}" dt="2021-12-26T03:56:18.867" v="3319" actId="27636"/>
+          <ac:spMkLst>
+            <pc:docMk/>
+            <pc:sldMk cId="3556490810" sldId="278"/>
+            <ac:spMk id="3" creationId="{9ACB66CF-AD72-47FB-9DEE-6949334A6EA7}"/>
+          </ac:spMkLst>
+        </pc:spChg>
+        <pc:spChg chg="add del mod">
+          <ac:chgData name="Li Lixiang" userId="6104bbfcb56aea79" providerId="LiveId" clId="{6A96D280-A5A3-4047-8961-F87F78459831}" dt="2021-12-26T03:56:08.994" v="3314" actId="478"/>
+          <ac:spMkLst>
+            <pc:docMk/>
+            <pc:sldMk cId="3556490810" sldId="278"/>
+            <ac:spMk id="5" creationId="{9730E9A2-4EAE-4269-B7E2-DBCDAEB2C62A}"/>
+          </ac:spMkLst>
+        </pc:spChg>
+      </pc:sldChg>
+      <pc:sldChg chg="modSp add mod">
+        <pc:chgData name="Li Lixiang" userId="6104bbfcb56aea79" providerId="LiveId" clId="{6A96D280-A5A3-4047-8961-F87F78459831}" dt="2021-12-26T07:21:58.660" v="3377" actId="404"/>
+        <pc:sldMkLst>
+          <pc:docMk/>
+          <pc:sldMk cId="1703139111" sldId="279"/>
+        </pc:sldMkLst>
+        <pc:spChg chg="mod">
+          <ac:chgData name="Li Lixiang" userId="6104bbfcb56aea79" providerId="LiveId" clId="{6A96D280-A5A3-4047-8961-F87F78459831}" dt="2021-12-26T07:21:58.660" v="3377" actId="404"/>
+          <ac:spMkLst>
+            <pc:docMk/>
+            <pc:sldMk cId="1703139111" sldId="279"/>
+            <ac:spMk id="3" creationId="{9ACB66CF-AD72-47FB-9DEE-6949334A6EA7}"/>
+          </ac:spMkLst>
+        </pc:spChg>
+      </pc:sldChg>
+      <pc:sldChg chg="modSp add del mod">
+        <pc:chgData name="Li Lixiang" userId="6104bbfcb56aea79" providerId="LiveId" clId="{6A96D280-A5A3-4047-8961-F87F78459831}" dt="2021-11-28T04:04:28.001" v="2386" actId="47"/>
+        <pc:sldMkLst>
+          <pc:docMk/>
+          <pc:sldMk cId="3756693306" sldId="280"/>
+        </pc:sldMkLst>
+        <pc:spChg chg="mod">
+          <ac:chgData name="Li Lixiang" userId="6104bbfcb56aea79" providerId="LiveId" clId="{6A96D280-A5A3-4047-8961-F87F78459831}" dt="2021-11-28T03:25:11.479" v="2385" actId="20577"/>
+          <ac:spMkLst>
+            <pc:docMk/>
+            <pc:sldMk cId="3756693306" sldId="280"/>
+            <ac:spMk id="3" creationId="{9ACB66CF-AD72-47FB-9DEE-6949334A6EA7}"/>
+          </ac:spMkLst>
+        </pc:spChg>
+      </pc:sldChg>
+      <pc:sldChg chg="add">
+        <pc:chgData name="Li Lixiang" userId="6104bbfcb56aea79" providerId="LiveId" clId="{6A96D280-A5A3-4047-8961-F87F78459831}" dt="2021-12-24T02:33:25.949" v="2390"/>
+        <pc:sldMkLst>
+          <pc:docMk/>
+          <pc:sldMk cId="3719593706" sldId="284"/>
+        </pc:sldMkLst>
+      </pc:sldChg>
+      <pc:sldChg chg="add del ord">
+        <pc:chgData name="Li Lixiang" userId="6104bbfcb56aea79" providerId="LiveId" clId="{6A96D280-A5A3-4047-8961-F87F78459831}" dt="2021-12-26T07:20:20.071" v="3320" actId="47"/>
+        <pc:sldMkLst>
+          <pc:docMk/>
+          <pc:sldMk cId="386489568" sldId="290"/>
+        </pc:sldMkLst>
+      </pc:sldChg>
+      <pc:sldChg chg="addSp delSp modSp add mod">
+        <pc:chgData name="Li Lixiang" userId="6104bbfcb56aea79" providerId="LiveId" clId="{6A96D280-A5A3-4047-8961-F87F78459831}" dt="2021-12-26T07:21:34.160" v="3374" actId="5793"/>
+        <pc:sldMkLst>
+          <pc:docMk/>
+          <pc:sldMk cId="3124131665" sldId="292"/>
+        </pc:sldMkLst>
+        <pc:spChg chg="del">
+          <ac:chgData name="Li Lixiang" userId="6104bbfcb56aea79" providerId="LiveId" clId="{6A96D280-A5A3-4047-8961-F87F78459831}" dt="2021-12-26T03:31:44.254" v="2604" actId="478"/>
+          <ac:spMkLst>
+            <pc:docMk/>
+            <pc:sldMk cId="3124131665" sldId="292"/>
+            <ac:spMk id="2" creationId="{68FC5CD9-350E-411B-833F-637FB3A36C2B}"/>
+          </ac:spMkLst>
+        </pc:spChg>
+        <pc:spChg chg="mod">
+          <ac:chgData name="Li Lixiang" userId="6104bbfcb56aea79" providerId="LiveId" clId="{6A96D280-A5A3-4047-8961-F87F78459831}" dt="2021-12-26T07:21:34.160" v="3374" actId="5793"/>
+          <ac:spMkLst>
+            <pc:docMk/>
+            <pc:sldMk cId="3124131665" sldId="292"/>
+            <ac:spMk id="3" creationId="{A9A74A00-8237-4773-B481-72C765F68AD3}"/>
+          </ac:spMkLst>
+        </pc:spChg>
+        <pc:spChg chg="add mod">
+          <ac:chgData name="Li Lixiang" userId="6104bbfcb56aea79" providerId="LiveId" clId="{6A96D280-A5A3-4047-8961-F87F78459831}" dt="2021-12-26T07:21:11.479" v="3357" actId="1076"/>
+          <ac:spMkLst>
+            <pc:docMk/>
+            <pc:sldMk cId="3124131665" sldId="292"/>
+            <ac:spMk id="4" creationId="{9574399D-EE3A-4031-AD5F-1CB5C24E4ED4}"/>
+          </ac:spMkLst>
+        </pc:spChg>
+        <pc:spChg chg="add del mod">
+          <ac:chgData name="Li Lixiang" userId="6104bbfcb56aea79" providerId="LiveId" clId="{6A96D280-A5A3-4047-8961-F87F78459831}" dt="2021-12-26T03:31:45.734" v="2605" actId="478"/>
+          <ac:spMkLst>
+            <pc:docMk/>
+            <pc:sldMk cId="3124131665" sldId="292"/>
+            <ac:spMk id="5" creationId="{48BFFA57-BAE4-4897-84F5-921089882304}"/>
+          </ac:spMkLst>
+        </pc:spChg>
+        <pc:spChg chg="add mod">
+          <ac:chgData name="Li Lixiang" userId="6104bbfcb56aea79" providerId="LiveId" clId="{6A96D280-A5A3-4047-8961-F87F78459831}" dt="2021-12-26T07:21:27.418" v="3365"/>
+          <ac:spMkLst>
+            <pc:docMk/>
+            <pc:sldMk cId="3124131665" sldId="292"/>
+            <ac:spMk id="5" creationId="{AEBE885D-B0B6-452C-90BF-701C322F6205}"/>
+          </ac:spMkLst>
+        </pc:spChg>
+      </pc:sldChg>
+      <pc:sldChg chg="add ord">
+        <pc:chgData name="Li Lixiang" userId="6104bbfcb56aea79" providerId="LiveId" clId="{6A96D280-A5A3-4047-8961-F87F78459831}" dt="2021-12-24T02:34:30.625" v="2418"/>
+        <pc:sldMkLst>
+          <pc:docMk/>
+          <pc:sldMk cId="1529310866" sldId="296"/>
+        </pc:sldMkLst>
+      </pc:sldChg>
+      <pc:sldChg chg="add ord">
+        <pc:chgData name="Li Lixiang" userId="6104bbfcb56aea79" providerId="LiveId" clId="{6A96D280-A5A3-4047-8961-F87F78459831}" dt="2021-12-24T02:34:14.788" v="2416"/>
+        <pc:sldMkLst>
+          <pc:docMk/>
+          <pc:sldMk cId="4041151450" sldId="297"/>
+        </pc:sldMkLst>
+      </pc:sldChg>
+      <pc:sldChg chg="addSp modSp add mod">
+        <pc:chgData name="Li Lixiang" userId="6104bbfcb56aea79" providerId="LiveId" clId="{6A96D280-A5A3-4047-8961-F87F78459831}" dt="2021-12-26T03:37:59.943" v="3312" actId="20577"/>
+        <pc:sldMkLst>
+          <pc:docMk/>
+          <pc:sldMk cId="1667430690" sldId="298"/>
+        </pc:sldMkLst>
+        <pc:spChg chg="mod">
+          <ac:chgData name="Li Lixiang" userId="6104bbfcb56aea79" providerId="LiveId" clId="{6A96D280-A5A3-4047-8961-F87F78459831}" dt="2021-12-26T03:37:59.943" v="3312" actId="20577"/>
+          <ac:spMkLst>
+            <pc:docMk/>
+            <pc:sldMk cId="1667430690" sldId="298"/>
+            <ac:spMk id="3" creationId="{A9A74A00-8237-4773-B481-72C765F68AD3}"/>
+          </ac:spMkLst>
+        </pc:spChg>
+        <pc:spChg chg="add mod">
+          <ac:chgData name="Li Lixiang" userId="6104bbfcb56aea79" providerId="LiveId" clId="{6A96D280-A5A3-4047-8961-F87F78459831}" dt="2021-12-26T03:36:04.628" v="3101" actId="20577"/>
+          <ac:spMkLst>
+            <pc:docMk/>
+            <pc:sldMk cId="1667430690" sldId="298"/>
+            <ac:spMk id="4" creationId="{FD071B80-25D5-4F64-BE5F-1BE36DA59716}"/>
+          </ac:spMkLst>
+        </pc:spChg>
+        <pc:spChg chg="add mod">
+          <ac:chgData name="Li Lixiang" userId="6104bbfcb56aea79" providerId="LiveId" clId="{6A96D280-A5A3-4047-8961-F87F78459831}" dt="2021-12-26T03:36:32.684" v="3129" actId="20577"/>
+          <ac:spMkLst>
+            <pc:docMk/>
+            <pc:sldMk cId="1667430690" sldId="298"/>
+            <ac:spMk id="5" creationId="{CF137873-8D2B-4249-B292-4CF447E6F54C}"/>
+          </ac:spMkLst>
+        </pc:spChg>
+      </pc:sldChg>
+    </pc:docChg>
+  </pc:docChgLst>
+  <pc:docChgLst>
     <pc:chgData name="Li Lixiang" userId="6104bbfcb56aea79" providerId="LiveId" clId="{1586F562-4063-4BC9-BBAB-BD8B389D253D}"/>
     <pc:docChg chg="addSld modSld">
       <pc:chgData name="Li Lixiang" userId="6104bbfcb56aea79" providerId="LiveId" clId="{1586F562-4063-4BC9-BBAB-BD8B389D253D}" dt="2021-05-31T08:59:38.537" v="0"/>
@@ -1686,7 +1940,7 @@
             <a:fld id="{B61BEF0D-F0BB-DE4B-95CE-6DB70DBA9567}" type="datetimeFigureOut">
               <a:rPr lang="en-US" dirty="0"/>
               <a:pPr/>
-              <a:t>7/5/2021</a:t>
+              <a:t>12/26/2021</a:t>
             </a:fld>
             <a:endParaRPr lang="en-US" dirty="0"/>
           </a:p>
@@ -2017,7 +2271,7 @@
             <a:fld id="{B61BEF0D-F0BB-DE4B-95CE-6DB70DBA9567}" type="datetimeFigureOut">
               <a:rPr lang="en-US" dirty="0"/>
               <a:pPr/>
-              <a:t>7/5/2021</a:t>
+              <a:t>12/26/2021</a:t>
             </a:fld>
             <a:endParaRPr lang="en-US" dirty="0"/>
           </a:p>
@@ -2292,7 +2546,7 @@
             <a:fld id="{B61BEF0D-F0BB-DE4B-95CE-6DB70DBA9567}" type="datetimeFigureOut">
               <a:rPr lang="en-US" dirty="0"/>
               <a:pPr/>
-              <a:t>7/5/2021</a:t>
+              <a:t>12/26/2021</a:t>
             </a:fld>
             <a:endParaRPr lang="en-US" dirty="0"/>
           </a:p>
@@ -2857,7 +3111,7 @@
             <a:fld id="{B61BEF0D-F0BB-DE4B-95CE-6DB70DBA9567}" type="datetimeFigureOut">
               <a:rPr lang="en-US" dirty="0"/>
               <a:pPr/>
-              <a:t>7/5/2021</a:t>
+              <a:t>12/26/2021</a:t>
             </a:fld>
             <a:endParaRPr lang="en-US" dirty="0"/>
           </a:p>
@@ -3132,7 +3386,7 @@
             <a:fld id="{B61BEF0D-F0BB-DE4B-95CE-6DB70DBA9567}" type="datetimeFigureOut">
               <a:rPr lang="en-US" dirty="0"/>
               <a:pPr/>
-              <a:t>7/5/2021</a:t>
+              <a:t>12/26/2021</a:t>
             </a:fld>
             <a:endParaRPr lang="en-US" dirty="0"/>
           </a:p>
@@ -3691,7 +3945,7 @@
             <a:fld id="{B61BEF0D-F0BB-DE4B-95CE-6DB70DBA9567}" type="datetimeFigureOut">
               <a:rPr lang="en-US" dirty="0"/>
               <a:pPr/>
-              <a:t>7/5/2021</a:t>
+              <a:t>12/26/2021</a:t>
             </a:fld>
             <a:endParaRPr lang="en-US" dirty="0"/>
           </a:p>
@@ -4015,7 +4269,7 @@
             <a:fld id="{B61BEF0D-F0BB-DE4B-95CE-6DB70DBA9567}" type="datetimeFigureOut">
               <a:rPr lang="en-US" dirty="0"/>
               <a:pPr/>
-              <a:t>7/5/2021</a:t>
+              <a:t>12/26/2021</a:t>
             </a:fld>
             <a:endParaRPr lang="en-US" dirty="0"/>
           </a:p>
@@ -4189,7 +4443,7 @@
             <a:fld id="{B61BEF0D-F0BB-DE4B-95CE-6DB70DBA9567}" type="datetimeFigureOut">
               <a:rPr lang="en-US" dirty="0"/>
               <a:pPr/>
-              <a:t>7/5/2021</a:t>
+              <a:t>12/26/2021</a:t>
             </a:fld>
             <a:endParaRPr lang="en-US" dirty="0"/>
           </a:p>
@@ -4424,7 +4678,7 @@
             <a:fld id="{B61BEF0D-F0BB-DE4B-95CE-6DB70DBA9567}" type="datetimeFigureOut">
               <a:rPr lang="en-US" dirty="0"/>
               <a:pPr/>
-              <a:t>7/5/2021</a:t>
+              <a:t>12/26/2021</a:t>
             </a:fld>
             <a:endParaRPr lang="en-US" dirty="0"/>
           </a:p>
@@ -4621,7 +4875,7 @@
             <a:fld id="{B61BEF0D-F0BB-DE4B-95CE-6DB70DBA9567}" type="datetimeFigureOut">
               <a:rPr lang="en-US" dirty="0"/>
               <a:pPr/>
-              <a:t>7/5/2021</a:t>
+              <a:t>12/26/2021</a:t>
             </a:fld>
             <a:endParaRPr lang="en-US" dirty="0"/>
           </a:p>
@@ -4894,7 +5148,7 @@
             <a:fld id="{B61BEF0D-F0BB-DE4B-95CE-6DB70DBA9567}" type="datetimeFigureOut">
               <a:rPr lang="en-US" dirty="0"/>
               <a:pPr/>
-              <a:t>7/5/2021</a:t>
+              <a:t>12/26/2021</a:t>
             </a:fld>
             <a:endParaRPr lang="en-US" dirty="0"/>
           </a:p>
@@ -5157,7 +5411,7 @@
             <a:fld id="{B61BEF0D-F0BB-DE4B-95CE-6DB70DBA9567}" type="datetimeFigureOut">
               <a:rPr lang="en-US" dirty="0"/>
               <a:pPr/>
-              <a:t>7/5/2021</a:t>
+              <a:t>12/26/2021</a:t>
             </a:fld>
             <a:endParaRPr lang="en-US" dirty="0"/>
           </a:p>
@@ -5528,7 +5782,7 @@
             <a:fld id="{B61BEF0D-F0BB-DE4B-95CE-6DB70DBA9567}" type="datetimeFigureOut">
               <a:rPr lang="en-US" dirty="0"/>
               <a:pPr/>
-              <a:t>7/5/2021</a:t>
+              <a:t>12/26/2021</a:t>
             </a:fld>
             <a:endParaRPr lang="en-US" dirty="0"/>
           </a:p>
@@ -5673,7 +5927,7 @@
             <a:fld id="{B61BEF0D-F0BB-DE4B-95CE-6DB70DBA9567}" type="datetimeFigureOut">
               <a:rPr lang="en-US" dirty="0"/>
               <a:pPr/>
-              <a:t>7/5/2021</a:t>
+              <a:t>12/26/2021</a:t>
             </a:fld>
             <a:endParaRPr lang="en-US" dirty="0"/>
           </a:p>
@@ -5795,7 +6049,7 @@
             <a:fld id="{B61BEF0D-F0BB-DE4B-95CE-6DB70DBA9567}" type="datetimeFigureOut">
               <a:rPr lang="en-US" dirty="0"/>
               <a:pPr/>
-              <a:t>7/5/2021</a:t>
+              <a:t>12/26/2021</a:t>
             </a:fld>
             <a:endParaRPr lang="en-US" dirty="0"/>
           </a:p>
@@ -6077,7 +6331,7 @@
             <a:fld id="{B61BEF0D-F0BB-DE4B-95CE-6DB70DBA9567}" type="datetimeFigureOut">
               <a:rPr lang="en-US" dirty="0"/>
               <a:pPr/>
-              <a:t>7/5/2021</a:t>
+              <a:t>12/26/2021</a:t>
             </a:fld>
             <a:endParaRPr lang="en-US" dirty="0"/>
           </a:p>
@@ -6398,7 +6652,7 @@
             <a:fld id="{B61BEF0D-F0BB-DE4B-95CE-6DB70DBA9567}" type="datetimeFigureOut">
               <a:rPr lang="en-US" dirty="0"/>
               <a:pPr/>
-              <a:t>7/5/2021</a:t>
+              <a:t>12/26/2021</a:t>
             </a:fld>
             <a:endParaRPr lang="en-US" dirty="0"/>
           </a:p>
@@ -6609,7 +6863,7 @@
             <a:fld id="{B61BEF0D-F0BB-DE4B-95CE-6DB70DBA9567}" type="datetimeFigureOut">
               <a:rPr lang="en-US" dirty="0"/>
               <a:pPr/>
-              <a:t>7/5/2021</a:t>
+              <a:t>12/26/2021</a:t>
             </a:fld>
             <a:endParaRPr lang="en-US" dirty="0"/>
           </a:p>
@@ -7254,6 +7508,725 @@
 </p:sld>
 </file>
 
+<file path=ppt/slides/slide10.xml><?xml version="1.0" encoding="utf-8"?>
+<p:sld xmlns:a="http://schemas.openxmlformats.org/drawingml/2006/main" xmlns:r="http://schemas.openxmlformats.org/officeDocument/2006/relationships" xmlns:p="http://schemas.openxmlformats.org/presentationml/2006/main">
+  <p:cSld>
+    <p:spTree>
+      <p:nvGrpSpPr>
+        <p:cNvPr id="1" name=""/>
+        <p:cNvGrpSpPr/>
+        <p:nvPr/>
+      </p:nvGrpSpPr>
+      <p:grpSpPr>
+        <a:xfrm>
+          <a:off x="0" y="0"/>
+          <a:ext cx="0" cy="0"/>
+          <a:chOff x="0" y="0"/>
+          <a:chExt cx="0" cy="0"/>
+        </a:xfrm>
+      </p:grpSpPr>
+      <p:sp>
+        <p:nvSpPr>
+          <p:cNvPr id="3" name="Content Placeholder 2">
+            <a:extLst>
+              <a:ext uri="{FF2B5EF4-FFF2-40B4-BE49-F238E27FC236}">
+                <a16:creationId xmlns:a16="http://schemas.microsoft.com/office/drawing/2014/main" id="{9ACB66CF-AD72-47FB-9DEE-6949334A6EA7}"/>
+              </a:ext>
+            </a:extLst>
+          </p:cNvPr>
+          <p:cNvSpPr>
+            <a:spLocks noGrp="1"/>
+          </p:cNvSpPr>
+          <p:nvPr>
+            <p:ph idx="1"/>
+          </p:nvPr>
+        </p:nvSpPr>
+        <p:spPr>
+          <a:xfrm>
+            <a:off x="587189" y="1120091"/>
+            <a:ext cx="9865657" cy="4195980"/>
+          </a:xfrm>
+        </p:spPr>
+        <p:txBody>
+          <a:bodyPr anchor="t">
+            <a:normAutofit fontScale="92500" lnSpcReduction="10000"/>
+          </a:bodyPr>
+          <a:lstStyle/>
+          <a:p>
+            <a:r>
+              <a:rPr lang="en-US" sz="2000" dirty="0"/>
+              <a:t>Write a program, which take a string as input from use, the output 2 information:</a:t>
+            </a:r>
+          </a:p>
+          <a:p>
+            <a:pPr lvl="1"/>
+            <a:r>
+              <a:rPr lang="en-US" sz="1800" dirty="0"/>
+              <a:t>1. how many letters in the string (letters are A~Z and </a:t>
+            </a:r>
+            <a:r>
+              <a:rPr lang="en-US" sz="1800" dirty="0" err="1"/>
+              <a:t>a~z</a:t>
+            </a:r>
+            <a:r>
+              <a:rPr lang="en-US" sz="1800" dirty="0"/>
+              <a:t>).</a:t>
+            </a:r>
+          </a:p>
+          <a:p>
+            <a:pPr lvl="1"/>
+            <a:r>
+              <a:rPr lang="en-US" sz="1800" dirty="0"/>
+              <a:t>2. how many digits in the string (digits are 0~9)</a:t>
+            </a:r>
+          </a:p>
+          <a:p>
+            <a:endParaRPr lang="en-US" sz="2000" dirty="0"/>
+          </a:p>
+          <a:p>
+            <a:endParaRPr lang="en-US" sz="2000" dirty="0"/>
+          </a:p>
+          <a:p>
+            <a:endParaRPr lang="en-US" sz="2000" dirty="0"/>
+          </a:p>
+          <a:p>
+            <a:r>
+              <a:rPr lang="en-US" sz="2000" dirty="0"/>
+              <a:t>Write a program, which takes one string from user and check if this string is valid to be used as a password:</a:t>
+            </a:r>
+          </a:p>
+          <a:p>
+            <a:pPr lvl="1"/>
+            <a:r>
+              <a:rPr lang="en-US" sz="1800" dirty="0"/>
+              <a:t>At least one letter and one digit</a:t>
+            </a:r>
+          </a:p>
+          <a:p>
+            <a:pPr lvl="1"/>
+            <a:r>
+              <a:rPr lang="en-US" sz="1800" dirty="0"/>
+              <a:t>Minimum length 8</a:t>
+            </a:r>
+          </a:p>
+          <a:p>
+            <a:pPr lvl="1"/>
+            <a:r>
+              <a:rPr lang="en-US" sz="1800" dirty="0"/>
+              <a:t>Maximum length 16</a:t>
+            </a:r>
+          </a:p>
+        </p:txBody>
+      </p:sp>
+    </p:spTree>
+    <p:extLst>
+      <p:ext uri="{BB962C8B-B14F-4D97-AF65-F5344CB8AC3E}">
+        <p14:creationId xmlns:p14="http://schemas.microsoft.com/office/powerpoint/2010/main" val="3556490810"/>
+      </p:ext>
+    </p:extLst>
+  </p:cSld>
+  <p:clrMapOvr>
+    <a:masterClrMapping/>
+  </p:clrMapOvr>
+</p:sld>
+</file>
+
+<file path=ppt/slides/slide11.xml><?xml version="1.0" encoding="utf-8"?>
+<p:sld xmlns:a="http://schemas.openxmlformats.org/drawingml/2006/main" xmlns:r="http://schemas.openxmlformats.org/officeDocument/2006/relationships" xmlns:p="http://schemas.openxmlformats.org/presentationml/2006/main">
+  <p:cSld>
+    <p:spTree>
+      <p:nvGrpSpPr>
+        <p:cNvPr id="1" name=""/>
+        <p:cNvGrpSpPr/>
+        <p:nvPr/>
+      </p:nvGrpSpPr>
+      <p:grpSpPr>
+        <a:xfrm>
+          <a:off x="0" y="0"/>
+          <a:ext cx="0" cy="0"/>
+          <a:chOff x="0" y="0"/>
+          <a:chExt cx="0" cy="0"/>
+        </a:xfrm>
+      </p:grpSpPr>
+      <p:sp>
+        <p:nvSpPr>
+          <p:cNvPr id="2" name="Title 1">
+            <a:extLst>
+              <a:ext uri="{FF2B5EF4-FFF2-40B4-BE49-F238E27FC236}">
+                <a16:creationId xmlns:a16="http://schemas.microsoft.com/office/drawing/2014/main" id="{5D280E3F-E80C-41C4-83BA-7980618EAC5E}"/>
+              </a:ext>
+            </a:extLst>
+          </p:cNvPr>
+          <p:cNvSpPr>
+            <a:spLocks noGrp="1"/>
+          </p:cNvSpPr>
+          <p:nvPr>
+            <p:ph type="title"/>
+          </p:nvPr>
+        </p:nvSpPr>
+        <p:spPr/>
+        <p:txBody>
+          <a:bodyPr/>
+          <a:lstStyle/>
+          <a:p>
+            <a:r>
+              <a:rPr lang="en-MY" dirty="0"/>
+              <a:t>Programming practice</a:t>
+            </a:r>
+          </a:p>
+        </p:txBody>
+      </p:sp>
+      <p:sp>
+        <p:nvSpPr>
+          <p:cNvPr id="3" name="Content Placeholder 2">
+            <a:extLst>
+              <a:ext uri="{FF2B5EF4-FFF2-40B4-BE49-F238E27FC236}">
+                <a16:creationId xmlns:a16="http://schemas.microsoft.com/office/drawing/2014/main" id="{9ACB66CF-AD72-47FB-9DEE-6949334A6EA7}"/>
+              </a:ext>
+            </a:extLst>
+          </p:cNvPr>
+          <p:cNvSpPr>
+            <a:spLocks noGrp="1"/>
+          </p:cNvSpPr>
+          <p:nvPr>
+            <p:ph idx="1"/>
+          </p:nvPr>
+        </p:nvSpPr>
+        <p:spPr>
+          <a:xfrm>
+            <a:off x="685801" y="2142067"/>
+            <a:ext cx="9865657" cy="3649133"/>
+          </a:xfrm>
+        </p:spPr>
+        <p:txBody>
+          <a:bodyPr anchor="t">
+            <a:normAutofit/>
+          </a:bodyPr>
+          <a:lstStyle/>
+          <a:p>
+            <a:r>
+              <a:rPr lang="en-US" sz="2000" dirty="0"/>
+              <a:t>Write a program, which take a character as input. Program will check and output the character is vowel, or consonant.</a:t>
+            </a:r>
+          </a:p>
+          <a:p>
+            <a:endParaRPr lang="en-US" dirty="0"/>
+          </a:p>
+          <a:p>
+            <a:endParaRPr lang="en-US" dirty="0"/>
+          </a:p>
+          <a:p>
+            <a:endParaRPr lang="en-US" dirty="0"/>
+          </a:p>
+          <a:p>
+            <a:r>
+              <a:rPr lang="en-MY" sz="2000" dirty="0"/>
+              <a:t>Make a program, which takes input Month from user, and gives days of that month.</a:t>
+            </a:r>
+          </a:p>
+          <a:p>
+            <a:pPr lvl="1"/>
+            <a:r>
+              <a:rPr lang="en-MY" dirty="0"/>
+              <a:t>Example:</a:t>
+            </a:r>
+          </a:p>
+          <a:p>
+            <a:pPr lvl="1"/>
+            <a:r>
+              <a:rPr lang="en-MY" dirty="0"/>
+              <a:t>Input the name of month: February</a:t>
+            </a:r>
+          </a:p>
+          <a:p>
+            <a:pPr lvl="1"/>
+            <a:r>
+              <a:rPr lang="en-MY" dirty="0"/>
+              <a:t>No. of days for February: 28 or 29 days</a:t>
+            </a:r>
+            <a:endParaRPr lang="en-MY" sz="1800" dirty="0"/>
+          </a:p>
+        </p:txBody>
+      </p:sp>
+    </p:spTree>
+    <p:extLst>
+      <p:ext uri="{BB962C8B-B14F-4D97-AF65-F5344CB8AC3E}">
+        <p14:creationId xmlns:p14="http://schemas.microsoft.com/office/powerpoint/2010/main" val="1703139111"/>
+      </p:ext>
+    </p:extLst>
+  </p:cSld>
+  <p:clrMapOvr>
+    <a:masterClrMapping/>
+  </p:clrMapOvr>
+</p:sld>
+</file>
+
+<file path=ppt/slides/slide12.xml><?xml version="1.0" encoding="utf-8"?>
+<p:sld xmlns:a="http://schemas.openxmlformats.org/drawingml/2006/main" xmlns:r="http://schemas.openxmlformats.org/officeDocument/2006/relationships" xmlns:p="http://schemas.openxmlformats.org/presentationml/2006/main">
+  <p:cSld>
+    <p:spTree>
+      <p:nvGrpSpPr>
+        <p:cNvPr id="1" name=""/>
+        <p:cNvGrpSpPr/>
+        <p:nvPr/>
+      </p:nvGrpSpPr>
+      <p:grpSpPr>
+        <a:xfrm>
+          <a:off x="0" y="0"/>
+          <a:ext cx="0" cy="0"/>
+          <a:chOff x="0" y="0"/>
+          <a:chExt cx="0" cy="0"/>
+        </a:xfrm>
+      </p:grpSpPr>
+      <p:sp>
+        <p:nvSpPr>
+          <p:cNvPr id="2" name="标题 1">
+            <a:extLst>
+              <a:ext uri="{FF2B5EF4-FFF2-40B4-BE49-F238E27FC236}">
+                <a16:creationId xmlns:a16="http://schemas.microsoft.com/office/drawing/2014/main" id="{5EC01E2D-9CFE-4D5D-8863-3BA90731F07B}"/>
+              </a:ext>
+            </a:extLst>
+          </p:cNvPr>
+          <p:cNvSpPr>
+            <a:spLocks noGrp="1"/>
+          </p:cNvSpPr>
+          <p:nvPr>
+            <p:ph type="title"/>
+          </p:nvPr>
+        </p:nvSpPr>
+        <p:spPr/>
+        <p:txBody>
+          <a:bodyPr/>
+          <a:lstStyle/>
+          <a:p>
+            <a:r>
+              <a:rPr lang="en-US" altLang="zh-CN" dirty="0"/>
+              <a:t>Define your own function</a:t>
+            </a:r>
+            <a:endParaRPr lang="en-MY" dirty="0"/>
+          </a:p>
+        </p:txBody>
+      </p:sp>
+      <p:sp>
+        <p:nvSpPr>
+          <p:cNvPr id="3" name="内容占位符 2">
+            <a:extLst>
+              <a:ext uri="{FF2B5EF4-FFF2-40B4-BE49-F238E27FC236}">
+                <a16:creationId xmlns:a16="http://schemas.microsoft.com/office/drawing/2014/main" id="{7060439F-2729-478E-B95F-230482B50AA1}"/>
+              </a:ext>
+            </a:extLst>
+          </p:cNvPr>
+          <p:cNvSpPr>
+            <a:spLocks noGrp="1"/>
+          </p:cNvSpPr>
+          <p:nvPr>
+            <p:ph idx="1"/>
+          </p:nvPr>
+        </p:nvSpPr>
+        <p:spPr>
+          <a:xfrm>
+            <a:off x="685802" y="2142066"/>
+            <a:ext cx="8919592" cy="3572934"/>
+          </a:xfrm>
+        </p:spPr>
+        <p:txBody>
+          <a:bodyPr anchor="t">
+            <a:normAutofit/>
+          </a:bodyPr>
+          <a:lstStyle/>
+          <a:p>
+            <a:r>
+              <a:rPr lang="en-MY" dirty="0"/>
+              <a:t>Define a function </a:t>
+            </a:r>
+            <a:r>
+              <a:rPr lang="en-MY" dirty="0" err="1"/>
+              <a:t>countBs</a:t>
+            </a:r>
+            <a:r>
+              <a:rPr lang="en-MY" dirty="0"/>
+              <a:t>(), which accepts a string as argument, and return how many ‘B’ in this string.</a:t>
+            </a:r>
+          </a:p>
+          <a:p>
+            <a:endParaRPr lang="en-MY" dirty="0"/>
+          </a:p>
+          <a:p>
+            <a:r>
+              <a:rPr lang="en-MY" dirty="0"/>
+              <a:t>Define a new function </a:t>
+            </a:r>
+            <a:r>
+              <a:rPr lang="en-MY" dirty="0" err="1"/>
+              <a:t>countChars</a:t>
+            </a:r>
+            <a:r>
+              <a:rPr lang="en-MY" dirty="0"/>
+              <a:t>(), which accepts one more argument, this second argument is a one letter string, specify which character want to count. And the function will return how many this character in the string.</a:t>
+            </a:r>
+          </a:p>
+          <a:p>
+            <a:endParaRPr lang="en-MY" dirty="0"/>
+          </a:p>
+          <a:p>
+            <a:r>
+              <a:rPr lang="en-MY" dirty="0"/>
+              <a:t>Try to use the second function, to make a new </a:t>
+            </a:r>
+            <a:r>
+              <a:rPr lang="en-MY" dirty="0" err="1"/>
+              <a:t>countBs</a:t>
+            </a:r>
+            <a:r>
+              <a:rPr lang="en-MY" dirty="0"/>
+              <a:t> function.</a:t>
+            </a:r>
+          </a:p>
+        </p:txBody>
+      </p:sp>
+    </p:spTree>
+    <p:extLst>
+      <p:ext uri="{BB962C8B-B14F-4D97-AF65-F5344CB8AC3E}">
+        <p14:creationId xmlns:p14="http://schemas.microsoft.com/office/powerpoint/2010/main" val="1137392759"/>
+      </p:ext>
+    </p:extLst>
+  </p:cSld>
+  <p:clrMapOvr>
+    <a:masterClrMapping/>
+  </p:clrMapOvr>
+</p:sld>
+</file>
+
+<file path=ppt/slides/slide13.xml><?xml version="1.0" encoding="utf-8"?>
+<p:sld xmlns:a="http://schemas.openxmlformats.org/drawingml/2006/main" xmlns:r="http://schemas.openxmlformats.org/officeDocument/2006/relationships" xmlns:p="http://schemas.openxmlformats.org/presentationml/2006/main">
+  <p:cSld>
+    <p:spTree>
+      <p:nvGrpSpPr>
+        <p:cNvPr id="1" name=""/>
+        <p:cNvGrpSpPr/>
+        <p:nvPr/>
+      </p:nvGrpSpPr>
+      <p:grpSpPr>
+        <a:xfrm>
+          <a:off x="0" y="0"/>
+          <a:ext cx="0" cy="0"/>
+          <a:chOff x="0" y="0"/>
+          <a:chExt cx="0" cy="0"/>
+        </a:xfrm>
+      </p:grpSpPr>
+      <p:sp>
+        <p:nvSpPr>
+          <p:cNvPr id="2" name="标题 1">
+            <a:extLst>
+              <a:ext uri="{FF2B5EF4-FFF2-40B4-BE49-F238E27FC236}">
+                <a16:creationId xmlns:a16="http://schemas.microsoft.com/office/drawing/2014/main" id="{5EC01E2D-9CFE-4D5D-8863-3BA90731F07B}"/>
+              </a:ext>
+            </a:extLst>
+          </p:cNvPr>
+          <p:cNvSpPr>
+            <a:spLocks noGrp="1"/>
+          </p:cNvSpPr>
+          <p:nvPr>
+            <p:ph type="title"/>
+          </p:nvPr>
+        </p:nvSpPr>
+        <p:spPr/>
+        <p:txBody>
+          <a:bodyPr/>
+          <a:lstStyle/>
+          <a:p>
+            <a:r>
+              <a:rPr lang="en-US" altLang="zh-CN" dirty="0"/>
+              <a:t>Define your own function</a:t>
+            </a:r>
+            <a:endParaRPr lang="en-MY" dirty="0"/>
+          </a:p>
+        </p:txBody>
+      </p:sp>
+      <p:sp>
+        <p:nvSpPr>
+          <p:cNvPr id="3" name="内容占位符 2">
+            <a:extLst>
+              <a:ext uri="{FF2B5EF4-FFF2-40B4-BE49-F238E27FC236}">
+                <a16:creationId xmlns:a16="http://schemas.microsoft.com/office/drawing/2014/main" id="{7060439F-2729-478E-B95F-230482B50AA1}"/>
+              </a:ext>
+            </a:extLst>
+          </p:cNvPr>
+          <p:cNvSpPr>
+            <a:spLocks noGrp="1"/>
+          </p:cNvSpPr>
+          <p:nvPr>
+            <p:ph idx="1"/>
+          </p:nvPr>
+        </p:nvSpPr>
+        <p:spPr>
+          <a:xfrm>
+            <a:off x="685802" y="2142066"/>
+            <a:ext cx="8919592" cy="3572934"/>
+          </a:xfrm>
+        </p:spPr>
+        <p:txBody>
+          <a:bodyPr anchor="t">
+            <a:normAutofit/>
+          </a:bodyPr>
+          <a:lstStyle/>
+          <a:p>
+            <a:r>
+              <a:rPr lang="en-MY" dirty="0"/>
+              <a:t>Define a function, </a:t>
+            </a:r>
+            <a:r>
+              <a:rPr lang="en-MY" i="1" dirty="0" err="1"/>
+              <a:t>useonly</a:t>
+            </a:r>
+            <a:r>
+              <a:rPr lang="en-MY" dirty="0"/>
+              <a:t>, which takes 2 arguments: the 1</a:t>
+            </a:r>
+            <a:r>
+              <a:rPr lang="en-MY" baseline="30000" dirty="0"/>
+              <a:t>st</a:t>
+            </a:r>
+            <a:r>
+              <a:rPr lang="en-MY" dirty="0"/>
+              <a:t> will be the word to check, the 2</a:t>
+            </a:r>
+            <a:r>
+              <a:rPr lang="en-MY" baseline="30000" dirty="0"/>
+              <a:t>nd</a:t>
+            </a:r>
+            <a:r>
+              <a:rPr lang="en-MY" dirty="0"/>
+              <a:t> will be a sequence of letters.</a:t>
+            </a:r>
+          </a:p>
+          <a:p>
+            <a:r>
+              <a:rPr lang="en-MY" dirty="0"/>
+              <a:t>The function will check if the word only contain letters from the sequence, no other letters. If True then return True, otherwise return False.</a:t>
+            </a:r>
+          </a:p>
+          <a:p>
+            <a:endParaRPr lang="en-MY" dirty="0"/>
+          </a:p>
+          <a:p>
+            <a:r>
+              <a:rPr lang="en-MY" dirty="0"/>
+              <a:t>Define a function, </a:t>
+            </a:r>
+            <a:r>
+              <a:rPr lang="en-MY" i="1" dirty="0" err="1"/>
+              <a:t>useall</a:t>
+            </a:r>
+            <a:r>
+              <a:rPr lang="en-MY" dirty="0"/>
+              <a:t>, which takes 2 arguments: the 1</a:t>
+            </a:r>
+            <a:r>
+              <a:rPr lang="en-MY" baseline="30000" dirty="0"/>
+              <a:t>st</a:t>
+            </a:r>
+            <a:r>
+              <a:rPr lang="en-MY" dirty="0"/>
+              <a:t> will be the word to check, the 2</a:t>
+            </a:r>
+            <a:r>
+              <a:rPr lang="en-MY" baseline="30000" dirty="0"/>
+              <a:t>nd</a:t>
+            </a:r>
+            <a:r>
+              <a:rPr lang="en-MY" dirty="0"/>
+              <a:t> will be a sequence of letters.</a:t>
+            </a:r>
+          </a:p>
+          <a:p>
+            <a:r>
+              <a:rPr lang="en-MY" dirty="0"/>
+              <a:t>The function will check, if the word used all the letters in the sequence. (if also used some other letters outside of the sequence is ok). If True then return True, otherwise return False.</a:t>
+            </a:r>
+          </a:p>
+          <a:p>
+            <a:endParaRPr lang="en-MY" dirty="0"/>
+          </a:p>
+        </p:txBody>
+      </p:sp>
+    </p:spTree>
+    <p:extLst>
+      <p:ext uri="{BB962C8B-B14F-4D97-AF65-F5344CB8AC3E}">
+        <p14:creationId xmlns:p14="http://schemas.microsoft.com/office/powerpoint/2010/main" val="2094285108"/>
+      </p:ext>
+    </p:extLst>
+  </p:cSld>
+  <p:clrMapOvr>
+    <a:masterClrMapping/>
+  </p:clrMapOvr>
+</p:sld>
+</file>
+
+<file path=ppt/slides/slide14.xml><?xml version="1.0" encoding="utf-8"?>
+<p:sld xmlns:a="http://schemas.openxmlformats.org/drawingml/2006/main" xmlns:r="http://schemas.openxmlformats.org/officeDocument/2006/relationships" xmlns:p="http://schemas.openxmlformats.org/presentationml/2006/main">
+  <p:cSld>
+    <p:spTree>
+      <p:nvGrpSpPr>
+        <p:cNvPr id="1" name=""/>
+        <p:cNvGrpSpPr/>
+        <p:nvPr/>
+      </p:nvGrpSpPr>
+      <p:grpSpPr>
+        <a:xfrm>
+          <a:off x="0" y="0"/>
+          <a:ext cx="0" cy="0"/>
+          <a:chOff x="0" y="0"/>
+          <a:chExt cx="0" cy="0"/>
+        </a:xfrm>
+      </p:grpSpPr>
+      <p:sp>
+        <p:nvSpPr>
+          <p:cNvPr id="2" name="标题 1">
+            <a:extLst>
+              <a:ext uri="{FF2B5EF4-FFF2-40B4-BE49-F238E27FC236}">
+                <a16:creationId xmlns:a16="http://schemas.microsoft.com/office/drawing/2014/main" id="{5EC01E2D-9CFE-4D5D-8863-3BA90731F07B}"/>
+              </a:ext>
+            </a:extLst>
+          </p:cNvPr>
+          <p:cNvSpPr>
+            <a:spLocks noGrp="1"/>
+          </p:cNvSpPr>
+          <p:nvPr>
+            <p:ph type="title"/>
+          </p:nvPr>
+        </p:nvSpPr>
+        <p:spPr/>
+        <p:txBody>
+          <a:bodyPr/>
+          <a:lstStyle/>
+          <a:p>
+            <a:r>
+              <a:rPr lang="en-US" altLang="zh-CN" dirty="0"/>
+              <a:t>Define your own function</a:t>
+            </a:r>
+            <a:endParaRPr lang="en-MY" dirty="0"/>
+          </a:p>
+        </p:txBody>
+      </p:sp>
+      <p:sp>
+        <p:nvSpPr>
+          <p:cNvPr id="3" name="内容占位符 2">
+            <a:extLst>
+              <a:ext uri="{FF2B5EF4-FFF2-40B4-BE49-F238E27FC236}">
+                <a16:creationId xmlns:a16="http://schemas.microsoft.com/office/drawing/2014/main" id="{7060439F-2729-478E-B95F-230482B50AA1}"/>
+              </a:ext>
+            </a:extLst>
+          </p:cNvPr>
+          <p:cNvSpPr>
+            <a:spLocks noGrp="1"/>
+          </p:cNvSpPr>
+          <p:nvPr>
+            <p:ph idx="1"/>
+          </p:nvPr>
+        </p:nvSpPr>
+        <p:spPr>
+          <a:xfrm>
+            <a:off x="685802" y="2142066"/>
+            <a:ext cx="8919592" cy="3572934"/>
+          </a:xfrm>
+        </p:spPr>
+        <p:txBody>
+          <a:bodyPr anchor="t">
+            <a:normAutofit/>
+          </a:bodyPr>
+          <a:lstStyle/>
+          <a:p>
+            <a:r>
+              <a:rPr lang="en-MY" dirty="0"/>
+              <a:t>Define a function, </a:t>
+            </a:r>
+            <a:r>
+              <a:rPr lang="en-MY" i="1" dirty="0" err="1"/>
+              <a:t>isabecedarian</a:t>
+            </a:r>
+            <a:r>
+              <a:rPr lang="en-MY" dirty="0"/>
+              <a:t>, which takes  argument: the word to check.</a:t>
+            </a:r>
+          </a:p>
+          <a:p>
+            <a:r>
+              <a:rPr lang="en-MY" dirty="0"/>
+              <a:t>The function will check if the letters of the word appeared according to alphabetic order (double or triple letters are ok). If True returns True, otherwise returns False.</a:t>
+            </a:r>
+          </a:p>
+          <a:p>
+            <a:endParaRPr lang="en-MY" dirty="0"/>
+          </a:p>
+          <a:p>
+            <a:endParaRPr lang="en-MY" dirty="0"/>
+          </a:p>
+          <a:p>
+            <a:r>
+              <a:rPr lang="en-MY" dirty="0"/>
+              <a:t>Define a function, </a:t>
+            </a:r>
+            <a:r>
+              <a:rPr lang="en-MY" i="1" dirty="0"/>
+              <a:t>avoids</a:t>
+            </a:r>
+            <a:r>
+              <a:rPr lang="en-MY" dirty="0"/>
+              <a:t>, which takes 2  arguments: the 1</a:t>
+            </a:r>
+            <a:r>
+              <a:rPr lang="en-MY" baseline="30000" dirty="0"/>
+              <a:t>st</a:t>
+            </a:r>
+            <a:r>
+              <a:rPr lang="en-MY" dirty="0"/>
+              <a:t> is the word to check, the 2</a:t>
+            </a:r>
+            <a:r>
+              <a:rPr lang="en-MY" baseline="30000" dirty="0"/>
+              <a:t>nd</a:t>
+            </a:r>
+            <a:r>
+              <a:rPr lang="en-MY" dirty="0"/>
+              <a:t> is a sequence of letters.</a:t>
+            </a:r>
+          </a:p>
+          <a:p>
+            <a:r>
+              <a:rPr lang="en-MY" dirty="0"/>
+              <a:t>The function will check if the letters of the word contain any of the letters from 2</a:t>
+            </a:r>
+            <a:r>
+              <a:rPr lang="en-MY" baseline="30000" dirty="0"/>
+              <a:t>nd</a:t>
+            </a:r>
+            <a:r>
+              <a:rPr lang="en-MY" dirty="0"/>
+              <a:t> sequence. If does not have any, it returns True. If has, then return False.</a:t>
+            </a:r>
+          </a:p>
+          <a:p>
+            <a:endParaRPr lang="en-MY" dirty="0"/>
+          </a:p>
+          <a:p>
+            <a:endParaRPr lang="en-MY" dirty="0"/>
+          </a:p>
+        </p:txBody>
+      </p:sp>
+    </p:spTree>
+    <p:extLst>
+      <p:ext uri="{BB962C8B-B14F-4D97-AF65-F5344CB8AC3E}">
+        <p14:creationId xmlns:p14="http://schemas.microsoft.com/office/powerpoint/2010/main" val="2103825147"/>
+      </p:ext>
+    </p:extLst>
+  </p:cSld>
+  <p:clrMapOvr>
+    <a:masterClrMapping/>
+  </p:clrMapOvr>
+</p:sld>
+</file>
+
 <file path=ppt/slides/slide2.xml><?xml version="1.0" encoding="utf-8"?>
 <p:sld xmlns:a="http://schemas.openxmlformats.org/drawingml/2006/main" xmlns:r="http://schemas.openxmlformats.org/officeDocument/2006/relationships" xmlns:p="http://schemas.openxmlformats.org/presentationml/2006/main">
   <p:cSld>
@@ -7421,10 +8394,10 @@
       </p:grpSpPr>
       <p:sp>
         <p:nvSpPr>
-          <p:cNvPr id="2" name="Title 1">
+          <p:cNvPr id="2" name="标题 1">
             <a:extLst>
               <a:ext uri="{FF2B5EF4-FFF2-40B4-BE49-F238E27FC236}">
-                <a16:creationId xmlns:a16="http://schemas.microsoft.com/office/drawing/2014/main" id="{5D280E3F-E80C-41C4-83BA-7980618EAC5E}"/>
+                <a16:creationId xmlns:a16="http://schemas.microsoft.com/office/drawing/2014/main" id="{5EC01E2D-9CFE-4D5D-8863-3BA90731F07B}"/>
               </a:ext>
             </a:extLst>
           </p:cNvPr>
@@ -7435,24 +8408,37 @@
             <p:ph type="title"/>
           </p:nvPr>
         </p:nvSpPr>
-        <p:spPr/>
-        <p:txBody>
-          <a:bodyPr/>
+        <p:spPr>
+          <a:xfrm>
+            <a:off x="825909" y="808055"/>
+            <a:ext cx="9406662" cy="1453363"/>
+          </a:xfrm>
+        </p:spPr>
+        <p:txBody>
+          <a:bodyPr>
+            <a:normAutofit/>
+          </a:bodyPr>
           <a:lstStyle/>
           <a:p>
-            <a:r>
-              <a:rPr lang="en-MY" dirty="0"/>
-              <a:t>Palindrome word</a:t>
-            </a:r>
-          </a:p>
-        </p:txBody>
-      </p:sp>
-      <p:sp>
-        <p:nvSpPr>
-          <p:cNvPr id="3" name="Content Placeholder 2">
+            <a:pPr>
+              <a:lnSpc>
+                <a:spcPct val="90000"/>
+              </a:lnSpc>
+            </a:pPr>
+            <a:r>
+              <a:rPr lang="en-US" sz="3300" dirty="0"/>
+              <a:t>Programming Practice</a:t>
+            </a:r>
+            <a:endParaRPr lang="en-MY" sz="3300" dirty="0"/>
+          </a:p>
+        </p:txBody>
+      </p:sp>
+      <p:sp>
+        <p:nvSpPr>
+          <p:cNvPr id="3" name="内容占位符 2">
             <a:extLst>
               <a:ext uri="{FF2B5EF4-FFF2-40B4-BE49-F238E27FC236}">
-                <a16:creationId xmlns:a16="http://schemas.microsoft.com/office/drawing/2014/main" id="{9ACB66CF-AD72-47FB-9DEE-6949334A6EA7}"/>
+                <a16:creationId xmlns:a16="http://schemas.microsoft.com/office/drawing/2014/main" id="{7060439F-2729-478E-B95F-230482B50AA1}"/>
               </a:ext>
             </a:extLst>
           </p:cNvPr>
@@ -7465,35 +8451,290 @@
         </p:nvSpPr>
         <p:spPr>
           <a:xfrm>
-            <a:off x="685802" y="2142067"/>
-            <a:ext cx="5991836" cy="3649133"/>
+            <a:off x="802178" y="2261420"/>
+            <a:ext cx="8341822" cy="3637935"/>
           </a:xfrm>
         </p:spPr>
         <p:txBody>
-          <a:bodyPr anchor="t"/>
+          <a:bodyPr anchor="t">
+            <a:normAutofit fontScale="85000" lnSpcReduction="20000"/>
+          </a:bodyPr>
           <a:lstStyle/>
           <a:p>
             <a:r>
-              <a:rPr lang="en-US" dirty="0"/>
-              <a:t>Make a program, which can check if a word is palindrome or not.</a:t>
-            </a:r>
-          </a:p>
-          <a:p>
-            <a:endParaRPr lang="en-US" dirty="0"/>
-          </a:p>
-          <a:p>
-            <a:r>
-              <a:rPr lang="en-US" dirty="0"/>
-              <a:t>Palindrome words, are those words that read from reverse order is same from beginning, like: madam, refer, racecar, etc.</a:t>
-            </a:r>
-            <a:endParaRPr lang="en-MY" dirty="0"/>
+              <a:rPr lang="en-MY" sz="2400" dirty="0"/>
+              <a:t>Shape making with console print:</a:t>
+            </a:r>
+          </a:p>
+          <a:p>
+            <a:pPr lvl="1"/>
+            <a:r>
+              <a:rPr lang="en-MY" sz="2000" dirty="0"/>
+              <a:t>If you google “ASCII art” or “text art”, you can find more nice shapes/pictures</a:t>
+            </a:r>
+          </a:p>
+          <a:p>
+            <a:pPr lvl="1"/>
+            <a:endParaRPr lang="en-MY" sz="2000" dirty="0"/>
+          </a:p>
+          <a:p>
+            <a:pPr lvl="1"/>
+            <a:endParaRPr lang="en-MY" sz="2000" dirty="0"/>
+          </a:p>
+          <a:p>
+            <a:pPr lvl="1"/>
+            <a:endParaRPr lang="en-MY" sz="2000" dirty="0"/>
+          </a:p>
+          <a:p>
+            <a:pPr lvl="1"/>
+            <a:endParaRPr lang="en-MY" sz="2000" dirty="0"/>
+          </a:p>
+          <a:p>
+            <a:r>
+              <a:rPr lang="en-MY" sz="2400" dirty="0"/>
+              <a:t>Chess board:</a:t>
+            </a:r>
+          </a:p>
+          <a:p>
+            <a:pPr lvl="1"/>
+            <a:r>
+              <a:rPr lang="en-MY" sz="2000" dirty="0"/>
+              <a:t>Normal chess board is 8x8 and each cell is black or white. We use empty space as white, use ‘#’ as black, to print the chess board.</a:t>
+            </a:r>
+          </a:p>
+          <a:p>
+            <a:pPr lvl="1"/>
+            <a:r>
+              <a:rPr lang="en-MY" sz="2000" dirty="0"/>
+              <a:t>Change the program to allow for any size besides 8.</a:t>
+            </a:r>
+          </a:p>
+          <a:p>
+            <a:pPr lvl="1"/>
+            <a:endParaRPr lang="en-MY" sz="2000" dirty="0"/>
+          </a:p>
+        </p:txBody>
+      </p:sp>
+      <p:sp>
+        <p:nvSpPr>
+          <p:cNvPr id="5" name="TextBox 4">
+            <a:extLst>
+              <a:ext uri="{FF2B5EF4-FFF2-40B4-BE49-F238E27FC236}">
+                <a16:creationId xmlns:a16="http://schemas.microsoft.com/office/drawing/2014/main" id="{2FE83FB9-ED60-418D-A672-204C04B87883}"/>
+              </a:ext>
+            </a:extLst>
+          </p:cNvPr>
+          <p:cNvSpPr txBox="1"/>
+          <p:nvPr/>
+        </p:nvSpPr>
+        <p:spPr>
+          <a:xfrm>
+            <a:off x="8237601" y="1077975"/>
+            <a:ext cx="2622551" cy="2031325"/>
+          </a:xfrm>
+          <a:prstGeom prst="rect">
+            <a:avLst/>
+          </a:prstGeom>
+          <a:noFill/>
+        </p:spPr>
+        <p:txBody>
+          <a:bodyPr wrap="square">
+            <a:spAutoFit/>
+          </a:bodyPr>
+          <a:lstStyle/>
+          <a:p>
+            <a:pPr lvl="1"/>
+            <a:r>
+              <a:rPr lang="en-MY" sz="1800" dirty="0"/>
+              <a:t>*</a:t>
+            </a:r>
+          </a:p>
+          <a:p>
+            <a:pPr lvl="1"/>
+            <a:r>
+              <a:rPr lang="en-MY" sz="1800" dirty="0"/>
+              <a:t>**</a:t>
+            </a:r>
+          </a:p>
+          <a:p>
+            <a:pPr lvl="1"/>
+            <a:r>
+              <a:rPr lang="en-MY" sz="1800" dirty="0"/>
+              <a:t>***</a:t>
+            </a:r>
+          </a:p>
+          <a:p>
+            <a:pPr lvl="1"/>
+            <a:r>
+              <a:rPr lang="en-MY" sz="1800" dirty="0"/>
+              <a:t>****</a:t>
+            </a:r>
+          </a:p>
+          <a:p>
+            <a:pPr lvl="1"/>
+            <a:r>
+              <a:rPr lang="en-MY" sz="1800" dirty="0"/>
+              <a:t>*****</a:t>
+            </a:r>
+          </a:p>
+          <a:p>
+            <a:pPr lvl="1"/>
+            <a:r>
+              <a:rPr lang="en-MY" sz="1800" dirty="0"/>
+              <a:t>******</a:t>
+            </a:r>
+          </a:p>
+          <a:p>
+            <a:pPr lvl="1"/>
+            <a:r>
+              <a:rPr lang="en-MY" dirty="0"/>
+              <a:t>*******</a:t>
+            </a:r>
+            <a:endParaRPr lang="en-MY" sz="1800" dirty="0"/>
+          </a:p>
+        </p:txBody>
+      </p:sp>
+      <p:sp>
+        <p:nvSpPr>
+          <p:cNvPr id="6" name="TextBox 5">
+            <a:extLst>
+              <a:ext uri="{FF2B5EF4-FFF2-40B4-BE49-F238E27FC236}">
+                <a16:creationId xmlns:a16="http://schemas.microsoft.com/office/drawing/2014/main" id="{73278296-E355-4E6E-B10F-8D2DFFA76166}"/>
+              </a:ext>
+            </a:extLst>
+          </p:cNvPr>
+          <p:cNvSpPr txBox="1"/>
+          <p:nvPr/>
+        </p:nvSpPr>
+        <p:spPr>
+          <a:xfrm>
+            <a:off x="8921295" y="4342691"/>
+            <a:ext cx="2622551" cy="2308324"/>
+          </a:xfrm>
+          <a:prstGeom prst="rect">
+            <a:avLst/>
+          </a:prstGeom>
+          <a:noFill/>
+        </p:spPr>
+        <p:txBody>
+          <a:bodyPr wrap="square">
+            <a:spAutoFit/>
+          </a:bodyPr>
+          <a:lstStyle/>
+          <a:p>
+            <a:pPr lvl="1"/>
+            <a:r>
+              <a:rPr lang="en-MY" sz="1800" dirty="0">
+                <a:latin typeface="Monotype Corsiva" panose="03010101010201010101" pitchFamily="66" charset="0"/>
+                <a:ea typeface="MingLiU_HKSCS" panose="020B0604030504040204" pitchFamily="18" charset="-120"/>
+                <a:cs typeface="Mongolian Baiti" panose="03000500000000000000" pitchFamily="66" charset="0"/>
+              </a:rPr>
+              <a:t> # # # #</a:t>
+            </a:r>
+          </a:p>
+          <a:p>
+            <a:pPr lvl="1"/>
+            <a:r>
+              <a:rPr lang="en-MY" dirty="0">
+                <a:latin typeface="Monotype Corsiva" panose="03010101010201010101" pitchFamily="66" charset="0"/>
+                <a:ea typeface="MingLiU_HKSCS" panose="020B0604030504040204" pitchFamily="18" charset="-120"/>
+                <a:cs typeface="Mongolian Baiti" panose="03000500000000000000" pitchFamily="66" charset="0"/>
+              </a:rPr>
+              <a:t># # # # </a:t>
+            </a:r>
+            <a:endParaRPr lang="en-MY" sz="1800" dirty="0">
+              <a:latin typeface="Monotype Corsiva" panose="03010101010201010101" pitchFamily="66" charset="0"/>
+              <a:ea typeface="MingLiU_HKSCS" panose="020B0604030504040204" pitchFamily="18" charset="-120"/>
+              <a:cs typeface="Mongolian Baiti" panose="03000500000000000000" pitchFamily="66" charset="0"/>
+            </a:endParaRPr>
+          </a:p>
+          <a:p>
+            <a:pPr lvl="1"/>
+            <a:r>
+              <a:rPr lang="en-MY" sz="1800" dirty="0">
+                <a:latin typeface="Monotype Corsiva" panose="03010101010201010101" pitchFamily="66" charset="0"/>
+                <a:ea typeface="MingLiU_HKSCS" panose="020B0604030504040204" pitchFamily="18" charset="-120"/>
+                <a:cs typeface="Mongolian Baiti" panose="03000500000000000000" pitchFamily="66" charset="0"/>
+              </a:rPr>
+              <a:t> # # # #</a:t>
+            </a:r>
+          </a:p>
+          <a:p>
+            <a:pPr lvl="1"/>
+            <a:r>
+              <a:rPr lang="en-MY" dirty="0">
+                <a:latin typeface="Monotype Corsiva" panose="03010101010201010101" pitchFamily="66" charset="0"/>
+                <a:ea typeface="MingLiU_HKSCS" panose="020B0604030504040204" pitchFamily="18" charset="-120"/>
+                <a:cs typeface="Mongolian Baiti" panose="03000500000000000000" pitchFamily="66" charset="0"/>
+              </a:rPr>
+              <a:t># # # # </a:t>
+            </a:r>
+            <a:endParaRPr lang="en-MY" sz="1800" dirty="0">
+              <a:latin typeface="Monotype Corsiva" panose="03010101010201010101" pitchFamily="66" charset="0"/>
+              <a:ea typeface="MingLiU_HKSCS" panose="020B0604030504040204" pitchFamily="18" charset="-120"/>
+              <a:cs typeface="Mongolian Baiti" panose="03000500000000000000" pitchFamily="66" charset="0"/>
+            </a:endParaRPr>
+          </a:p>
+          <a:p>
+            <a:pPr lvl="1"/>
+            <a:r>
+              <a:rPr lang="en-MY" sz="1800" dirty="0">
+                <a:latin typeface="Monotype Corsiva" panose="03010101010201010101" pitchFamily="66" charset="0"/>
+                <a:ea typeface="MingLiU_HKSCS" panose="020B0604030504040204" pitchFamily="18" charset="-120"/>
+                <a:cs typeface="Mongolian Baiti" panose="03000500000000000000" pitchFamily="66" charset="0"/>
+              </a:rPr>
+              <a:t> # # # #</a:t>
+            </a:r>
+          </a:p>
+          <a:p>
+            <a:pPr lvl="1"/>
+            <a:r>
+              <a:rPr lang="en-MY" dirty="0">
+                <a:latin typeface="Monotype Corsiva" panose="03010101010201010101" pitchFamily="66" charset="0"/>
+                <a:ea typeface="MingLiU_HKSCS" panose="020B0604030504040204" pitchFamily="18" charset="-120"/>
+                <a:cs typeface="Mongolian Baiti" panose="03000500000000000000" pitchFamily="66" charset="0"/>
+              </a:rPr>
+              <a:t># # # # </a:t>
+            </a:r>
+            <a:endParaRPr lang="en-MY" sz="1800" dirty="0">
+              <a:latin typeface="Monotype Corsiva" panose="03010101010201010101" pitchFamily="66" charset="0"/>
+              <a:ea typeface="MingLiU_HKSCS" panose="020B0604030504040204" pitchFamily="18" charset="-120"/>
+              <a:cs typeface="Mongolian Baiti" panose="03000500000000000000" pitchFamily="66" charset="0"/>
+            </a:endParaRPr>
+          </a:p>
+          <a:p>
+            <a:pPr lvl="1"/>
+            <a:r>
+              <a:rPr lang="en-MY" sz="1800" dirty="0">
+                <a:latin typeface="Monotype Corsiva" panose="03010101010201010101" pitchFamily="66" charset="0"/>
+                <a:ea typeface="MingLiU_HKSCS" panose="020B0604030504040204" pitchFamily="18" charset="-120"/>
+                <a:cs typeface="Mongolian Baiti" panose="03000500000000000000" pitchFamily="66" charset="0"/>
+              </a:rPr>
+              <a:t> # # # #</a:t>
+            </a:r>
+          </a:p>
+          <a:p>
+            <a:pPr lvl="1"/>
+            <a:r>
+              <a:rPr lang="en-MY" dirty="0">
+                <a:latin typeface="Monotype Corsiva" panose="03010101010201010101" pitchFamily="66" charset="0"/>
+                <a:ea typeface="MingLiU_HKSCS" panose="020B0604030504040204" pitchFamily="18" charset="-120"/>
+                <a:cs typeface="Mongolian Baiti" panose="03000500000000000000" pitchFamily="66" charset="0"/>
+              </a:rPr>
+              <a:t># # # # </a:t>
+            </a:r>
+            <a:endParaRPr lang="en-MY" sz="1800" dirty="0">
+              <a:latin typeface="Monotype Corsiva" panose="03010101010201010101" pitchFamily="66" charset="0"/>
+              <a:ea typeface="MingLiU_HKSCS" panose="020B0604030504040204" pitchFamily="18" charset="-120"/>
+              <a:cs typeface="Mongolian Baiti" panose="03000500000000000000" pitchFamily="66" charset="0"/>
+            </a:endParaRPr>
           </a:p>
         </p:txBody>
       </p:sp>
     </p:spTree>
     <p:extLst>
       <p:ext uri="{BB962C8B-B14F-4D97-AF65-F5344CB8AC3E}">
-        <p14:creationId xmlns:p14="http://schemas.microsoft.com/office/powerpoint/2010/main" val="4124062850"/>
+        <p14:creationId xmlns:p14="http://schemas.microsoft.com/office/powerpoint/2010/main" val="3719593706"/>
       </p:ext>
     </p:extLst>
   </p:cSld>
@@ -7536,16 +8777,28 @@
             <p:ph type="title"/>
           </p:nvPr>
         </p:nvSpPr>
-        <p:spPr/>
-        <p:txBody>
-          <a:bodyPr/>
+        <p:spPr>
+          <a:xfrm>
+            <a:off x="825909" y="808055"/>
+            <a:ext cx="9406662" cy="1453363"/>
+          </a:xfrm>
+        </p:spPr>
+        <p:txBody>
+          <a:bodyPr>
+            <a:normAutofit/>
+          </a:bodyPr>
           <a:lstStyle/>
           <a:p>
-            <a:r>
-              <a:rPr lang="en-US" altLang="zh-CN" dirty="0"/>
-              <a:t>Define your own function</a:t>
-            </a:r>
-            <a:endParaRPr lang="en-MY" dirty="0"/>
+            <a:pPr>
+              <a:lnSpc>
+                <a:spcPct val="90000"/>
+              </a:lnSpc>
+            </a:pPr>
+            <a:r>
+              <a:rPr lang="en-US" sz="3300" dirty="0"/>
+              <a:t>Programming practice</a:t>
+            </a:r>
+            <a:endParaRPr lang="en-MY" sz="3300" dirty="0"/>
           </a:p>
         </p:txBody>
       </p:sp>
@@ -7567,8 +8820,8 @@
         </p:nvSpPr>
         <p:spPr>
           <a:xfrm>
-            <a:off x="685802" y="2142066"/>
-            <a:ext cx="8919592" cy="3572934"/>
+            <a:off x="802177" y="3023421"/>
+            <a:ext cx="7611981" cy="2830697"/>
           </a:xfrm>
         </p:spPr>
         <p:txBody>
@@ -7578,58 +8831,1193 @@
           <a:lstStyle/>
           <a:p>
             <a:r>
+              <a:rPr lang="en-MY" sz="2400" dirty="0"/>
+              <a:t>Construct the shape formed by ‘*’</a:t>
+            </a:r>
+          </a:p>
+          <a:p>
+            <a:pPr lvl="1"/>
+            <a:endParaRPr lang="en-MY" sz="2000" dirty="0"/>
+          </a:p>
+          <a:p>
+            <a:pPr lvl="1"/>
+            <a:endParaRPr lang="en-MY" sz="2000" dirty="0"/>
+          </a:p>
+          <a:p>
+            <a:pPr lvl="1"/>
+            <a:endParaRPr lang="en-MY" sz="2000" dirty="0"/>
+          </a:p>
+          <a:p>
+            <a:pPr lvl="1"/>
+            <a:endParaRPr lang="en-MY" sz="2000" dirty="0"/>
+          </a:p>
+        </p:txBody>
+      </p:sp>
+      <p:sp>
+        <p:nvSpPr>
+          <p:cNvPr id="4" name="TextBox 3">
+            <a:extLst>
+              <a:ext uri="{FF2B5EF4-FFF2-40B4-BE49-F238E27FC236}">
+                <a16:creationId xmlns:a16="http://schemas.microsoft.com/office/drawing/2014/main" id="{DDAFC502-84FC-4D06-80EB-69B911342252}"/>
+              </a:ext>
+            </a:extLst>
+          </p:cNvPr>
+          <p:cNvSpPr txBox="1"/>
+          <p:nvPr/>
+        </p:nvSpPr>
+        <p:spPr>
+          <a:xfrm>
+            <a:off x="6265365" y="1938588"/>
+            <a:ext cx="2622551" cy="2585323"/>
+          </a:xfrm>
+          <a:prstGeom prst="rect">
+            <a:avLst/>
+          </a:prstGeom>
+          <a:noFill/>
+        </p:spPr>
+        <p:txBody>
+          <a:bodyPr wrap="square">
+            <a:spAutoFit/>
+          </a:bodyPr>
+          <a:lstStyle/>
+          <a:p>
+            <a:pPr lvl="1"/>
+            <a:r>
+              <a:rPr lang="en-MY" sz="1800" dirty="0"/>
+              <a:t>*</a:t>
+            </a:r>
+          </a:p>
+          <a:p>
+            <a:pPr lvl="1"/>
+            <a:r>
+              <a:rPr lang="en-MY" sz="1800" dirty="0"/>
+              <a:t>**</a:t>
+            </a:r>
+          </a:p>
+          <a:p>
+            <a:pPr lvl="1"/>
+            <a:r>
+              <a:rPr lang="en-MY" sz="1800" dirty="0"/>
+              <a:t>***</a:t>
+            </a:r>
+          </a:p>
+          <a:p>
+            <a:pPr lvl="1"/>
+            <a:r>
+              <a:rPr lang="en-MY" sz="1800" dirty="0"/>
+              <a:t>****</a:t>
+            </a:r>
+          </a:p>
+          <a:p>
+            <a:pPr lvl="1"/>
+            <a:r>
+              <a:rPr lang="en-MY" sz="1800" dirty="0"/>
+              <a:t>*****</a:t>
+            </a:r>
+          </a:p>
+          <a:p>
+            <a:pPr lvl="1"/>
+            <a:r>
+              <a:rPr lang="en-MY" sz="1800" dirty="0"/>
+              <a:t>****</a:t>
+            </a:r>
+          </a:p>
+          <a:p>
+            <a:pPr lvl="1"/>
+            <a:r>
               <a:rPr lang="en-MY" dirty="0"/>
-              <a:t>Define a function </a:t>
-            </a:r>
-            <a:r>
-              <a:rPr lang="en-MY" dirty="0" err="1"/>
-              <a:t>countBs</a:t>
-            </a:r>
+              <a:t>***</a:t>
+            </a:r>
+          </a:p>
+          <a:p>
+            <a:pPr lvl="1"/>
+            <a:r>
+              <a:rPr lang="en-MY" sz="1800" dirty="0"/>
+              <a:t>**</a:t>
+            </a:r>
+          </a:p>
+          <a:p>
+            <a:pPr lvl="1"/>
             <a:r>
               <a:rPr lang="en-MY" dirty="0"/>
-              <a:t>(), which accepts a string as argument, and return how many ‘B’ in this string.</a:t>
-            </a:r>
-          </a:p>
-          <a:p>
-            <a:endParaRPr lang="en-MY" dirty="0"/>
-          </a:p>
-          <a:p>
-            <a:r>
-              <a:rPr lang="en-MY" dirty="0"/>
-              <a:t>Define a new function </a:t>
-            </a:r>
-            <a:r>
-              <a:rPr lang="en-MY" dirty="0" err="1"/>
-              <a:t>countChars</a:t>
-            </a:r>
-            <a:r>
-              <a:rPr lang="en-MY" dirty="0"/>
-              <a:t>(), which accepts one more argument, this second argument is a one letter string, specify which character want to count. And the function will return how many this character in the string.</a:t>
-            </a:r>
-          </a:p>
-          <a:p>
-            <a:endParaRPr lang="en-MY" dirty="0"/>
-          </a:p>
-          <a:p>
-            <a:r>
-              <a:rPr lang="en-MY" dirty="0"/>
-              <a:t>Try to use the second function, to make a new </a:t>
-            </a:r>
-            <a:r>
-              <a:rPr lang="en-MY" dirty="0" err="1"/>
-              <a:t>countBs</a:t>
-            </a:r>
-            <a:r>
-              <a:rPr lang="en-MY" dirty="0"/>
-              <a:t> function.</a:t>
-            </a:r>
+              <a:t>*</a:t>
+            </a:r>
+            <a:endParaRPr lang="en-MY" sz="1800" dirty="0"/>
           </a:p>
         </p:txBody>
       </p:sp>
     </p:spTree>
     <p:extLst>
       <p:ext uri="{BB962C8B-B14F-4D97-AF65-F5344CB8AC3E}">
-        <p14:creationId xmlns:p14="http://schemas.microsoft.com/office/powerpoint/2010/main" val="1137392759"/>
+        <p14:creationId xmlns:p14="http://schemas.microsoft.com/office/powerpoint/2010/main" val="521383145"/>
+      </p:ext>
+    </p:extLst>
+  </p:cSld>
+  <p:clrMapOvr>
+    <a:masterClrMapping/>
+  </p:clrMapOvr>
+</p:sld>
+</file>
+
+<file path=ppt/slides/slide5.xml><?xml version="1.0" encoding="utf-8"?>
+<p:sld xmlns:a="http://schemas.openxmlformats.org/drawingml/2006/main" xmlns:r="http://schemas.openxmlformats.org/officeDocument/2006/relationships" xmlns:p="http://schemas.openxmlformats.org/presentationml/2006/main">
+  <p:cSld>
+    <p:spTree>
+      <p:nvGrpSpPr>
+        <p:cNvPr id="1" name=""/>
+        <p:cNvGrpSpPr/>
+        <p:nvPr/>
+      </p:nvGrpSpPr>
+      <p:grpSpPr>
+        <a:xfrm>
+          <a:off x="0" y="0"/>
+          <a:ext cx="0" cy="0"/>
+          <a:chOff x="0" y="0"/>
+          <a:chExt cx="0" cy="0"/>
+        </a:xfrm>
+      </p:grpSpPr>
+      <p:sp>
+        <p:nvSpPr>
+          <p:cNvPr id="3" name="内容占位符 2">
+            <a:extLst>
+              <a:ext uri="{FF2B5EF4-FFF2-40B4-BE49-F238E27FC236}">
+                <a16:creationId xmlns:a16="http://schemas.microsoft.com/office/drawing/2014/main" id="{7060439F-2729-478E-B95F-230482B50AA1}"/>
+              </a:ext>
+            </a:extLst>
+          </p:cNvPr>
+          <p:cNvSpPr>
+            <a:spLocks noGrp="1"/>
+          </p:cNvSpPr>
+          <p:nvPr>
+            <p:ph idx="1"/>
+          </p:nvPr>
+        </p:nvSpPr>
+        <p:spPr>
+          <a:xfrm>
+            <a:off x="784249" y="1104974"/>
+            <a:ext cx="8673516" cy="3269802"/>
+          </a:xfrm>
+        </p:spPr>
+        <p:txBody>
+          <a:bodyPr anchor="t">
+            <a:normAutofit/>
+          </a:bodyPr>
+          <a:lstStyle/>
+          <a:p>
+            <a:r>
+              <a:rPr lang="en-MY" dirty="0"/>
+              <a:t>The program get input a symbol for arrow head and arrow body, the output an arrow with them.</a:t>
+            </a:r>
+          </a:p>
+          <a:p>
+            <a:r>
+              <a:rPr lang="en-MY" dirty="0"/>
+              <a:t>Example: if input is</a:t>
+            </a:r>
+          </a:p>
+          <a:p>
+            <a:pPr lvl="1"/>
+            <a:endParaRPr lang="en-MY" dirty="0"/>
+          </a:p>
+          <a:p>
+            <a:pPr lvl="1"/>
+            <a:endParaRPr lang="en-MY" dirty="0"/>
+          </a:p>
+          <a:p>
+            <a:pPr lvl="1"/>
+            <a:endParaRPr lang="en-MY" dirty="0"/>
+          </a:p>
+          <a:p>
+            <a:pPr lvl="1"/>
+            <a:endParaRPr lang="en-MY" dirty="0"/>
+          </a:p>
+          <a:p>
+            <a:r>
+              <a:rPr lang="en-MY" dirty="0"/>
+              <a:t>Then output should be:</a:t>
+            </a:r>
+          </a:p>
+          <a:p>
+            <a:pPr lvl="1"/>
+            <a:endParaRPr lang="en-MY" dirty="0"/>
+          </a:p>
+          <a:p>
+            <a:pPr lvl="1"/>
+            <a:endParaRPr lang="en-MY" dirty="0"/>
+          </a:p>
+          <a:p>
+            <a:pPr lvl="1"/>
+            <a:endParaRPr lang="en-MY" dirty="0"/>
+          </a:p>
+        </p:txBody>
+      </p:sp>
+      <p:sp>
+        <p:nvSpPr>
+          <p:cNvPr id="8" name="TextBox 7">
+            <a:extLst>
+              <a:ext uri="{FF2B5EF4-FFF2-40B4-BE49-F238E27FC236}">
+                <a16:creationId xmlns:a16="http://schemas.microsoft.com/office/drawing/2014/main" id="{B8BB24F3-79C1-4FF9-B64F-291CFA674DB9}"/>
+              </a:ext>
+            </a:extLst>
+          </p:cNvPr>
+          <p:cNvSpPr txBox="1"/>
+          <p:nvPr/>
+        </p:nvSpPr>
+        <p:spPr>
+          <a:xfrm>
+            <a:off x="1629252" y="2428386"/>
+            <a:ext cx="2897923" cy="461665"/>
+          </a:xfrm>
+          <a:prstGeom prst="rect">
+            <a:avLst/>
+          </a:prstGeom>
+          <a:solidFill>
+            <a:schemeClr val="tx1">
+              <a:lumMod val="85000"/>
+            </a:schemeClr>
+          </a:solidFill>
+        </p:spPr>
+        <p:txBody>
+          <a:bodyPr wrap="square" rtlCol="0">
+            <a:spAutoFit/>
+          </a:bodyPr>
+          <a:lstStyle/>
+          <a:p>
+            <a:r>
+              <a:rPr lang="en-US" sz="1200" dirty="0">
+                <a:solidFill>
+                  <a:schemeClr val="bg1"/>
+                </a:solidFill>
+                <a:latin typeface="Cascadia Mono SemiBold" panose="020B0609020000020004" pitchFamily="49" charset="0"/>
+                <a:ea typeface="Cascadia Mono SemiBold" panose="020B0609020000020004" pitchFamily="49" charset="0"/>
+                <a:cs typeface="Cascadia Mono SemiBold" panose="020B0609020000020004" pitchFamily="49" charset="0"/>
+              </a:rPr>
+              <a:t>=</a:t>
+            </a:r>
+          </a:p>
+          <a:p>
+            <a:r>
+              <a:rPr lang="en-US" sz="1200" dirty="0">
+                <a:solidFill>
+                  <a:schemeClr val="bg1"/>
+                </a:solidFill>
+                <a:latin typeface="Cascadia Mono SemiBold" panose="020B0609020000020004" pitchFamily="49" charset="0"/>
+                <a:ea typeface="Cascadia Mono SemiBold" panose="020B0609020000020004" pitchFamily="49" charset="0"/>
+                <a:cs typeface="Cascadia Mono SemiBold" panose="020B0609020000020004" pitchFamily="49" charset="0"/>
+              </a:rPr>
+              <a:t>*</a:t>
+            </a:r>
+          </a:p>
+        </p:txBody>
+      </p:sp>
+      <p:sp>
+        <p:nvSpPr>
+          <p:cNvPr id="9" name="TextBox 8">
+            <a:extLst>
+              <a:ext uri="{FF2B5EF4-FFF2-40B4-BE49-F238E27FC236}">
+                <a16:creationId xmlns:a16="http://schemas.microsoft.com/office/drawing/2014/main" id="{AC05F62B-EAFE-4E12-94DF-04E1AFD30D6D}"/>
+              </a:ext>
+            </a:extLst>
+          </p:cNvPr>
+          <p:cNvSpPr txBox="1"/>
+          <p:nvPr/>
+        </p:nvSpPr>
+        <p:spPr>
+          <a:xfrm>
+            <a:off x="1629252" y="4383915"/>
+            <a:ext cx="2897923" cy="1015663"/>
+          </a:xfrm>
+          <a:prstGeom prst="rect">
+            <a:avLst/>
+          </a:prstGeom>
+          <a:solidFill>
+            <a:schemeClr val="tx1">
+              <a:lumMod val="85000"/>
+            </a:schemeClr>
+          </a:solidFill>
+        </p:spPr>
+        <p:txBody>
+          <a:bodyPr wrap="square" rtlCol="0">
+            <a:spAutoFit/>
+          </a:bodyPr>
+          <a:lstStyle/>
+          <a:p>
+            <a:r>
+              <a:rPr lang="en-US" sz="1200" dirty="0">
+                <a:solidFill>
+                  <a:schemeClr val="bg1"/>
+                </a:solidFill>
+                <a:latin typeface="Cascadia Mono SemiBold" panose="020B0609020000020004" pitchFamily="49" charset="0"/>
+                <a:ea typeface="Cascadia Mono SemiBold" panose="020B0609020000020004" pitchFamily="49" charset="0"/>
+                <a:cs typeface="Cascadia Mono SemiBold" panose="020B0609020000020004" pitchFamily="49" charset="0"/>
+              </a:rPr>
+              <a:t>         *</a:t>
+            </a:r>
+          </a:p>
+          <a:p>
+            <a:r>
+              <a:rPr lang="en-US" sz="1200" dirty="0">
+                <a:solidFill>
+                  <a:schemeClr val="bg1"/>
+                </a:solidFill>
+                <a:latin typeface="Cascadia Mono SemiBold" panose="020B0609020000020004" pitchFamily="49" charset="0"/>
+                <a:ea typeface="Cascadia Mono SemiBold" panose="020B0609020000020004" pitchFamily="49" charset="0"/>
+                <a:cs typeface="Cascadia Mono SemiBold" panose="020B0609020000020004" pitchFamily="49" charset="0"/>
+              </a:rPr>
+              <a:t>=========**</a:t>
+            </a:r>
+          </a:p>
+          <a:p>
+            <a:r>
+              <a:rPr lang="en-US" sz="1200" dirty="0">
+                <a:solidFill>
+                  <a:schemeClr val="bg1"/>
+                </a:solidFill>
+                <a:latin typeface="Cascadia Mono SemiBold" panose="020B0609020000020004" pitchFamily="49" charset="0"/>
+                <a:ea typeface="Cascadia Mono SemiBold" panose="020B0609020000020004" pitchFamily="49" charset="0"/>
+                <a:cs typeface="Cascadia Mono SemiBold" panose="020B0609020000020004" pitchFamily="49" charset="0"/>
+              </a:rPr>
+              <a:t>=========***</a:t>
+            </a:r>
+          </a:p>
+          <a:p>
+            <a:r>
+              <a:rPr lang="en-US" sz="1200" dirty="0">
+                <a:solidFill>
+                  <a:schemeClr val="bg1"/>
+                </a:solidFill>
+                <a:latin typeface="Cascadia Mono SemiBold" panose="020B0609020000020004" pitchFamily="49" charset="0"/>
+                <a:ea typeface="Cascadia Mono SemiBold" panose="020B0609020000020004" pitchFamily="49" charset="0"/>
+                <a:cs typeface="Cascadia Mono SemiBold" panose="020B0609020000020004" pitchFamily="49" charset="0"/>
+              </a:rPr>
+              <a:t>=========**</a:t>
+            </a:r>
+          </a:p>
+          <a:p>
+            <a:r>
+              <a:rPr lang="en-US" sz="1200" dirty="0">
+                <a:solidFill>
+                  <a:schemeClr val="bg1"/>
+                </a:solidFill>
+                <a:latin typeface="Cascadia Mono SemiBold" panose="020B0609020000020004" pitchFamily="49" charset="0"/>
+                <a:ea typeface="Cascadia Mono SemiBold" panose="020B0609020000020004" pitchFamily="49" charset="0"/>
+                <a:cs typeface="Cascadia Mono SemiBold" panose="020B0609020000020004" pitchFamily="49" charset="0"/>
+              </a:rPr>
+              <a:t>         *</a:t>
+            </a:r>
+            <a:endParaRPr lang="en-MY" sz="1200" dirty="0">
+              <a:solidFill>
+                <a:schemeClr val="bg1"/>
+              </a:solidFill>
+              <a:latin typeface="Cascadia Mono SemiBold" panose="020B0609020000020004" pitchFamily="49" charset="0"/>
+              <a:ea typeface="Cascadia Mono SemiBold" panose="020B0609020000020004" pitchFamily="49" charset="0"/>
+              <a:cs typeface="Cascadia Mono SemiBold" panose="020B0609020000020004" pitchFamily="49" charset="0"/>
+            </a:endParaRPr>
+          </a:p>
+        </p:txBody>
+      </p:sp>
+    </p:spTree>
+    <p:extLst>
+      <p:ext uri="{BB962C8B-B14F-4D97-AF65-F5344CB8AC3E}">
+        <p14:creationId xmlns:p14="http://schemas.microsoft.com/office/powerpoint/2010/main" val="4041151450"/>
+      </p:ext>
+    </p:extLst>
+  </p:cSld>
+  <p:clrMapOvr>
+    <a:masterClrMapping/>
+  </p:clrMapOvr>
+</p:sld>
+</file>
+
+<file path=ppt/slides/slide6.xml><?xml version="1.0" encoding="utf-8"?>
+<p:sld xmlns:a="http://schemas.openxmlformats.org/drawingml/2006/main" xmlns:r="http://schemas.openxmlformats.org/officeDocument/2006/relationships" xmlns:p="http://schemas.openxmlformats.org/presentationml/2006/main">
+  <p:cSld>
+    <p:spTree>
+      <p:nvGrpSpPr>
+        <p:cNvPr id="1" name=""/>
+        <p:cNvGrpSpPr/>
+        <p:nvPr/>
+      </p:nvGrpSpPr>
+      <p:grpSpPr>
+        <a:xfrm>
+          <a:off x="0" y="0"/>
+          <a:ext cx="0" cy="0"/>
+          <a:chOff x="0" y="0"/>
+          <a:chExt cx="0" cy="0"/>
+        </a:xfrm>
+      </p:grpSpPr>
+      <p:sp>
+        <p:nvSpPr>
+          <p:cNvPr id="3" name="内容占位符 2">
+            <a:extLst>
+              <a:ext uri="{FF2B5EF4-FFF2-40B4-BE49-F238E27FC236}">
+                <a16:creationId xmlns:a16="http://schemas.microsoft.com/office/drawing/2014/main" id="{7060439F-2729-478E-B95F-230482B50AA1}"/>
+              </a:ext>
+            </a:extLst>
+          </p:cNvPr>
+          <p:cNvSpPr>
+            <a:spLocks noGrp="1"/>
+          </p:cNvSpPr>
+          <p:nvPr>
+            <p:ph idx="1"/>
+          </p:nvPr>
+        </p:nvSpPr>
+        <p:spPr>
+          <a:xfrm>
+            <a:off x="784249" y="1104974"/>
+            <a:ext cx="8673516" cy="3269802"/>
+          </a:xfrm>
+        </p:spPr>
+        <p:txBody>
+          <a:bodyPr anchor="t">
+            <a:normAutofit/>
+          </a:bodyPr>
+          <a:lstStyle/>
+          <a:p>
+            <a:r>
+              <a:rPr lang="en-MY" dirty="0"/>
+              <a:t>You give a 10 digits phone number to program, and program output it in specific format.</a:t>
+            </a:r>
+          </a:p>
+          <a:p>
+            <a:r>
+              <a:rPr lang="en-MY" dirty="0"/>
+              <a:t>Example: if input is</a:t>
+            </a:r>
+          </a:p>
+          <a:p>
+            <a:pPr lvl="1"/>
+            <a:endParaRPr lang="en-MY" dirty="0"/>
+          </a:p>
+          <a:p>
+            <a:pPr lvl="1"/>
+            <a:endParaRPr lang="en-MY" dirty="0"/>
+          </a:p>
+          <a:p>
+            <a:pPr lvl="1"/>
+            <a:endParaRPr lang="en-MY" dirty="0"/>
+          </a:p>
+          <a:p>
+            <a:pPr lvl="1"/>
+            <a:endParaRPr lang="en-MY" dirty="0"/>
+          </a:p>
+          <a:p>
+            <a:r>
+              <a:rPr lang="en-MY" dirty="0"/>
+              <a:t>Then output should be:</a:t>
+            </a:r>
+          </a:p>
+          <a:p>
+            <a:pPr lvl="1"/>
+            <a:endParaRPr lang="en-MY" dirty="0"/>
+          </a:p>
+          <a:p>
+            <a:pPr lvl="1"/>
+            <a:endParaRPr lang="en-MY" dirty="0"/>
+          </a:p>
+          <a:p>
+            <a:pPr lvl="1"/>
+            <a:endParaRPr lang="en-MY" dirty="0"/>
+          </a:p>
+        </p:txBody>
+      </p:sp>
+      <p:sp>
+        <p:nvSpPr>
+          <p:cNvPr id="8" name="TextBox 7">
+            <a:extLst>
+              <a:ext uri="{FF2B5EF4-FFF2-40B4-BE49-F238E27FC236}">
+                <a16:creationId xmlns:a16="http://schemas.microsoft.com/office/drawing/2014/main" id="{B8BB24F3-79C1-4FF9-B64F-291CFA674DB9}"/>
+              </a:ext>
+            </a:extLst>
+          </p:cNvPr>
+          <p:cNvSpPr txBox="1"/>
+          <p:nvPr/>
+        </p:nvSpPr>
+        <p:spPr>
+          <a:xfrm>
+            <a:off x="1629252" y="2428386"/>
+            <a:ext cx="2897923" cy="276999"/>
+          </a:xfrm>
+          <a:prstGeom prst="rect">
+            <a:avLst/>
+          </a:prstGeom>
+          <a:solidFill>
+            <a:schemeClr val="tx1">
+              <a:lumMod val="85000"/>
+            </a:schemeClr>
+          </a:solidFill>
+        </p:spPr>
+        <p:txBody>
+          <a:bodyPr wrap="square" rtlCol="0">
+            <a:spAutoFit/>
+          </a:bodyPr>
+          <a:lstStyle/>
+          <a:p>
+            <a:r>
+              <a:rPr lang="en-US" sz="1200" dirty="0">
+                <a:solidFill>
+                  <a:schemeClr val="bg1"/>
+                </a:solidFill>
+                <a:latin typeface="Cascadia Mono SemiBold" panose="020B0609020000020004" pitchFamily="49" charset="0"/>
+                <a:ea typeface="Cascadia Mono SemiBold" panose="020B0609020000020004" pitchFamily="49" charset="0"/>
+                <a:cs typeface="Cascadia Mono SemiBold" panose="020B0609020000020004" pitchFamily="49" charset="0"/>
+              </a:rPr>
+              <a:t>0123456789</a:t>
+            </a:r>
+          </a:p>
+        </p:txBody>
+      </p:sp>
+      <p:sp>
+        <p:nvSpPr>
+          <p:cNvPr id="9" name="TextBox 8">
+            <a:extLst>
+              <a:ext uri="{FF2B5EF4-FFF2-40B4-BE49-F238E27FC236}">
+                <a16:creationId xmlns:a16="http://schemas.microsoft.com/office/drawing/2014/main" id="{AC05F62B-EAFE-4E12-94DF-04E1AFD30D6D}"/>
+              </a:ext>
+            </a:extLst>
+          </p:cNvPr>
+          <p:cNvSpPr txBox="1"/>
+          <p:nvPr/>
+        </p:nvSpPr>
+        <p:spPr>
+          <a:xfrm>
+            <a:off x="1629252" y="4383915"/>
+            <a:ext cx="2897923" cy="276999"/>
+          </a:xfrm>
+          <a:prstGeom prst="rect">
+            <a:avLst/>
+          </a:prstGeom>
+          <a:solidFill>
+            <a:schemeClr val="tx1">
+              <a:lumMod val="85000"/>
+            </a:schemeClr>
+          </a:solidFill>
+        </p:spPr>
+        <p:txBody>
+          <a:bodyPr wrap="square" rtlCol="0">
+            <a:spAutoFit/>
+          </a:bodyPr>
+          <a:lstStyle/>
+          <a:p>
+            <a:r>
+              <a:rPr lang="en-US" sz="1200" dirty="0">
+                <a:solidFill>
+                  <a:schemeClr val="bg1"/>
+                </a:solidFill>
+                <a:latin typeface="Cascadia Mono SemiBold" panose="020B0609020000020004" pitchFamily="49" charset="0"/>
+                <a:ea typeface="Cascadia Mono SemiBold" panose="020B0609020000020004" pitchFamily="49" charset="0"/>
+                <a:cs typeface="Cascadia Mono SemiBold" panose="020B0609020000020004" pitchFamily="49" charset="0"/>
+              </a:rPr>
+              <a:t>(012) 345-6789</a:t>
+            </a:r>
+            <a:endParaRPr lang="en-MY" sz="1200" dirty="0">
+              <a:solidFill>
+                <a:schemeClr val="bg1"/>
+              </a:solidFill>
+              <a:latin typeface="Cascadia Mono SemiBold" panose="020B0609020000020004" pitchFamily="49" charset="0"/>
+              <a:ea typeface="Cascadia Mono SemiBold" panose="020B0609020000020004" pitchFamily="49" charset="0"/>
+              <a:cs typeface="Cascadia Mono SemiBold" panose="020B0609020000020004" pitchFamily="49" charset="0"/>
+            </a:endParaRPr>
+          </a:p>
+        </p:txBody>
+      </p:sp>
+    </p:spTree>
+    <p:extLst>
+      <p:ext uri="{BB962C8B-B14F-4D97-AF65-F5344CB8AC3E}">
+        <p14:creationId xmlns:p14="http://schemas.microsoft.com/office/powerpoint/2010/main" val="1529310866"/>
+      </p:ext>
+    </p:extLst>
+  </p:cSld>
+  <p:clrMapOvr>
+    <a:masterClrMapping/>
+  </p:clrMapOvr>
+</p:sld>
+</file>
+
+<file path=ppt/slides/slide7.xml><?xml version="1.0" encoding="utf-8"?>
+<p:sld xmlns:a="http://schemas.openxmlformats.org/drawingml/2006/main" xmlns:r="http://schemas.openxmlformats.org/officeDocument/2006/relationships" xmlns:p="http://schemas.openxmlformats.org/presentationml/2006/main">
+  <p:cSld>
+    <p:spTree>
+      <p:nvGrpSpPr>
+        <p:cNvPr id="1" name=""/>
+        <p:cNvGrpSpPr/>
+        <p:nvPr/>
+      </p:nvGrpSpPr>
+      <p:grpSpPr>
+        <a:xfrm>
+          <a:off x="0" y="0"/>
+          <a:ext cx="0" cy="0"/>
+          <a:chOff x="0" y="0"/>
+          <a:chExt cx="0" cy="0"/>
+        </a:xfrm>
+      </p:grpSpPr>
+      <p:sp>
+        <p:nvSpPr>
+          <p:cNvPr id="3" name="Content Placeholder 2">
+            <a:extLst>
+              <a:ext uri="{FF2B5EF4-FFF2-40B4-BE49-F238E27FC236}">
+                <a16:creationId xmlns:a16="http://schemas.microsoft.com/office/drawing/2014/main" id="{A9A74A00-8237-4773-B481-72C765F68AD3}"/>
+              </a:ext>
+            </a:extLst>
+          </p:cNvPr>
+          <p:cNvSpPr>
+            <a:spLocks noGrp="1"/>
+          </p:cNvSpPr>
+          <p:nvPr>
+            <p:ph idx="1"/>
+          </p:nvPr>
+        </p:nvSpPr>
+        <p:spPr>
+          <a:xfrm>
+            <a:off x="748554" y="1326278"/>
+            <a:ext cx="10131425" cy="3649133"/>
+          </a:xfrm>
+        </p:spPr>
+        <p:txBody>
+          <a:bodyPr anchor="t"/>
+          <a:lstStyle/>
+          <a:p>
+            <a:r>
+              <a:rPr lang="en-US" dirty="0"/>
+              <a:t>Make a program to get Student name and Test mark (1~9) from user, then output evaluation result (score 9 ~ Very High, score 8 ~ High, score 7 ~ Above Average, score 4,5,6 ~ Average, score 3 ~ Below Average, score 1,2 ~ Low:</a:t>
+            </a:r>
+          </a:p>
+          <a:p>
+            <a:pPr lvl="1"/>
+            <a:r>
+              <a:rPr lang="en-MY" dirty="0"/>
+              <a:t>Example input:</a:t>
+            </a:r>
+          </a:p>
+          <a:p>
+            <a:pPr lvl="1"/>
+            <a:endParaRPr lang="en-MY" dirty="0"/>
+          </a:p>
+          <a:p>
+            <a:pPr lvl="1"/>
+            <a:endParaRPr lang="en-MY" dirty="0"/>
+          </a:p>
+          <a:p>
+            <a:pPr lvl="1"/>
+            <a:r>
+              <a:rPr lang="en-MY" dirty="0"/>
+              <a:t>Output:</a:t>
+            </a:r>
+          </a:p>
+        </p:txBody>
+      </p:sp>
+      <p:sp>
+        <p:nvSpPr>
+          <p:cNvPr id="4" name="TextBox 3">
+            <a:extLst>
+              <a:ext uri="{FF2B5EF4-FFF2-40B4-BE49-F238E27FC236}">
+                <a16:creationId xmlns:a16="http://schemas.microsoft.com/office/drawing/2014/main" id="{9574399D-EE3A-4031-AD5F-1CB5C24E4ED4}"/>
+              </a:ext>
+            </a:extLst>
+          </p:cNvPr>
+          <p:cNvSpPr txBox="1"/>
+          <p:nvPr/>
+        </p:nvSpPr>
+        <p:spPr>
+          <a:xfrm>
+            <a:off x="1602358" y="2689179"/>
+            <a:ext cx="3928866" cy="461665"/>
+          </a:xfrm>
+          <a:prstGeom prst="rect">
+            <a:avLst/>
+          </a:prstGeom>
+          <a:solidFill>
+            <a:schemeClr val="tx1">
+              <a:lumMod val="85000"/>
+            </a:schemeClr>
+          </a:solidFill>
+        </p:spPr>
+        <p:txBody>
+          <a:bodyPr wrap="square" rtlCol="0">
+            <a:spAutoFit/>
+          </a:bodyPr>
+          <a:lstStyle/>
+          <a:p>
+            <a:r>
+              <a:rPr lang="en-MY" sz="1200" dirty="0">
+                <a:solidFill>
+                  <a:schemeClr val="bg1"/>
+                </a:solidFill>
+                <a:latin typeface="Cascadia Mono SemiBold" panose="020B0609020000020004" pitchFamily="49" charset="0"/>
+                <a:ea typeface="Cascadia Mono SemiBold" panose="020B0609020000020004" pitchFamily="49" charset="0"/>
+                <a:cs typeface="Cascadia Mono SemiBold" panose="020B0609020000020004" pitchFamily="49" charset="0"/>
+              </a:rPr>
+              <a:t>What is the student’s name? &gt;&gt;&gt;Jack</a:t>
+            </a:r>
+          </a:p>
+          <a:p>
+            <a:r>
+              <a:rPr lang="en-MY" sz="1200" dirty="0">
+                <a:solidFill>
+                  <a:schemeClr val="bg1"/>
+                </a:solidFill>
+                <a:latin typeface="Cascadia Mono SemiBold" panose="020B0609020000020004" pitchFamily="49" charset="0"/>
+                <a:ea typeface="Cascadia Mono SemiBold" panose="020B0609020000020004" pitchFamily="49" charset="0"/>
+                <a:cs typeface="Cascadia Mono SemiBold" panose="020B0609020000020004" pitchFamily="49" charset="0"/>
+              </a:rPr>
+              <a:t>What is the student’s mark? &gt;&gt;&gt;8</a:t>
+            </a:r>
+          </a:p>
+        </p:txBody>
+      </p:sp>
+      <p:sp>
+        <p:nvSpPr>
+          <p:cNvPr id="5" name="TextBox 4">
+            <a:extLst>
+              <a:ext uri="{FF2B5EF4-FFF2-40B4-BE49-F238E27FC236}">
+                <a16:creationId xmlns:a16="http://schemas.microsoft.com/office/drawing/2014/main" id="{AEBE885D-B0B6-452C-90BF-701C322F6205}"/>
+              </a:ext>
+            </a:extLst>
+          </p:cNvPr>
+          <p:cNvSpPr txBox="1"/>
+          <p:nvPr/>
+        </p:nvSpPr>
+        <p:spPr>
+          <a:xfrm>
+            <a:off x="1602358" y="3832295"/>
+            <a:ext cx="3928866" cy="276999"/>
+          </a:xfrm>
+          <a:prstGeom prst="rect">
+            <a:avLst/>
+          </a:prstGeom>
+          <a:solidFill>
+            <a:schemeClr val="tx1">
+              <a:lumMod val="85000"/>
+            </a:schemeClr>
+          </a:solidFill>
+        </p:spPr>
+        <p:txBody>
+          <a:bodyPr wrap="square" rtlCol="0">
+            <a:spAutoFit/>
+          </a:bodyPr>
+          <a:lstStyle/>
+          <a:p>
+            <a:r>
+              <a:rPr lang="en-MY" sz="1200" dirty="0">
+                <a:solidFill>
+                  <a:schemeClr val="bg1"/>
+                </a:solidFill>
+                <a:latin typeface="Cascadia Mono SemiBold" panose="020B0609020000020004" pitchFamily="49" charset="0"/>
+                <a:ea typeface="Cascadia Mono SemiBold" panose="020B0609020000020004" pitchFamily="49" charset="0"/>
+                <a:cs typeface="Cascadia Mono SemiBold" panose="020B0609020000020004" pitchFamily="49" charset="0"/>
+              </a:rPr>
+              <a:t>Jack achieved ‘High’</a:t>
+            </a:r>
+          </a:p>
+        </p:txBody>
+      </p:sp>
+    </p:spTree>
+    <p:extLst>
+      <p:ext uri="{BB962C8B-B14F-4D97-AF65-F5344CB8AC3E}">
+        <p14:creationId xmlns:p14="http://schemas.microsoft.com/office/powerpoint/2010/main" val="3124131665"/>
+      </p:ext>
+    </p:extLst>
+  </p:cSld>
+  <p:clrMapOvr>
+    <a:masterClrMapping/>
+  </p:clrMapOvr>
+</p:sld>
+</file>
+
+<file path=ppt/slides/slide8.xml><?xml version="1.0" encoding="utf-8"?>
+<p:sld xmlns:a="http://schemas.openxmlformats.org/drawingml/2006/main" xmlns:r="http://schemas.openxmlformats.org/officeDocument/2006/relationships" xmlns:p="http://schemas.openxmlformats.org/presentationml/2006/main">
+  <p:cSld>
+    <p:spTree>
+      <p:nvGrpSpPr>
+        <p:cNvPr id="1" name=""/>
+        <p:cNvGrpSpPr/>
+        <p:nvPr/>
+      </p:nvGrpSpPr>
+      <p:grpSpPr>
+        <a:xfrm>
+          <a:off x="0" y="0"/>
+          <a:ext cx="0" cy="0"/>
+          <a:chOff x="0" y="0"/>
+          <a:chExt cx="0" cy="0"/>
+        </a:xfrm>
+      </p:grpSpPr>
+      <p:sp>
+        <p:nvSpPr>
+          <p:cNvPr id="3" name="Content Placeholder 2">
+            <a:extLst>
+              <a:ext uri="{FF2B5EF4-FFF2-40B4-BE49-F238E27FC236}">
+                <a16:creationId xmlns:a16="http://schemas.microsoft.com/office/drawing/2014/main" id="{A9A74A00-8237-4773-B481-72C765F68AD3}"/>
+              </a:ext>
+            </a:extLst>
+          </p:cNvPr>
+          <p:cNvSpPr>
+            <a:spLocks noGrp="1"/>
+          </p:cNvSpPr>
+          <p:nvPr>
+            <p:ph idx="1"/>
+          </p:nvPr>
+        </p:nvSpPr>
+        <p:spPr>
+          <a:xfrm>
+            <a:off x="748554" y="1326278"/>
+            <a:ext cx="10131425" cy="4931087"/>
+          </a:xfrm>
+        </p:spPr>
+        <p:txBody>
+          <a:bodyPr anchor="t">
+            <a:normAutofit fontScale="92500" lnSpcReduction="10000"/>
+          </a:bodyPr>
+          <a:lstStyle/>
+          <a:p>
+            <a:r>
+              <a:rPr lang="en-US" dirty="0"/>
+              <a:t>The program will read a series of date from user. -1 means the end.</a:t>
+            </a:r>
+          </a:p>
+          <a:p>
+            <a:r>
+              <a:rPr lang="en-US" dirty="0"/>
+              <a:t>Only those date with correct format will be parsed and output. The correct format are like: “March 1, 1991”; “February 20, 2020”, etc.</a:t>
+            </a:r>
+          </a:p>
+          <a:p>
+            <a:r>
+              <a:rPr lang="en-US" dirty="0"/>
+              <a:t>The output will be pure number format “MM/DD/YYYY”, like “03/01/1991”, “02/20/2020”, etc.</a:t>
+            </a:r>
+          </a:p>
+          <a:p>
+            <a:pPr lvl="1"/>
+            <a:r>
+              <a:rPr lang="en-MY" dirty="0"/>
+              <a:t>Example: input</a:t>
+            </a:r>
+          </a:p>
+          <a:p>
+            <a:pPr lvl="1"/>
+            <a:endParaRPr lang="en-MY" dirty="0"/>
+          </a:p>
+          <a:p>
+            <a:pPr lvl="1"/>
+            <a:endParaRPr lang="en-MY" dirty="0"/>
+          </a:p>
+          <a:p>
+            <a:pPr lvl="1"/>
+            <a:endParaRPr lang="en-MY" dirty="0"/>
+          </a:p>
+          <a:p>
+            <a:pPr lvl="1"/>
+            <a:endParaRPr lang="en-MY" dirty="0"/>
+          </a:p>
+          <a:p>
+            <a:pPr lvl="1"/>
+            <a:r>
+              <a:rPr lang="en-MY" dirty="0"/>
+              <a:t>Output</a:t>
+            </a:r>
+          </a:p>
+          <a:p>
+            <a:pPr lvl="1"/>
+            <a:endParaRPr lang="en-MY" dirty="0"/>
+          </a:p>
+          <a:p>
+            <a:pPr lvl="1"/>
+            <a:endParaRPr lang="en-MY" dirty="0"/>
+          </a:p>
+          <a:p>
+            <a:pPr lvl="1"/>
+            <a:endParaRPr lang="en-MY" dirty="0"/>
+          </a:p>
+          <a:p>
+            <a:pPr lvl="1"/>
+            <a:r>
+              <a:rPr lang="en-MY" dirty="0"/>
+              <a:t>Hint: combine to use string split, replace, slicing, to get the needed information, then do the output.</a:t>
+            </a:r>
+          </a:p>
+        </p:txBody>
+      </p:sp>
+      <p:sp>
+        <p:nvSpPr>
+          <p:cNvPr id="4" name="TextBox 3">
+            <a:extLst>
+              <a:ext uri="{FF2B5EF4-FFF2-40B4-BE49-F238E27FC236}">
+                <a16:creationId xmlns:a16="http://schemas.microsoft.com/office/drawing/2014/main" id="{FD071B80-25D5-4F64-BE5F-1BE36DA59716}"/>
+              </a:ext>
+            </a:extLst>
+          </p:cNvPr>
+          <p:cNvSpPr txBox="1"/>
+          <p:nvPr/>
+        </p:nvSpPr>
+        <p:spPr>
+          <a:xfrm>
+            <a:off x="1694328" y="3150844"/>
+            <a:ext cx="2897923" cy="1015663"/>
+          </a:xfrm>
+          <a:prstGeom prst="rect">
+            <a:avLst/>
+          </a:prstGeom>
+          <a:solidFill>
+            <a:schemeClr val="tx1">
+              <a:lumMod val="85000"/>
+            </a:schemeClr>
+          </a:solidFill>
+        </p:spPr>
+        <p:txBody>
+          <a:bodyPr wrap="square" rtlCol="0">
+            <a:spAutoFit/>
+          </a:bodyPr>
+          <a:lstStyle/>
+          <a:p>
+            <a:r>
+              <a:rPr lang="en-US" sz="1200" dirty="0">
+                <a:solidFill>
+                  <a:schemeClr val="bg1"/>
+                </a:solidFill>
+                <a:latin typeface="Cascadia Mono SemiBold" panose="020B0609020000020004" pitchFamily="49" charset="0"/>
+                <a:ea typeface="Cascadia Mono SemiBold" panose="020B0609020000020004" pitchFamily="49" charset="0"/>
+                <a:cs typeface="Cascadia Mono SemiBold" panose="020B0609020000020004" pitchFamily="49" charset="0"/>
+              </a:rPr>
+              <a:t>December 20, 1995</a:t>
+            </a:r>
+          </a:p>
+          <a:p>
+            <a:r>
+              <a:rPr lang="en-US" sz="1200" dirty="0">
+                <a:solidFill>
+                  <a:schemeClr val="bg1"/>
+                </a:solidFill>
+                <a:latin typeface="Cascadia Mono SemiBold" panose="020B0609020000020004" pitchFamily="49" charset="0"/>
+                <a:ea typeface="Cascadia Mono SemiBold" panose="020B0609020000020004" pitchFamily="49" charset="0"/>
+                <a:cs typeface="Cascadia Mono SemiBold" panose="020B0609020000020004" pitchFamily="49" charset="0"/>
+              </a:rPr>
+              <a:t>April 1 2010</a:t>
+            </a:r>
+          </a:p>
+          <a:p>
+            <a:r>
+              <a:rPr lang="en-US" sz="1200" dirty="0">
+                <a:solidFill>
+                  <a:schemeClr val="bg1"/>
+                </a:solidFill>
+                <a:latin typeface="Cascadia Mono SemiBold" panose="020B0609020000020004" pitchFamily="49" charset="0"/>
+                <a:ea typeface="Cascadia Mono SemiBold" panose="020B0609020000020004" pitchFamily="49" charset="0"/>
+                <a:cs typeface="Cascadia Mono SemiBold" panose="020B0609020000020004" pitchFamily="49" charset="0"/>
+              </a:rPr>
+              <a:t>7/15/20</a:t>
+            </a:r>
+          </a:p>
+          <a:p>
+            <a:r>
+              <a:rPr lang="en-US" sz="1200" dirty="0">
+                <a:solidFill>
+                  <a:schemeClr val="bg1"/>
+                </a:solidFill>
+                <a:latin typeface="Cascadia Mono SemiBold" panose="020B0609020000020004" pitchFamily="49" charset="0"/>
+                <a:ea typeface="Cascadia Mono SemiBold" panose="020B0609020000020004" pitchFamily="49" charset="0"/>
+                <a:cs typeface="Cascadia Mono SemiBold" panose="020B0609020000020004" pitchFamily="49" charset="0"/>
+              </a:rPr>
+              <a:t>May 05, 2021</a:t>
+            </a:r>
+          </a:p>
+          <a:p>
+            <a:r>
+              <a:rPr lang="en-US" sz="1200" dirty="0">
+                <a:solidFill>
+                  <a:schemeClr val="bg1"/>
+                </a:solidFill>
+                <a:latin typeface="Cascadia Mono SemiBold" panose="020B0609020000020004" pitchFamily="49" charset="0"/>
+                <a:ea typeface="Cascadia Mono SemiBold" panose="020B0609020000020004" pitchFamily="49" charset="0"/>
+                <a:cs typeface="Cascadia Mono SemiBold" panose="020B0609020000020004" pitchFamily="49" charset="0"/>
+              </a:rPr>
+              <a:t>-1</a:t>
+            </a:r>
+            <a:endParaRPr lang="en-MY" sz="1200" dirty="0">
+              <a:solidFill>
+                <a:schemeClr val="bg1"/>
+              </a:solidFill>
+              <a:latin typeface="Cascadia Mono SemiBold" panose="020B0609020000020004" pitchFamily="49" charset="0"/>
+              <a:ea typeface="Cascadia Mono SemiBold" panose="020B0609020000020004" pitchFamily="49" charset="0"/>
+              <a:cs typeface="Cascadia Mono SemiBold" panose="020B0609020000020004" pitchFamily="49" charset="0"/>
+            </a:endParaRPr>
+          </a:p>
+        </p:txBody>
+      </p:sp>
+      <p:sp>
+        <p:nvSpPr>
+          <p:cNvPr id="5" name="TextBox 4">
+            <a:extLst>
+              <a:ext uri="{FF2B5EF4-FFF2-40B4-BE49-F238E27FC236}">
+                <a16:creationId xmlns:a16="http://schemas.microsoft.com/office/drawing/2014/main" id="{CF137873-8D2B-4249-B292-4CF447E6F54C}"/>
+              </a:ext>
+            </a:extLst>
+          </p:cNvPr>
+          <p:cNvSpPr txBox="1"/>
+          <p:nvPr/>
+        </p:nvSpPr>
+        <p:spPr>
+          <a:xfrm>
+            <a:off x="1694328" y="4975410"/>
+            <a:ext cx="2897923" cy="461665"/>
+          </a:xfrm>
+          <a:prstGeom prst="rect">
+            <a:avLst/>
+          </a:prstGeom>
+          <a:solidFill>
+            <a:schemeClr val="tx1">
+              <a:lumMod val="85000"/>
+            </a:schemeClr>
+          </a:solidFill>
+        </p:spPr>
+        <p:txBody>
+          <a:bodyPr wrap="square" rtlCol="0">
+            <a:spAutoFit/>
+          </a:bodyPr>
+          <a:lstStyle/>
+          <a:p>
+            <a:r>
+              <a:rPr lang="en-US" sz="1200" dirty="0">
+                <a:solidFill>
+                  <a:schemeClr val="bg1"/>
+                </a:solidFill>
+                <a:latin typeface="Cascadia Mono SemiBold" panose="020B0609020000020004" pitchFamily="49" charset="0"/>
+                <a:ea typeface="Cascadia Mono SemiBold" panose="020B0609020000020004" pitchFamily="49" charset="0"/>
+                <a:cs typeface="Cascadia Mono SemiBold" panose="020B0609020000020004" pitchFamily="49" charset="0"/>
+              </a:rPr>
+              <a:t>12/20/1995</a:t>
+            </a:r>
+          </a:p>
+          <a:p>
+            <a:r>
+              <a:rPr lang="en-US" sz="1200" dirty="0">
+                <a:solidFill>
+                  <a:schemeClr val="bg1"/>
+                </a:solidFill>
+                <a:latin typeface="Cascadia Mono SemiBold" panose="020B0609020000020004" pitchFamily="49" charset="0"/>
+                <a:ea typeface="Cascadia Mono SemiBold" panose="020B0609020000020004" pitchFamily="49" charset="0"/>
+                <a:cs typeface="Cascadia Mono SemiBold" panose="020B0609020000020004" pitchFamily="49" charset="0"/>
+              </a:rPr>
+              <a:t>05/05/2021</a:t>
+            </a:r>
+          </a:p>
+        </p:txBody>
+      </p:sp>
+    </p:spTree>
+    <p:extLst>
+      <p:ext uri="{BB962C8B-B14F-4D97-AF65-F5344CB8AC3E}">
+        <p14:creationId xmlns:p14="http://schemas.microsoft.com/office/powerpoint/2010/main" val="1667430690"/>
+      </p:ext>
+    </p:extLst>
+  </p:cSld>
+  <p:clrMapOvr>
+    <a:masterClrMapping/>
+  </p:clrMapOvr>
+</p:sld>
+</file>
+
+<file path=ppt/slides/slide9.xml><?xml version="1.0" encoding="utf-8"?>
+<p:sld xmlns:a="http://schemas.openxmlformats.org/drawingml/2006/main" xmlns:r="http://schemas.openxmlformats.org/officeDocument/2006/relationships" xmlns:p="http://schemas.openxmlformats.org/presentationml/2006/main">
+  <p:cSld>
+    <p:spTree>
+      <p:nvGrpSpPr>
+        <p:cNvPr id="1" name=""/>
+        <p:cNvGrpSpPr/>
+        <p:nvPr/>
+      </p:nvGrpSpPr>
+      <p:grpSpPr>
+        <a:xfrm>
+          <a:off x="0" y="0"/>
+          <a:ext cx="0" cy="0"/>
+          <a:chOff x="0" y="0"/>
+          <a:chExt cx="0" cy="0"/>
+        </a:xfrm>
+      </p:grpSpPr>
+      <p:sp>
+        <p:nvSpPr>
+          <p:cNvPr id="2" name="Title 1">
+            <a:extLst>
+              <a:ext uri="{FF2B5EF4-FFF2-40B4-BE49-F238E27FC236}">
+                <a16:creationId xmlns:a16="http://schemas.microsoft.com/office/drawing/2014/main" id="{5D280E3F-E80C-41C4-83BA-7980618EAC5E}"/>
+              </a:ext>
+            </a:extLst>
+          </p:cNvPr>
+          <p:cNvSpPr>
+            <a:spLocks noGrp="1"/>
+          </p:cNvSpPr>
+          <p:nvPr>
+            <p:ph type="title"/>
+          </p:nvPr>
+        </p:nvSpPr>
+        <p:spPr/>
+        <p:txBody>
+          <a:bodyPr/>
+          <a:lstStyle/>
+          <a:p>
+            <a:r>
+              <a:rPr lang="en-MY" dirty="0"/>
+              <a:t>Palindrome word</a:t>
+            </a:r>
+          </a:p>
+        </p:txBody>
+      </p:sp>
+      <p:sp>
+        <p:nvSpPr>
+          <p:cNvPr id="3" name="Content Placeholder 2">
+            <a:extLst>
+              <a:ext uri="{FF2B5EF4-FFF2-40B4-BE49-F238E27FC236}">
+                <a16:creationId xmlns:a16="http://schemas.microsoft.com/office/drawing/2014/main" id="{9ACB66CF-AD72-47FB-9DEE-6949334A6EA7}"/>
+              </a:ext>
+            </a:extLst>
+          </p:cNvPr>
+          <p:cNvSpPr>
+            <a:spLocks noGrp="1"/>
+          </p:cNvSpPr>
+          <p:nvPr>
+            <p:ph idx="1"/>
+          </p:nvPr>
+        </p:nvSpPr>
+        <p:spPr>
+          <a:xfrm>
+            <a:off x="685801" y="2142067"/>
+            <a:ext cx="9103658" cy="3075391"/>
+          </a:xfrm>
+        </p:spPr>
+        <p:txBody>
+          <a:bodyPr anchor="t"/>
+          <a:lstStyle/>
+          <a:p>
+            <a:r>
+              <a:rPr lang="en-US" dirty="0"/>
+              <a:t>Make a program, which can check if a word is palindrome or not.</a:t>
+            </a:r>
+          </a:p>
+          <a:p>
+            <a:r>
+              <a:rPr lang="en-US" dirty="0"/>
+              <a:t>Palindrome words, are those words that read from reverse order is same from beginning, like: madam, refer, racecar, etc.</a:t>
+            </a:r>
+          </a:p>
+          <a:p>
+            <a:endParaRPr lang="en-US" dirty="0"/>
+          </a:p>
+          <a:p>
+            <a:endParaRPr lang="en-US" dirty="0"/>
+          </a:p>
+          <a:p>
+            <a:endParaRPr lang="en-MY" dirty="0"/>
+          </a:p>
+          <a:p>
+            <a:r>
+              <a:rPr lang="en-MY" dirty="0"/>
+              <a:t>How about words “never odd or even”? If we do not consider space, then it is also palindrome. Can you make your program also detect this situation?</a:t>
+            </a:r>
+          </a:p>
+        </p:txBody>
+      </p:sp>
+    </p:spTree>
+    <p:extLst>
+      <p:ext uri="{BB962C8B-B14F-4D97-AF65-F5344CB8AC3E}">
+        <p14:creationId xmlns:p14="http://schemas.microsoft.com/office/powerpoint/2010/main" val="4124062850"/>
       </p:ext>
     </p:extLst>
   </p:cSld>

--- a/Py B - unit 2p.pptx
+++ b/Py B - unit 2p.pptx
@@ -397,7 +397,7 @@
   <pc:docChgLst>
     <pc:chgData name="Li Lixiang" userId="6104bbfcb56aea79" providerId="LiveId" clId="{6A96D280-A5A3-4047-8961-F87F78459831}"/>
     <pc:docChg chg="undo redo custSel addSld delSld modSld sldOrd">
-      <pc:chgData name="Li Lixiang" userId="6104bbfcb56aea79" providerId="LiveId" clId="{6A96D280-A5A3-4047-8961-F87F78459831}" dt="2021-12-26T07:21:58.660" v="3377" actId="404"/>
+      <pc:chgData name="Li Lixiang" userId="6104bbfcb56aea79" providerId="LiveId" clId="{6A96D280-A5A3-4047-8961-F87F78459831}" dt="2022-01-09T02:46:49.906" v="3378" actId="20577"/>
       <pc:docMkLst>
         <pc:docMk/>
       </pc:docMkLst>
@@ -470,7 +470,7 @@
         </pc:spChg>
       </pc:sldChg>
       <pc:sldChg chg="addSp delSp modSp add mod">
-        <pc:chgData name="Li Lixiang" userId="6104bbfcb56aea79" providerId="LiveId" clId="{6A96D280-A5A3-4047-8961-F87F78459831}" dt="2021-12-26T03:56:18.867" v="3319" actId="27636"/>
+        <pc:chgData name="Li Lixiang" userId="6104bbfcb56aea79" providerId="LiveId" clId="{6A96D280-A5A3-4047-8961-F87F78459831}" dt="2022-01-09T02:46:49.906" v="3378" actId="20577"/>
         <pc:sldMkLst>
           <pc:docMk/>
           <pc:sldMk cId="3556490810" sldId="278"/>
@@ -484,7 +484,7 @@
           </ac:spMkLst>
         </pc:spChg>
         <pc:spChg chg="mod">
-          <ac:chgData name="Li Lixiang" userId="6104bbfcb56aea79" providerId="LiveId" clId="{6A96D280-A5A3-4047-8961-F87F78459831}" dt="2021-12-26T03:56:18.867" v="3319" actId="27636"/>
+          <ac:chgData name="Li Lixiang" userId="6104bbfcb56aea79" providerId="LiveId" clId="{6A96D280-A5A3-4047-8961-F87F78459831}" dt="2022-01-09T02:46:49.906" v="3378" actId="20577"/>
           <ac:spMkLst>
             <pc:docMk/>
             <pc:sldMk cId="3556490810" sldId="278"/>
@@ -1940,7 +1940,7 @@
             <a:fld id="{B61BEF0D-F0BB-DE4B-95CE-6DB70DBA9567}" type="datetimeFigureOut">
               <a:rPr lang="en-US" dirty="0"/>
               <a:pPr/>
-              <a:t>12/26/2021</a:t>
+              <a:t>1/9/2022</a:t>
             </a:fld>
             <a:endParaRPr lang="en-US" dirty="0"/>
           </a:p>
@@ -2271,7 +2271,7 @@
             <a:fld id="{B61BEF0D-F0BB-DE4B-95CE-6DB70DBA9567}" type="datetimeFigureOut">
               <a:rPr lang="en-US" dirty="0"/>
               <a:pPr/>
-              <a:t>12/26/2021</a:t>
+              <a:t>1/9/2022</a:t>
             </a:fld>
             <a:endParaRPr lang="en-US" dirty="0"/>
           </a:p>
@@ -2546,7 +2546,7 @@
             <a:fld id="{B61BEF0D-F0BB-DE4B-95CE-6DB70DBA9567}" type="datetimeFigureOut">
               <a:rPr lang="en-US" dirty="0"/>
               <a:pPr/>
-              <a:t>12/26/2021</a:t>
+              <a:t>1/9/2022</a:t>
             </a:fld>
             <a:endParaRPr lang="en-US" dirty="0"/>
           </a:p>
@@ -3111,7 +3111,7 @@
             <a:fld id="{B61BEF0D-F0BB-DE4B-95CE-6DB70DBA9567}" type="datetimeFigureOut">
               <a:rPr lang="en-US" dirty="0"/>
               <a:pPr/>
-              <a:t>12/26/2021</a:t>
+              <a:t>1/9/2022</a:t>
             </a:fld>
             <a:endParaRPr lang="en-US" dirty="0"/>
           </a:p>
@@ -3386,7 +3386,7 @@
             <a:fld id="{B61BEF0D-F0BB-DE4B-95CE-6DB70DBA9567}" type="datetimeFigureOut">
               <a:rPr lang="en-US" dirty="0"/>
               <a:pPr/>
-              <a:t>12/26/2021</a:t>
+              <a:t>1/9/2022</a:t>
             </a:fld>
             <a:endParaRPr lang="en-US" dirty="0"/>
           </a:p>
@@ -3945,7 +3945,7 @@
             <a:fld id="{B61BEF0D-F0BB-DE4B-95CE-6DB70DBA9567}" type="datetimeFigureOut">
               <a:rPr lang="en-US" dirty="0"/>
               <a:pPr/>
-              <a:t>12/26/2021</a:t>
+              <a:t>1/9/2022</a:t>
             </a:fld>
             <a:endParaRPr lang="en-US" dirty="0"/>
           </a:p>
@@ -4269,7 +4269,7 @@
             <a:fld id="{B61BEF0D-F0BB-DE4B-95CE-6DB70DBA9567}" type="datetimeFigureOut">
               <a:rPr lang="en-US" dirty="0"/>
               <a:pPr/>
-              <a:t>12/26/2021</a:t>
+              <a:t>1/9/2022</a:t>
             </a:fld>
             <a:endParaRPr lang="en-US" dirty="0"/>
           </a:p>
@@ -4443,7 +4443,7 @@
             <a:fld id="{B61BEF0D-F0BB-DE4B-95CE-6DB70DBA9567}" type="datetimeFigureOut">
               <a:rPr lang="en-US" dirty="0"/>
               <a:pPr/>
-              <a:t>12/26/2021</a:t>
+              <a:t>1/9/2022</a:t>
             </a:fld>
             <a:endParaRPr lang="en-US" dirty="0"/>
           </a:p>
@@ -4678,7 +4678,7 @@
             <a:fld id="{B61BEF0D-F0BB-DE4B-95CE-6DB70DBA9567}" type="datetimeFigureOut">
               <a:rPr lang="en-US" dirty="0"/>
               <a:pPr/>
-              <a:t>12/26/2021</a:t>
+              <a:t>1/9/2022</a:t>
             </a:fld>
             <a:endParaRPr lang="en-US" dirty="0"/>
           </a:p>
@@ -4875,7 +4875,7 @@
             <a:fld id="{B61BEF0D-F0BB-DE4B-95CE-6DB70DBA9567}" type="datetimeFigureOut">
               <a:rPr lang="en-US" dirty="0"/>
               <a:pPr/>
-              <a:t>12/26/2021</a:t>
+              <a:t>1/9/2022</a:t>
             </a:fld>
             <a:endParaRPr lang="en-US" dirty="0"/>
           </a:p>
@@ -5148,7 +5148,7 @@
             <a:fld id="{B61BEF0D-F0BB-DE4B-95CE-6DB70DBA9567}" type="datetimeFigureOut">
               <a:rPr lang="en-US" dirty="0"/>
               <a:pPr/>
-              <a:t>12/26/2021</a:t>
+              <a:t>1/9/2022</a:t>
             </a:fld>
             <a:endParaRPr lang="en-US" dirty="0"/>
           </a:p>
@@ -5411,7 +5411,7 @@
             <a:fld id="{B61BEF0D-F0BB-DE4B-95CE-6DB70DBA9567}" type="datetimeFigureOut">
               <a:rPr lang="en-US" dirty="0"/>
               <a:pPr/>
-              <a:t>12/26/2021</a:t>
+              <a:t>1/9/2022</a:t>
             </a:fld>
             <a:endParaRPr lang="en-US" dirty="0"/>
           </a:p>
@@ -5782,7 +5782,7 @@
             <a:fld id="{B61BEF0D-F0BB-DE4B-95CE-6DB70DBA9567}" type="datetimeFigureOut">
               <a:rPr lang="en-US" dirty="0"/>
               <a:pPr/>
-              <a:t>12/26/2021</a:t>
+              <a:t>1/9/2022</a:t>
             </a:fld>
             <a:endParaRPr lang="en-US" dirty="0"/>
           </a:p>
@@ -5927,7 +5927,7 @@
             <a:fld id="{B61BEF0D-F0BB-DE4B-95CE-6DB70DBA9567}" type="datetimeFigureOut">
               <a:rPr lang="en-US" dirty="0"/>
               <a:pPr/>
-              <a:t>12/26/2021</a:t>
+              <a:t>1/9/2022</a:t>
             </a:fld>
             <a:endParaRPr lang="en-US" dirty="0"/>
           </a:p>
@@ -6049,7 +6049,7 @@
             <a:fld id="{B61BEF0D-F0BB-DE4B-95CE-6DB70DBA9567}" type="datetimeFigureOut">
               <a:rPr lang="en-US" dirty="0"/>
               <a:pPr/>
-              <a:t>12/26/2021</a:t>
+              <a:t>1/9/2022</a:t>
             </a:fld>
             <a:endParaRPr lang="en-US" dirty="0"/>
           </a:p>
@@ -6331,7 +6331,7 @@
             <a:fld id="{B61BEF0D-F0BB-DE4B-95CE-6DB70DBA9567}" type="datetimeFigureOut">
               <a:rPr lang="en-US" dirty="0"/>
               <a:pPr/>
-              <a:t>12/26/2021</a:t>
+              <a:t>1/9/2022</a:t>
             </a:fld>
             <a:endParaRPr lang="en-US" dirty="0"/>
           </a:p>
@@ -6652,7 +6652,7 @@
             <a:fld id="{B61BEF0D-F0BB-DE4B-95CE-6DB70DBA9567}" type="datetimeFigureOut">
               <a:rPr lang="en-US" dirty="0"/>
               <a:pPr/>
-              <a:t>12/26/2021</a:t>
+              <a:t>1/9/2022</a:t>
             </a:fld>
             <a:endParaRPr lang="en-US" dirty="0"/>
           </a:p>
@@ -6863,7 +6863,7 @@
             <a:fld id="{B61BEF0D-F0BB-DE4B-95CE-6DB70DBA9567}" type="datetimeFigureOut">
               <a:rPr lang="en-US" dirty="0"/>
               <a:pPr/>
-              <a:t>12/26/2021</a:t>
+              <a:t>1/9/2022</a:t>
             </a:fld>
             <a:endParaRPr lang="en-US" dirty="0"/>
           </a:p>
@@ -7555,7 +7555,7 @@
           <a:p>
             <a:r>
               <a:rPr lang="en-US" sz="2000" dirty="0"/>
-              <a:t>Write a program, which take a string as input from use, the output 2 information:</a:t>
+              <a:t>Write a program, which take a string as input from user, the output 2 information:</a:t>
             </a:r>
           </a:p>
           <a:p>

--- a/Py B - unit 2p.pptx
+++ b/Py B - unit 2p.pptx
@@ -6,19 +6,17 @@
   </p:sldMasterIdLst>
   <p:sldIdLst>
     <p:sldId id="266" r:id="rId2"/>
-    <p:sldId id="273" r:id="rId3"/>
-    <p:sldId id="284" r:id="rId4"/>
-    <p:sldId id="267" r:id="rId5"/>
-    <p:sldId id="297" r:id="rId6"/>
-    <p:sldId id="296" r:id="rId7"/>
-    <p:sldId id="292" r:id="rId8"/>
-    <p:sldId id="298" r:id="rId9"/>
-    <p:sldId id="275" r:id="rId10"/>
-    <p:sldId id="278" r:id="rId11"/>
-    <p:sldId id="279" r:id="rId12"/>
-    <p:sldId id="274" r:id="rId13"/>
-    <p:sldId id="276" r:id="rId14"/>
-    <p:sldId id="277" r:id="rId15"/>
+    <p:sldId id="299" r:id="rId3"/>
+    <p:sldId id="273" r:id="rId4"/>
+    <p:sldId id="284" r:id="rId5"/>
+    <p:sldId id="267" r:id="rId6"/>
+    <p:sldId id="297" r:id="rId7"/>
+    <p:sldId id="296" r:id="rId8"/>
+    <p:sldId id="292" r:id="rId9"/>
+    <p:sldId id="298" r:id="rId10"/>
+    <p:sldId id="275" r:id="rId11"/>
+    <p:sldId id="278" r:id="rId12"/>
+    <p:sldId id="279" r:id="rId13"/>
   </p:sldIdLst>
   <p:sldSz cx="12192000" cy="6858000"/>
   <p:notesSz cx="6858000" cy="9144000"/>
@@ -128,7 +126,7 @@
 <file path=ppt/revisionInfo.xml><?xml version="1.0" encoding="utf-8"?>
 <p1510:revInfo xmlns:a="http://schemas.openxmlformats.org/drawingml/2006/main" xmlns:r="http://schemas.openxmlformats.org/officeDocument/2006/relationships" xmlns:p1510="http://schemas.microsoft.com/office/powerpoint/2015/10/main">
   <p1510:revLst>
-    <p1510:client id="{6A96D280-A5A3-4047-8961-F87F78459831}" v="13" dt="2021-12-26T07:21:16.821"/>
+    <p1510:client id="{6A96D280-A5A3-4047-8961-F87F78459831}" v="14" dt="2022-03-16T07:55:59.494"/>
   </p1510:revLst>
 </p1510:revInfo>
 </file>
@@ -397,7 +395,7 @@
   <pc:docChgLst>
     <pc:chgData name="Li Lixiang" userId="6104bbfcb56aea79" providerId="LiveId" clId="{6A96D280-A5A3-4047-8961-F87F78459831}"/>
     <pc:docChg chg="undo redo custSel addSld delSld modSld sldOrd">
-      <pc:chgData name="Li Lixiang" userId="6104bbfcb56aea79" providerId="LiveId" clId="{6A96D280-A5A3-4047-8961-F87F78459831}" dt="2022-01-09T02:46:49.906" v="3378" actId="20577"/>
+      <pc:chgData name="Li Lixiang" userId="6104bbfcb56aea79" providerId="LiveId" clId="{6A96D280-A5A3-4047-8961-F87F78459831}" dt="2023-04-25T11:53:02.420" v="3508" actId="47"/>
       <pc:docMkLst>
         <pc:docMk/>
       </pc:docMkLst>
@@ -424,6 +422,13 @@
           </ac:spMkLst>
         </pc:spChg>
       </pc:sldChg>
+      <pc:sldChg chg="add del">
+        <pc:chgData name="Li Lixiang" userId="6104bbfcb56aea79" providerId="LiveId" clId="{6A96D280-A5A3-4047-8961-F87F78459831}" dt="2023-04-25T11:53:02.420" v="3508" actId="47"/>
+        <pc:sldMkLst>
+          <pc:docMk/>
+          <pc:sldMk cId="1137392759" sldId="274"/>
+        </pc:sldMkLst>
+      </pc:sldChg>
       <pc:sldChg chg="modSp mod">
         <pc:chgData name="Li Lixiang" userId="6104bbfcb56aea79" providerId="LiveId" clId="{6A96D280-A5A3-4047-8961-F87F78459831}" dt="2021-12-24T02:37:49.405" v="2603" actId="14100"/>
         <pc:sldMkLst>
@@ -439,8 +444,8 @@
           </ac:spMkLst>
         </pc:spChg>
       </pc:sldChg>
-      <pc:sldChg chg="modSp add mod">
-        <pc:chgData name="Li Lixiang" userId="6104bbfcb56aea79" providerId="LiveId" clId="{6A96D280-A5A3-4047-8961-F87F78459831}" dt="2021-10-13T02:08:03.519" v="668" actId="27636"/>
+      <pc:sldChg chg="modSp add del mod">
+        <pc:chgData name="Li Lixiang" userId="6104bbfcb56aea79" providerId="LiveId" clId="{6A96D280-A5A3-4047-8961-F87F78459831}" dt="2023-04-25T11:53:02.420" v="3508" actId="47"/>
         <pc:sldMkLst>
           <pc:docMk/>
           <pc:sldMk cId="2094285108" sldId="276"/>
@@ -454,8 +459,8 @@
           </ac:spMkLst>
         </pc:spChg>
       </pc:sldChg>
-      <pc:sldChg chg="modSp add mod">
-        <pc:chgData name="Li Lixiang" userId="6104bbfcb56aea79" providerId="LiveId" clId="{6A96D280-A5A3-4047-8961-F87F78459831}" dt="2021-10-13T02:22:40.664" v="1316" actId="6549"/>
+      <pc:sldChg chg="modSp add del mod">
+        <pc:chgData name="Li Lixiang" userId="6104bbfcb56aea79" providerId="LiveId" clId="{6A96D280-A5A3-4047-8961-F87F78459831}" dt="2023-04-25T11:53:02.420" v="3508" actId="47"/>
         <pc:sldMkLst>
           <pc:docMk/>
           <pc:sldMk cId="2103825147" sldId="277"/>
@@ -635,6 +640,61 @@
             <ac:spMk id="5" creationId="{CF137873-8D2B-4249-B292-4CF447E6F54C}"/>
           </ac:spMkLst>
         </pc:spChg>
+      </pc:sldChg>
+      <pc:sldChg chg="addSp delSp modSp add mod">
+        <pc:chgData name="Li Lixiang" userId="6104bbfcb56aea79" providerId="LiveId" clId="{6A96D280-A5A3-4047-8961-F87F78459831}" dt="2022-03-16T08:07:57.409" v="3505" actId="1076"/>
+        <pc:sldMkLst>
+          <pc:docMk/>
+          <pc:sldMk cId="1296037346" sldId="299"/>
+        </pc:sldMkLst>
+        <pc:spChg chg="mod">
+          <ac:chgData name="Li Lixiang" userId="6104bbfcb56aea79" providerId="LiveId" clId="{6A96D280-A5A3-4047-8961-F87F78459831}" dt="2022-03-16T08:05:47.251" v="3414" actId="20577"/>
+          <ac:spMkLst>
+            <pc:docMk/>
+            <pc:sldMk cId="1296037346" sldId="299"/>
+            <ac:spMk id="2" creationId="{5EC01E2D-9CFE-4D5D-8863-3BA90731F07B}"/>
+          </ac:spMkLst>
+        </pc:spChg>
+        <pc:spChg chg="mod">
+          <ac:chgData name="Li Lixiang" userId="6104bbfcb56aea79" providerId="LiveId" clId="{6A96D280-A5A3-4047-8961-F87F78459831}" dt="2022-03-16T08:07:33.976" v="3503" actId="14100"/>
+          <ac:spMkLst>
+            <pc:docMk/>
+            <pc:sldMk cId="1296037346" sldId="299"/>
+            <ac:spMk id="3" creationId="{7060439F-2729-478E-B95F-230482B50AA1}"/>
+          </ac:spMkLst>
+        </pc:spChg>
+        <pc:picChg chg="del">
+          <ac:chgData name="Li Lixiang" userId="6104bbfcb56aea79" providerId="LiveId" clId="{6A96D280-A5A3-4047-8961-F87F78459831}" dt="2022-03-16T07:56:26.821" v="3405" actId="478"/>
+          <ac:picMkLst>
+            <pc:docMk/>
+            <pc:sldMk cId="1296037346" sldId="299"/>
+            <ac:picMk id="4" creationId="{E6E0ADD3-234C-4276-A71D-680100949D67}"/>
+          </ac:picMkLst>
+        </pc:picChg>
+        <pc:picChg chg="del">
+          <ac:chgData name="Li Lixiang" userId="6104bbfcb56aea79" providerId="LiveId" clId="{6A96D280-A5A3-4047-8961-F87F78459831}" dt="2022-03-16T07:56:27.653" v="3406" actId="478"/>
+          <ac:picMkLst>
+            <pc:docMk/>
+            <pc:sldMk cId="1296037346" sldId="299"/>
+            <ac:picMk id="5" creationId="{13607EAE-1653-4C12-B8D5-0FC08194D12C}"/>
+          </ac:picMkLst>
+        </pc:picChg>
+        <pc:picChg chg="add mod modCrop">
+          <ac:chgData name="Li Lixiang" userId="6104bbfcb56aea79" providerId="LiveId" clId="{6A96D280-A5A3-4047-8961-F87F78459831}" dt="2022-03-16T08:06:55.985" v="3417" actId="1076"/>
+          <ac:picMkLst>
+            <pc:docMk/>
+            <pc:sldMk cId="1296037346" sldId="299"/>
+            <ac:picMk id="7" creationId="{B6EB806E-FA73-4676-A0FC-725872E62120}"/>
+          </ac:picMkLst>
+        </pc:picChg>
+        <pc:picChg chg="add mod">
+          <ac:chgData name="Li Lixiang" userId="6104bbfcb56aea79" providerId="LiveId" clId="{6A96D280-A5A3-4047-8961-F87F78459831}" dt="2022-03-16T08:07:57.409" v="3505" actId="1076"/>
+          <ac:picMkLst>
+            <pc:docMk/>
+            <pc:sldMk cId="1296037346" sldId="299"/>
+            <ac:picMk id="9" creationId="{203119D1-9543-4229-99CF-992DC417D6F1}"/>
+          </ac:picMkLst>
+        </pc:picChg>
       </pc:sldChg>
     </pc:docChg>
   </pc:docChgLst>
@@ -1940,7 +2000,7 @@
             <a:fld id="{B61BEF0D-F0BB-DE4B-95CE-6DB70DBA9567}" type="datetimeFigureOut">
               <a:rPr lang="en-US" dirty="0"/>
               <a:pPr/>
-              <a:t>1/9/2022</a:t>
+              <a:t>4/25/2023</a:t>
             </a:fld>
             <a:endParaRPr lang="en-US" dirty="0"/>
           </a:p>
@@ -2271,7 +2331,7 @@
             <a:fld id="{B61BEF0D-F0BB-DE4B-95CE-6DB70DBA9567}" type="datetimeFigureOut">
               <a:rPr lang="en-US" dirty="0"/>
               <a:pPr/>
-              <a:t>1/9/2022</a:t>
+              <a:t>4/25/2023</a:t>
             </a:fld>
             <a:endParaRPr lang="en-US" dirty="0"/>
           </a:p>
@@ -2546,7 +2606,7 @@
             <a:fld id="{B61BEF0D-F0BB-DE4B-95CE-6DB70DBA9567}" type="datetimeFigureOut">
               <a:rPr lang="en-US" dirty="0"/>
               <a:pPr/>
-              <a:t>1/9/2022</a:t>
+              <a:t>4/25/2023</a:t>
             </a:fld>
             <a:endParaRPr lang="en-US" dirty="0"/>
           </a:p>
@@ -3111,7 +3171,7 @@
             <a:fld id="{B61BEF0D-F0BB-DE4B-95CE-6DB70DBA9567}" type="datetimeFigureOut">
               <a:rPr lang="en-US" dirty="0"/>
               <a:pPr/>
-              <a:t>1/9/2022</a:t>
+              <a:t>4/25/2023</a:t>
             </a:fld>
             <a:endParaRPr lang="en-US" dirty="0"/>
           </a:p>
@@ -3386,7 +3446,7 @@
             <a:fld id="{B61BEF0D-F0BB-DE4B-95CE-6DB70DBA9567}" type="datetimeFigureOut">
               <a:rPr lang="en-US" dirty="0"/>
               <a:pPr/>
-              <a:t>1/9/2022</a:t>
+              <a:t>4/25/2023</a:t>
             </a:fld>
             <a:endParaRPr lang="en-US" dirty="0"/>
           </a:p>
@@ -3945,7 +4005,7 @@
             <a:fld id="{B61BEF0D-F0BB-DE4B-95CE-6DB70DBA9567}" type="datetimeFigureOut">
               <a:rPr lang="en-US" dirty="0"/>
               <a:pPr/>
-              <a:t>1/9/2022</a:t>
+              <a:t>4/25/2023</a:t>
             </a:fld>
             <a:endParaRPr lang="en-US" dirty="0"/>
           </a:p>
@@ -4269,7 +4329,7 @@
             <a:fld id="{B61BEF0D-F0BB-DE4B-95CE-6DB70DBA9567}" type="datetimeFigureOut">
               <a:rPr lang="en-US" dirty="0"/>
               <a:pPr/>
-              <a:t>1/9/2022</a:t>
+              <a:t>4/25/2023</a:t>
             </a:fld>
             <a:endParaRPr lang="en-US" dirty="0"/>
           </a:p>
@@ -4443,7 +4503,7 @@
             <a:fld id="{B61BEF0D-F0BB-DE4B-95CE-6DB70DBA9567}" type="datetimeFigureOut">
               <a:rPr lang="en-US" dirty="0"/>
               <a:pPr/>
-              <a:t>1/9/2022</a:t>
+              <a:t>4/25/2023</a:t>
             </a:fld>
             <a:endParaRPr lang="en-US" dirty="0"/>
           </a:p>
@@ -4678,7 +4738,7 @@
             <a:fld id="{B61BEF0D-F0BB-DE4B-95CE-6DB70DBA9567}" type="datetimeFigureOut">
               <a:rPr lang="en-US" dirty="0"/>
               <a:pPr/>
-              <a:t>1/9/2022</a:t>
+              <a:t>4/25/2023</a:t>
             </a:fld>
             <a:endParaRPr lang="en-US" dirty="0"/>
           </a:p>
@@ -4875,7 +4935,7 @@
             <a:fld id="{B61BEF0D-F0BB-DE4B-95CE-6DB70DBA9567}" type="datetimeFigureOut">
               <a:rPr lang="en-US" dirty="0"/>
               <a:pPr/>
-              <a:t>1/9/2022</a:t>
+              <a:t>4/25/2023</a:t>
             </a:fld>
             <a:endParaRPr lang="en-US" dirty="0"/>
           </a:p>
@@ -5148,7 +5208,7 @@
             <a:fld id="{B61BEF0D-F0BB-DE4B-95CE-6DB70DBA9567}" type="datetimeFigureOut">
               <a:rPr lang="en-US" dirty="0"/>
               <a:pPr/>
-              <a:t>1/9/2022</a:t>
+              <a:t>4/25/2023</a:t>
             </a:fld>
             <a:endParaRPr lang="en-US" dirty="0"/>
           </a:p>
@@ -5411,7 +5471,7 @@
             <a:fld id="{B61BEF0D-F0BB-DE4B-95CE-6DB70DBA9567}" type="datetimeFigureOut">
               <a:rPr lang="en-US" dirty="0"/>
               <a:pPr/>
-              <a:t>1/9/2022</a:t>
+              <a:t>4/25/2023</a:t>
             </a:fld>
             <a:endParaRPr lang="en-US" dirty="0"/>
           </a:p>
@@ -5782,7 +5842,7 @@
             <a:fld id="{B61BEF0D-F0BB-DE4B-95CE-6DB70DBA9567}" type="datetimeFigureOut">
               <a:rPr lang="en-US" dirty="0"/>
               <a:pPr/>
-              <a:t>1/9/2022</a:t>
+              <a:t>4/25/2023</a:t>
             </a:fld>
             <a:endParaRPr lang="en-US" dirty="0"/>
           </a:p>
@@ -5927,7 +5987,7 @@
             <a:fld id="{B61BEF0D-F0BB-DE4B-95CE-6DB70DBA9567}" type="datetimeFigureOut">
               <a:rPr lang="en-US" dirty="0"/>
               <a:pPr/>
-              <a:t>1/9/2022</a:t>
+              <a:t>4/25/2023</a:t>
             </a:fld>
             <a:endParaRPr lang="en-US" dirty="0"/>
           </a:p>
@@ -6049,7 +6109,7 @@
             <a:fld id="{B61BEF0D-F0BB-DE4B-95CE-6DB70DBA9567}" type="datetimeFigureOut">
               <a:rPr lang="en-US" dirty="0"/>
               <a:pPr/>
-              <a:t>1/9/2022</a:t>
+              <a:t>4/25/2023</a:t>
             </a:fld>
             <a:endParaRPr lang="en-US" dirty="0"/>
           </a:p>
@@ -6331,7 +6391,7 @@
             <a:fld id="{B61BEF0D-F0BB-DE4B-95CE-6DB70DBA9567}" type="datetimeFigureOut">
               <a:rPr lang="en-US" dirty="0"/>
               <a:pPr/>
-              <a:t>1/9/2022</a:t>
+              <a:t>4/25/2023</a:t>
             </a:fld>
             <a:endParaRPr lang="en-US" dirty="0"/>
           </a:p>
@@ -6652,7 +6712,7 @@
             <a:fld id="{B61BEF0D-F0BB-DE4B-95CE-6DB70DBA9567}" type="datetimeFigureOut">
               <a:rPr lang="en-US" dirty="0"/>
               <a:pPr/>
-              <a:t>1/9/2022</a:t>
+              <a:t>4/25/2023</a:t>
             </a:fld>
             <a:endParaRPr lang="en-US" dirty="0"/>
           </a:p>
@@ -6863,7 +6923,7 @@
             <a:fld id="{B61BEF0D-F0BB-DE4B-95CE-6DB70DBA9567}" type="datetimeFigureOut">
               <a:rPr lang="en-US" dirty="0"/>
               <a:pPr/>
-              <a:t>1/9/2022</a:t>
+              <a:t>4/25/2023</a:t>
             </a:fld>
             <a:endParaRPr lang="en-US" dirty="0"/>
           </a:p>
@@ -7527,6 +7587,34 @@
       </p:grpSpPr>
       <p:sp>
         <p:nvSpPr>
+          <p:cNvPr id="2" name="Title 1">
+            <a:extLst>
+              <a:ext uri="{FF2B5EF4-FFF2-40B4-BE49-F238E27FC236}">
+                <a16:creationId xmlns:a16="http://schemas.microsoft.com/office/drawing/2014/main" id="{5D280E3F-E80C-41C4-83BA-7980618EAC5E}"/>
+              </a:ext>
+            </a:extLst>
+          </p:cNvPr>
+          <p:cNvSpPr>
+            <a:spLocks noGrp="1"/>
+          </p:cNvSpPr>
+          <p:nvPr>
+            <p:ph type="title"/>
+          </p:nvPr>
+        </p:nvSpPr>
+        <p:spPr/>
+        <p:txBody>
+          <a:bodyPr/>
+          <a:lstStyle/>
+          <a:p>
+            <a:r>
+              <a:rPr lang="en-MY" dirty="0"/>
+              <a:t>Palindrome word</a:t>
+            </a:r>
+          </a:p>
+        </p:txBody>
+      </p:sp>
+      <p:sp>
+        <p:nvSpPr>
           <p:cNvPr id="3" name="Content Placeholder 2">
             <a:extLst>
               <a:ext uri="{FF2B5EF4-FFF2-40B4-BE49-F238E27FC236}">
@@ -7543,77 +7631,38 @@
         </p:nvSpPr>
         <p:spPr>
           <a:xfrm>
-            <a:off x="587189" y="1120091"/>
-            <a:ext cx="9865657" cy="4195980"/>
+            <a:off x="685801" y="2142067"/>
+            <a:ext cx="9103658" cy="3075391"/>
           </a:xfrm>
         </p:spPr>
         <p:txBody>
-          <a:bodyPr anchor="t">
-            <a:normAutofit fontScale="92500" lnSpcReduction="10000"/>
-          </a:bodyPr>
+          <a:bodyPr anchor="t"/>
           <a:lstStyle/>
           <a:p>
             <a:r>
-              <a:rPr lang="en-US" sz="2000" dirty="0"/>
-              <a:t>Write a program, which take a string as input from user, the output 2 information:</a:t>
-            </a:r>
-          </a:p>
-          <a:p>
-            <a:pPr lvl="1"/>
-            <a:r>
-              <a:rPr lang="en-US" sz="1800" dirty="0"/>
-              <a:t>1. how many letters in the string (letters are A~Z and </a:t>
-            </a:r>
-            <a:r>
-              <a:rPr lang="en-US" sz="1800" dirty="0" err="1"/>
-              <a:t>a~z</a:t>
-            </a:r>
-            <a:r>
-              <a:rPr lang="en-US" sz="1800" dirty="0"/>
-              <a:t>).</a:t>
-            </a:r>
-          </a:p>
-          <a:p>
-            <a:pPr lvl="1"/>
-            <a:r>
-              <a:rPr lang="en-US" sz="1800" dirty="0"/>
-              <a:t>2. how many digits in the string (digits are 0~9)</a:t>
-            </a:r>
-          </a:p>
-          <a:p>
-            <a:endParaRPr lang="en-US" sz="2000" dirty="0"/>
-          </a:p>
-          <a:p>
-            <a:endParaRPr lang="en-US" sz="2000" dirty="0"/>
-          </a:p>
-          <a:p>
-            <a:endParaRPr lang="en-US" sz="2000" dirty="0"/>
-          </a:p>
-          <a:p>
-            <a:r>
-              <a:rPr lang="en-US" sz="2000" dirty="0"/>
-              <a:t>Write a program, which takes one string from user and check if this string is valid to be used as a password:</a:t>
-            </a:r>
-          </a:p>
-          <a:p>
-            <a:pPr lvl="1"/>
-            <a:r>
-              <a:rPr lang="en-US" sz="1800" dirty="0"/>
-              <a:t>At least one letter and one digit</a:t>
-            </a:r>
-          </a:p>
-          <a:p>
-            <a:pPr lvl="1"/>
-            <a:r>
-              <a:rPr lang="en-US" sz="1800" dirty="0"/>
-              <a:t>Minimum length 8</a:t>
-            </a:r>
-          </a:p>
-          <a:p>
-            <a:pPr lvl="1"/>
-            <a:r>
-              <a:rPr lang="en-US" sz="1800" dirty="0"/>
-              <a:t>Maximum length 16</a:t>
+              <a:rPr lang="en-US" dirty="0"/>
+              <a:t>Make a program, which can check if a word is palindrome or not.</a:t>
+            </a:r>
+          </a:p>
+          <a:p>
+            <a:r>
+              <a:rPr lang="en-US" dirty="0"/>
+              <a:t>Palindrome words, are those words that read from reverse order is same from beginning, like: madam, refer, racecar, etc.</a:t>
+            </a:r>
+          </a:p>
+          <a:p>
+            <a:endParaRPr lang="en-US" dirty="0"/>
+          </a:p>
+          <a:p>
+            <a:endParaRPr lang="en-US" dirty="0"/>
+          </a:p>
+          <a:p>
+            <a:endParaRPr lang="en-MY" dirty="0"/>
+          </a:p>
+          <a:p>
+            <a:r>
+              <a:rPr lang="en-MY" dirty="0"/>
+              <a:t>How about words “never odd or even”? If we do not consider space, then it is also palindrome. Can you make your program also detect this situation?</a:t>
             </a:r>
           </a:p>
         </p:txBody>
@@ -7621,7 +7670,7 @@
     </p:spTree>
     <p:extLst>
       <p:ext uri="{BB962C8B-B14F-4D97-AF65-F5344CB8AC3E}">
-        <p14:creationId xmlns:p14="http://schemas.microsoft.com/office/powerpoint/2010/main" val="3556490810"/>
+        <p14:creationId xmlns:p14="http://schemas.microsoft.com/office/powerpoint/2010/main" val="4124062850"/>
       </p:ext>
     </p:extLst>
   </p:cSld>
@@ -7650,34 +7699,6 @@
       </p:grpSpPr>
       <p:sp>
         <p:nvSpPr>
-          <p:cNvPr id="2" name="Title 1">
-            <a:extLst>
-              <a:ext uri="{FF2B5EF4-FFF2-40B4-BE49-F238E27FC236}">
-                <a16:creationId xmlns:a16="http://schemas.microsoft.com/office/drawing/2014/main" id="{5D280E3F-E80C-41C4-83BA-7980618EAC5E}"/>
-              </a:ext>
-            </a:extLst>
-          </p:cNvPr>
-          <p:cNvSpPr>
-            <a:spLocks noGrp="1"/>
-          </p:cNvSpPr>
-          <p:nvPr>
-            <p:ph type="title"/>
-          </p:nvPr>
-        </p:nvSpPr>
-        <p:spPr/>
-        <p:txBody>
-          <a:bodyPr/>
-          <a:lstStyle/>
-          <a:p>
-            <a:r>
-              <a:rPr lang="en-MY" dirty="0"/>
-              <a:t>Programming practice</a:t>
-            </a:r>
-          </a:p>
-        </p:txBody>
-      </p:sp>
-      <p:sp>
-        <p:nvSpPr>
           <p:cNvPr id="3" name="Content Placeholder 2">
             <a:extLst>
               <a:ext uri="{FF2B5EF4-FFF2-40B4-BE49-F238E27FC236}">
@@ -7694,64 +7715,85 @@
         </p:nvSpPr>
         <p:spPr>
           <a:xfrm>
-            <a:off x="685801" y="2142067"/>
-            <a:ext cx="9865657" cy="3649133"/>
+            <a:off x="587189" y="1120091"/>
+            <a:ext cx="9865657" cy="4195980"/>
           </a:xfrm>
         </p:spPr>
         <p:txBody>
           <a:bodyPr anchor="t">
-            <a:normAutofit/>
+            <a:normAutofit fontScale="92500" lnSpcReduction="10000"/>
           </a:bodyPr>
           <a:lstStyle/>
           <a:p>
             <a:r>
               <a:rPr lang="en-US" sz="2000" dirty="0"/>
-              <a:t>Write a program, which take a character as input. Program will check and output the character is vowel, or consonant.</a:t>
-            </a:r>
-          </a:p>
-          <a:p>
-            <a:endParaRPr lang="en-US" dirty="0"/>
-          </a:p>
-          <a:p>
-            <a:endParaRPr lang="en-US" dirty="0"/>
-          </a:p>
-          <a:p>
-            <a:endParaRPr lang="en-US" dirty="0"/>
-          </a:p>
-          <a:p>
-            <a:r>
-              <a:rPr lang="en-MY" sz="2000" dirty="0"/>
-              <a:t>Make a program, which takes input Month from user, and gives days of that month.</a:t>
+              <a:t>Write a program, which take a string as input from user, the output 2 information:</a:t>
             </a:r>
           </a:p>
           <a:p>
             <a:pPr lvl="1"/>
             <a:r>
-              <a:rPr lang="en-MY" dirty="0"/>
-              <a:t>Example:</a:t>
+              <a:rPr lang="en-US" sz="1800" dirty="0"/>
+              <a:t>1. how many letters in the string (letters are A~Z and </a:t>
+            </a:r>
+            <a:r>
+              <a:rPr lang="en-US" sz="1800" dirty="0" err="1"/>
+              <a:t>a~z</a:t>
+            </a:r>
+            <a:r>
+              <a:rPr lang="en-US" sz="1800" dirty="0"/>
+              <a:t>).</a:t>
             </a:r>
           </a:p>
           <a:p>
             <a:pPr lvl="1"/>
             <a:r>
-              <a:rPr lang="en-MY" dirty="0"/>
-              <a:t>Input the name of month: February</a:t>
+              <a:rPr lang="en-US" sz="1800" dirty="0"/>
+              <a:t>2. how many digits in the string (digits are 0~9)</a:t>
+            </a:r>
+          </a:p>
+          <a:p>
+            <a:endParaRPr lang="en-US" sz="2000" dirty="0"/>
+          </a:p>
+          <a:p>
+            <a:endParaRPr lang="en-US" sz="2000" dirty="0"/>
+          </a:p>
+          <a:p>
+            <a:endParaRPr lang="en-US" sz="2000" dirty="0"/>
+          </a:p>
+          <a:p>
+            <a:r>
+              <a:rPr lang="en-US" sz="2000" dirty="0"/>
+              <a:t>Write a program, which takes one string from user and check if this string is valid to be used as a password:</a:t>
             </a:r>
           </a:p>
           <a:p>
             <a:pPr lvl="1"/>
             <a:r>
-              <a:rPr lang="en-MY" dirty="0"/>
-              <a:t>No. of days for February: 28 or 29 days</a:t>
-            </a:r>
-            <a:endParaRPr lang="en-MY" sz="1800" dirty="0"/>
+              <a:rPr lang="en-US" sz="1800" dirty="0"/>
+              <a:t>At least one letter and one digit</a:t>
+            </a:r>
+          </a:p>
+          <a:p>
+            <a:pPr lvl="1"/>
+            <a:r>
+              <a:rPr lang="en-US" sz="1800" dirty="0"/>
+              <a:t>Minimum length 8</a:t>
+            </a:r>
+          </a:p>
+          <a:p>
+            <a:pPr lvl="1"/>
+            <a:r>
+              <a:rPr lang="en-US" sz="1800" dirty="0"/>
+              <a:t>Maximum length 16</a:t>
+            </a:r>
           </a:p>
         </p:txBody>
       </p:sp>
     </p:spTree>
     <p:extLst>
       <p:ext uri="{BB962C8B-B14F-4D97-AF65-F5344CB8AC3E}">
-        <p14:creationId xmlns:p14="http://schemas.microsoft.com/office/powerpoint/2010/main" val="1703139111"/>
+        <p14:creationId xmlns:p14="http://schemas.microsoft.com/office/powerpoint/2010/main" val="3556490810"/>
       </p:ext>
     </p:extLst>
   </p:cSld>
@@ -7780,10 +7822,10 @@
       </p:grpSpPr>
       <p:sp>
         <p:nvSpPr>
-          <p:cNvPr id="2" name="标题 1">
+          <p:cNvPr id="2" name="Title 1">
             <a:extLst>
               <a:ext uri="{FF2B5EF4-FFF2-40B4-BE49-F238E27FC236}">
-                <a16:creationId xmlns:a16="http://schemas.microsoft.com/office/drawing/2014/main" id="{5EC01E2D-9CFE-4D5D-8863-3BA90731F07B}"/>
+                <a16:creationId xmlns:a16="http://schemas.microsoft.com/office/drawing/2014/main" id="{5D280E3F-E80C-41C4-83BA-7980618EAC5E}"/>
               </a:ext>
             </a:extLst>
           </p:cNvPr>
@@ -7800,19 +7842,18 @@
           <a:lstStyle/>
           <a:p>
             <a:r>
-              <a:rPr lang="en-US" altLang="zh-CN" dirty="0"/>
-              <a:t>Define your own function</a:t>
-            </a:r>
-            <a:endParaRPr lang="en-MY" dirty="0"/>
-          </a:p>
-        </p:txBody>
-      </p:sp>
-      <p:sp>
-        <p:nvSpPr>
-          <p:cNvPr id="3" name="内容占位符 2">
+              <a:rPr lang="en-MY" dirty="0"/>
+              <a:t>Programming practice</a:t>
+            </a:r>
+          </a:p>
+        </p:txBody>
+      </p:sp>
+      <p:sp>
+        <p:nvSpPr>
+          <p:cNvPr id="3" name="Content Placeholder 2">
             <a:extLst>
               <a:ext uri="{FF2B5EF4-FFF2-40B4-BE49-F238E27FC236}">
-                <a16:creationId xmlns:a16="http://schemas.microsoft.com/office/drawing/2014/main" id="{7060439F-2729-478E-B95F-230482B50AA1}"/>
+                <a16:creationId xmlns:a16="http://schemas.microsoft.com/office/drawing/2014/main" id="{9ACB66CF-AD72-47FB-9DEE-6949334A6EA7}"/>
               </a:ext>
             </a:extLst>
           </p:cNvPr>
@@ -7825,8 +7866,8 @@
         </p:nvSpPr>
         <p:spPr>
           <a:xfrm>
-            <a:off x="685802" y="2142066"/>
-            <a:ext cx="8919592" cy="3572934"/>
+            <a:off x="685801" y="2142067"/>
+            <a:ext cx="9865657" cy="3649133"/>
           </a:xfrm>
         </p:spPr>
         <p:txBody>
@@ -7836,58 +7877,53 @@
           <a:lstStyle/>
           <a:p>
             <a:r>
+              <a:rPr lang="en-US" sz="2000" dirty="0"/>
+              <a:t>Write a program, which take a character as input. Program will check and output the character is vowel, or consonant.</a:t>
+            </a:r>
+          </a:p>
+          <a:p>
+            <a:endParaRPr lang="en-US" dirty="0"/>
+          </a:p>
+          <a:p>
+            <a:endParaRPr lang="en-US" dirty="0"/>
+          </a:p>
+          <a:p>
+            <a:endParaRPr lang="en-US" dirty="0"/>
+          </a:p>
+          <a:p>
+            <a:r>
+              <a:rPr lang="en-MY" sz="2000" dirty="0"/>
+              <a:t>Make a program, which takes input Month from user, and gives days of that month.</a:t>
+            </a:r>
+          </a:p>
+          <a:p>
+            <a:pPr lvl="1"/>
+            <a:r>
               <a:rPr lang="en-MY" dirty="0"/>
-              <a:t>Define a function </a:t>
-            </a:r>
-            <a:r>
-              <a:rPr lang="en-MY" dirty="0" err="1"/>
-              <a:t>countBs</a:t>
-            </a:r>
+              <a:t>Example:</a:t>
+            </a:r>
+          </a:p>
+          <a:p>
+            <a:pPr lvl="1"/>
             <a:r>
               <a:rPr lang="en-MY" dirty="0"/>
-              <a:t>(), which accepts a string as argument, and return how many ‘B’ in this string.</a:t>
-            </a:r>
-          </a:p>
-          <a:p>
-            <a:endParaRPr lang="en-MY" dirty="0"/>
-          </a:p>
-          <a:p>
+              <a:t>Input the name of month: February</a:t>
+            </a:r>
+          </a:p>
+          <a:p>
+            <a:pPr lvl="1"/>
             <a:r>
               <a:rPr lang="en-MY" dirty="0"/>
-              <a:t>Define a new function </a:t>
-            </a:r>
-            <a:r>
-              <a:rPr lang="en-MY" dirty="0" err="1"/>
-              <a:t>countChars</a:t>
-            </a:r>
-            <a:r>
-              <a:rPr lang="en-MY" dirty="0"/>
-              <a:t>(), which accepts one more argument, this second argument is a one letter string, specify which character want to count. And the function will return how many this character in the string.</a:t>
-            </a:r>
-          </a:p>
-          <a:p>
-            <a:endParaRPr lang="en-MY" dirty="0"/>
-          </a:p>
-          <a:p>
-            <a:r>
-              <a:rPr lang="en-MY" dirty="0"/>
-              <a:t>Try to use the second function, to make a new </a:t>
-            </a:r>
-            <a:r>
-              <a:rPr lang="en-MY" dirty="0" err="1"/>
-              <a:t>countBs</a:t>
-            </a:r>
-            <a:r>
-              <a:rPr lang="en-MY" dirty="0"/>
-              <a:t> function.</a:t>
-            </a:r>
+              <a:t>No. of days for February: 28 or 29 days</a:t>
+            </a:r>
+            <a:endParaRPr lang="en-MY" sz="1800" dirty="0"/>
           </a:p>
         </p:txBody>
       </p:sp>
     </p:spTree>
     <p:extLst>
       <p:ext uri="{BB962C8B-B14F-4D97-AF65-F5344CB8AC3E}">
-        <p14:creationId xmlns:p14="http://schemas.microsoft.com/office/powerpoint/2010/main" val="1137392759"/>
+        <p14:creationId xmlns:p14="http://schemas.microsoft.com/office/powerpoint/2010/main" val="1703139111"/>
       </p:ext>
     </p:extLst>
   </p:cSld>
@@ -7897,7 +7933,7 @@
 </p:sld>
 </file>
 
-<file path=ppt/slides/slide13.xml><?xml version="1.0" encoding="utf-8"?>
+<file path=ppt/slides/slide2.xml><?xml version="1.0" encoding="utf-8"?>
 <p:sld xmlns:a="http://schemas.openxmlformats.org/drawingml/2006/main" xmlns:r="http://schemas.openxmlformats.org/officeDocument/2006/relationships" xmlns:p="http://schemas.openxmlformats.org/presentationml/2006/main">
   <p:cSld>
     <p:spTree>
@@ -7937,7 +7973,7 @@
           <a:p>
             <a:r>
               <a:rPr lang="en-US" altLang="zh-CN" dirty="0"/>
-              <a:t>Define your own function</a:t>
+              <a:t>Generate insult words randomly</a:t>
             </a:r>
             <a:endParaRPr lang="en-MY" dirty="0"/>
           </a:p>
@@ -7961,8 +7997,8 @@
         </p:nvSpPr>
         <p:spPr>
           <a:xfrm>
-            <a:off x="685802" y="2142066"/>
-            <a:ext cx="8919592" cy="3572934"/>
+            <a:off x="685801" y="2142067"/>
+            <a:ext cx="9531625" cy="1132978"/>
           </a:xfrm>
         </p:spPr>
         <p:txBody>
@@ -7972,88 +8008,82 @@
           <a:lstStyle/>
           <a:p>
             <a:r>
-              <a:rPr lang="en-MY" dirty="0"/>
-              <a:t>Define a function, </a:t>
-            </a:r>
-            <a:r>
-              <a:rPr lang="en-MY" i="1" dirty="0" err="1"/>
-              <a:t>useonly</a:t>
-            </a:r>
-            <a:r>
-              <a:rPr lang="en-MY" dirty="0"/>
-              <a:t>, which takes 2 arguments: the 1</a:t>
-            </a:r>
-            <a:r>
-              <a:rPr lang="en-MY" baseline="30000" dirty="0"/>
-              <a:t>st</a:t>
-            </a:r>
-            <a:r>
-              <a:rPr lang="en-MY" dirty="0"/>
-              <a:t> will be the word to check, the 2</a:t>
-            </a:r>
-            <a:r>
-              <a:rPr lang="en-MY" baseline="30000" dirty="0"/>
-              <a:t>nd</a:t>
-            </a:r>
-            <a:r>
-              <a:rPr lang="en-MY" dirty="0"/>
-              <a:t> will be a sequence of letters.</a:t>
-            </a:r>
-          </a:p>
-          <a:p>
-            <a:r>
-              <a:rPr lang="en-MY" dirty="0"/>
-              <a:t>The function will check if the word only contain letters from the sequence, no other letters. If True then return True, otherwise return False.</a:t>
-            </a:r>
-          </a:p>
-          <a:p>
+              <a:rPr lang="en-US" dirty="0"/>
+              <a:t>Randomly select a body part, an adjective, a thing.</a:t>
+            </a:r>
+          </a:p>
+          <a:p>
+            <a:r>
+              <a:rPr lang="en-US" dirty="0"/>
+              <a:t>Then compose an insult words.</a:t>
+            </a:r>
             <a:endParaRPr lang="en-MY" dirty="0"/>
           </a:p>
-          <a:p>
-            <a:r>
-              <a:rPr lang="en-MY" dirty="0"/>
-              <a:t>Define a function, </a:t>
-            </a:r>
-            <a:r>
-              <a:rPr lang="en-MY" i="1" dirty="0" err="1"/>
-              <a:t>useall</a:t>
-            </a:r>
-            <a:r>
-              <a:rPr lang="en-MY" dirty="0"/>
-              <a:t>, which takes 2 arguments: the 1</a:t>
-            </a:r>
-            <a:r>
-              <a:rPr lang="en-MY" baseline="30000" dirty="0"/>
-              <a:t>st</a:t>
-            </a:r>
-            <a:r>
-              <a:rPr lang="en-MY" dirty="0"/>
-              <a:t> will be the word to check, the 2</a:t>
-            </a:r>
-            <a:r>
-              <a:rPr lang="en-MY" baseline="30000" dirty="0"/>
-              <a:t>nd</a:t>
-            </a:r>
-            <a:r>
-              <a:rPr lang="en-MY" dirty="0"/>
-              <a:t> will be a sequence of letters.</a:t>
-            </a:r>
-          </a:p>
-          <a:p>
-            <a:r>
-              <a:rPr lang="en-MY" dirty="0"/>
-              <a:t>The function will check, if the word used all the letters in the sequence. (if also used some other letters outside of the sequence is ok). If True then return True, otherwise return False.</a:t>
-            </a:r>
-          </a:p>
-          <a:p>
-            <a:endParaRPr lang="en-MY" dirty="0"/>
-          </a:p>
-        </p:txBody>
-      </p:sp>
+        </p:txBody>
+      </p:sp>
+      <p:pic>
+        <p:nvPicPr>
+          <p:cNvPr id="7" name="Picture 6">
+            <a:extLst>
+              <a:ext uri="{FF2B5EF4-FFF2-40B4-BE49-F238E27FC236}">
+                <a16:creationId xmlns:a16="http://schemas.microsoft.com/office/drawing/2014/main" id="{B6EB806E-FA73-4676-A0FC-725872E62120}"/>
+              </a:ext>
+            </a:extLst>
+          </p:cNvPr>
+          <p:cNvPicPr>
+            <a:picLocks noChangeAspect="1"/>
+          </p:cNvPicPr>
+          <p:nvPr/>
+        </p:nvPicPr>
+        <p:blipFill rotWithShape="1">
+          <a:blip r:embed="rId2"/>
+          <a:srcRect t="3924"/>
+          <a:stretch/>
+        </p:blipFill>
+        <p:spPr>
+          <a:xfrm>
+            <a:off x="1755397" y="4455557"/>
+            <a:ext cx="7392432" cy="1702377"/>
+          </a:xfrm>
+          <a:prstGeom prst="rect">
+            <a:avLst/>
+          </a:prstGeom>
+        </p:spPr>
+      </p:pic>
+      <p:pic>
+        <p:nvPicPr>
+          <p:cNvPr id="9" name="Picture 8">
+            <a:extLst>
+              <a:ext uri="{FF2B5EF4-FFF2-40B4-BE49-F238E27FC236}">
+                <a16:creationId xmlns:a16="http://schemas.microsoft.com/office/drawing/2014/main" id="{203119D1-9543-4229-99CF-992DC417D6F1}"/>
+              </a:ext>
+            </a:extLst>
+          </p:cNvPr>
+          <p:cNvPicPr>
+            <a:picLocks noChangeAspect="1"/>
+          </p:cNvPicPr>
+          <p:nvPr/>
+        </p:nvPicPr>
+        <p:blipFill>
+          <a:blip r:embed="rId3"/>
+          <a:stretch>
+            <a:fillRect/>
+          </a:stretch>
+        </p:blipFill>
+        <p:spPr>
+          <a:xfrm>
+            <a:off x="6017253" y="2142067"/>
+            <a:ext cx="5849166" cy="1086002"/>
+          </a:xfrm>
+          <a:prstGeom prst="rect">
+            <a:avLst/>
+          </a:prstGeom>
+        </p:spPr>
+      </p:pic>
     </p:spTree>
     <p:extLst>
       <p:ext uri="{BB962C8B-B14F-4D97-AF65-F5344CB8AC3E}">
-        <p14:creationId xmlns:p14="http://schemas.microsoft.com/office/powerpoint/2010/main" val="2094285108"/>
+        <p14:creationId xmlns:p14="http://schemas.microsoft.com/office/powerpoint/2010/main" val="1296037346"/>
       </p:ext>
     </p:extLst>
   </p:cSld>
@@ -8063,171 +8093,7 @@
 </p:sld>
 </file>
 
-<file path=ppt/slides/slide14.xml><?xml version="1.0" encoding="utf-8"?>
-<p:sld xmlns:a="http://schemas.openxmlformats.org/drawingml/2006/main" xmlns:r="http://schemas.openxmlformats.org/officeDocument/2006/relationships" xmlns:p="http://schemas.openxmlformats.org/presentationml/2006/main">
-  <p:cSld>
-    <p:spTree>
-      <p:nvGrpSpPr>
-        <p:cNvPr id="1" name=""/>
-        <p:cNvGrpSpPr/>
-        <p:nvPr/>
-      </p:nvGrpSpPr>
-      <p:grpSpPr>
-        <a:xfrm>
-          <a:off x="0" y="0"/>
-          <a:ext cx="0" cy="0"/>
-          <a:chOff x="0" y="0"/>
-          <a:chExt cx="0" cy="0"/>
-        </a:xfrm>
-      </p:grpSpPr>
-      <p:sp>
-        <p:nvSpPr>
-          <p:cNvPr id="2" name="标题 1">
-            <a:extLst>
-              <a:ext uri="{FF2B5EF4-FFF2-40B4-BE49-F238E27FC236}">
-                <a16:creationId xmlns:a16="http://schemas.microsoft.com/office/drawing/2014/main" id="{5EC01E2D-9CFE-4D5D-8863-3BA90731F07B}"/>
-              </a:ext>
-            </a:extLst>
-          </p:cNvPr>
-          <p:cNvSpPr>
-            <a:spLocks noGrp="1"/>
-          </p:cNvSpPr>
-          <p:nvPr>
-            <p:ph type="title"/>
-          </p:nvPr>
-        </p:nvSpPr>
-        <p:spPr/>
-        <p:txBody>
-          <a:bodyPr/>
-          <a:lstStyle/>
-          <a:p>
-            <a:r>
-              <a:rPr lang="en-US" altLang="zh-CN" dirty="0"/>
-              <a:t>Define your own function</a:t>
-            </a:r>
-            <a:endParaRPr lang="en-MY" dirty="0"/>
-          </a:p>
-        </p:txBody>
-      </p:sp>
-      <p:sp>
-        <p:nvSpPr>
-          <p:cNvPr id="3" name="内容占位符 2">
-            <a:extLst>
-              <a:ext uri="{FF2B5EF4-FFF2-40B4-BE49-F238E27FC236}">
-                <a16:creationId xmlns:a16="http://schemas.microsoft.com/office/drawing/2014/main" id="{7060439F-2729-478E-B95F-230482B50AA1}"/>
-              </a:ext>
-            </a:extLst>
-          </p:cNvPr>
-          <p:cNvSpPr>
-            <a:spLocks noGrp="1"/>
-          </p:cNvSpPr>
-          <p:nvPr>
-            <p:ph idx="1"/>
-          </p:nvPr>
-        </p:nvSpPr>
-        <p:spPr>
-          <a:xfrm>
-            <a:off x="685802" y="2142066"/>
-            <a:ext cx="8919592" cy="3572934"/>
-          </a:xfrm>
-        </p:spPr>
-        <p:txBody>
-          <a:bodyPr anchor="t">
-            <a:normAutofit/>
-          </a:bodyPr>
-          <a:lstStyle/>
-          <a:p>
-            <a:r>
-              <a:rPr lang="en-MY" dirty="0"/>
-              <a:t>Define a function, </a:t>
-            </a:r>
-            <a:r>
-              <a:rPr lang="en-MY" i="1" dirty="0" err="1"/>
-              <a:t>isabecedarian</a:t>
-            </a:r>
-            <a:r>
-              <a:rPr lang="en-MY" dirty="0"/>
-              <a:t>, which takes  argument: the word to check.</a:t>
-            </a:r>
-          </a:p>
-          <a:p>
-            <a:r>
-              <a:rPr lang="en-MY" dirty="0"/>
-              <a:t>The function will check if the letters of the word appeared according to alphabetic order (double or triple letters are ok). If True returns True, otherwise returns False.</a:t>
-            </a:r>
-          </a:p>
-          <a:p>
-            <a:endParaRPr lang="en-MY" dirty="0"/>
-          </a:p>
-          <a:p>
-            <a:endParaRPr lang="en-MY" dirty="0"/>
-          </a:p>
-          <a:p>
-            <a:r>
-              <a:rPr lang="en-MY" dirty="0"/>
-              <a:t>Define a function, </a:t>
-            </a:r>
-            <a:r>
-              <a:rPr lang="en-MY" i="1" dirty="0"/>
-              <a:t>avoids</a:t>
-            </a:r>
-            <a:r>
-              <a:rPr lang="en-MY" dirty="0"/>
-              <a:t>, which takes 2  arguments: the 1</a:t>
-            </a:r>
-            <a:r>
-              <a:rPr lang="en-MY" baseline="30000" dirty="0"/>
-              <a:t>st</a:t>
-            </a:r>
-            <a:r>
-              <a:rPr lang="en-MY" dirty="0"/>
-              <a:t> is the word to check, the 2</a:t>
-            </a:r>
-            <a:r>
-              <a:rPr lang="en-MY" baseline="30000" dirty="0"/>
-              <a:t>nd</a:t>
-            </a:r>
-            <a:r>
-              <a:rPr lang="en-MY" dirty="0"/>
-              <a:t> is a sequence of letters.</a:t>
-            </a:r>
-          </a:p>
-          <a:p>
-            <a:r>
-              <a:rPr lang="en-MY" dirty="0"/>
-              <a:t>The function will check if the letters of the word contain any of the letters from 2</a:t>
-            </a:r>
-            <a:r>
-              <a:rPr lang="en-MY" baseline="30000" dirty="0"/>
-              <a:t>nd</a:t>
-            </a:r>
-            <a:r>
-              <a:rPr lang="en-MY" dirty="0"/>
-              <a:t> sequence. If does not have any, it returns True. If has, then return False.</a:t>
-            </a:r>
-          </a:p>
-          <a:p>
-            <a:endParaRPr lang="en-MY" dirty="0"/>
-          </a:p>
-          <a:p>
-            <a:endParaRPr lang="en-MY" dirty="0"/>
-          </a:p>
-        </p:txBody>
-      </p:sp>
-    </p:spTree>
-    <p:extLst>
-      <p:ext uri="{BB962C8B-B14F-4D97-AF65-F5344CB8AC3E}">
-        <p14:creationId xmlns:p14="http://schemas.microsoft.com/office/powerpoint/2010/main" val="2103825147"/>
-      </p:ext>
-    </p:extLst>
-  </p:cSld>
-  <p:clrMapOvr>
-    <a:masterClrMapping/>
-  </p:clrMapOvr>
-</p:sld>
-</file>
-
-<file path=ppt/slides/slide2.xml><?xml version="1.0" encoding="utf-8"?>
+<file path=ppt/slides/slide3.xml><?xml version="1.0" encoding="utf-8"?>
 <p:sld xmlns:a="http://schemas.openxmlformats.org/drawingml/2006/main" xmlns:r="http://schemas.openxmlformats.org/officeDocument/2006/relationships" xmlns:p="http://schemas.openxmlformats.org/presentationml/2006/main">
   <p:cSld>
     <p:spTree>
@@ -8375,375 +8241,6 @@
 </p:sld>
 </file>
 
-<file path=ppt/slides/slide3.xml><?xml version="1.0" encoding="utf-8"?>
-<p:sld xmlns:a="http://schemas.openxmlformats.org/drawingml/2006/main" xmlns:r="http://schemas.openxmlformats.org/officeDocument/2006/relationships" xmlns:p="http://schemas.openxmlformats.org/presentationml/2006/main">
-  <p:cSld>
-    <p:spTree>
-      <p:nvGrpSpPr>
-        <p:cNvPr id="1" name=""/>
-        <p:cNvGrpSpPr/>
-        <p:nvPr/>
-      </p:nvGrpSpPr>
-      <p:grpSpPr>
-        <a:xfrm>
-          <a:off x="0" y="0"/>
-          <a:ext cx="0" cy="0"/>
-          <a:chOff x="0" y="0"/>
-          <a:chExt cx="0" cy="0"/>
-        </a:xfrm>
-      </p:grpSpPr>
-      <p:sp>
-        <p:nvSpPr>
-          <p:cNvPr id="2" name="标题 1">
-            <a:extLst>
-              <a:ext uri="{FF2B5EF4-FFF2-40B4-BE49-F238E27FC236}">
-                <a16:creationId xmlns:a16="http://schemas.microsoft.com/office/drawing/2014/main" id="{5EC01E2D-9CFE-4D5D-8863-3BA90731F07B}"/>
-              </a:ext>
-            </a:extLst>
-          </p:cNvPr>
-          <p:cNvSpPr>
-            <a:spLocks noGrp="1"/>
-          </p:cNvSpPr>
-          <p:nvPr>
-            <p:ph type="title"/>
-          </p:nvPr>
-        </p:nvSpPr>
-        <p:spPr>
-          <a:xfrm>
-            <a:off x="825909" y="808055"/>
-            <a:ext cx="9406662" cy="1453363"/>
-          </a:xfrm>
-        </p:spPr>
-        <p:txBody>
-          <a:bodyPr>
-            <a:normAutofit/>
-          </a:bodyPr>
-          <a:lstStyle/>
-          <a:p>
-            <a:pPr>
-              <a:lnSpc>
-                <a:spcPct val="90000"/>
-              </a:lnSpc>
-            </a:pPr>
-            <a:r>
-              <a:rPr lang="en-US" sz="3300" dirty="0"/>
-              <a:t>Programming Practice</a:t>
-            </a:r>
-            <a:endParaRPr lang="en-MY" sz="3300" dirty="0"/>
-          </a:p>
-        </p:txBody>
-      </p:sp>
-      <p:sp>
-        <p:nvSpPr>
-          <p:cNvPr id="3" name="内容占位符 2">
-            <a:extLst>
-              <a:ext uri="{FF2B5EF4-FFF2-40B4-BE49-F238E27FC236}">
-                <a16:creationId xmlns:a16="http://schemas.microsoft.com/office/drawing/2014/main" id="{7060439F-2729-478E-B95F-230482B50AA1}"/>
-              </a:ext>
-            </a:extLst>
-          </p:cNvPr>
-          <p:cNvSpPr>
-            <a:spLocks noGrp="1"/>
-          </p:cNvSpPr>
-          <p:nvPr>
-            <p:ph idx="1"/>
-          </p:nvPr>
-        </p:nvSpPr>
-        <p:spPr>
-          <a:xfrm>
-            <a:off x="802178" y="2261420"/>
-            <a:ext cx="8341822" cy="3637935"/>
-          </a:xfrm>
-        </p:spPr>
-        <p:txBody>
-          <a:bodyPr anchor="t">
-            <a:normAutofit fontScale="85000" lnSpcReduction="20000"/>
-          </a:bodyPr>
-          <a:lstStyle/>
-          <a:p>
-            <a:r>
-              <a:rPr lang="en-MY" sz="2400" dirty="0"/>
-              <a:t>Shape making with console print:</a:t>
-            </a:r>
-          </a:p>
-          <a:p>
-            <a:pPr lvl="1"/>
-            <a:r>
-              <a:rPr lang="en-MY" sz="2000" dirty="0"/>
-              <a:t>If you google “ASCII art” or “text art”, you can find more nice shapes/pictures</a:t>
-            </a:r>
-          </a:p>
-          <a:p>
-            <a:pPr lvl="1"/>
-            <a:endParaRPr lang="en-MY" sz="2000" dirty="0"/>
-          </a:p>
-          <a:p>
-            <a:pPr lvl="1"/>
-            <a:endParaRPr lang="en-MY" sz="2000" dirty="0"/>
-          </a:p>
-          <a:p>
-            <a:pPr lvl="1"/>
-            <a:endParaRPr lang="en-MY" sz="2000" dirty="0"/>
-          </a:p>
-          <a:p>
-            <a:pPr lvl="1"/>
-            <a:endParaRPr lang="en-MY" sz="2000" dirty="0"/>
-          </a:p>
-          <a:p>
-            <a:r>
-              <a:rPr lang="en-MY" sz="2400" dirty="0"/>
-              <a:t>Chess board:</a:t>
-            </a:r>
-          </a:p>
-          <a:p>
-            <a:pPr lvl="1"/>
-            <a:r>
-              <a:rPr lang="en-MY" sz="2000" dirty="0"/>
-              <a:t>Normal chess board is 8x8 and each cell is black or white. We use empty space as white, use ‘#’ as black, to print the chess board.</a:t>
-            </a:r>
-          </a:p>
-          <a:p>
-            <a:pPr lvl="1"/>
-            <a:r>
-              <a:rPr lang="en-MY" sz="2000" dirty="0"/>
-              <a:t>Change the program to allow for any size besides 8.</a:t>
-            </a:r>
-          </a:p>
-          <a:p>
-            <a:pPr lvl="1"/>
-            <a:endParaRPr lang="en-MY" sz="2000" dirty="0"/>
-          </a:p>
-        </p:txBody>
-      </p:sp>
-      <p:sp>
-        <p:nvSpPr>
-          <p:cNvPr id="5" name="TextBox 4">
-            <a:extLst>
-              <a:ext uri="{FF2B5EF4-FFF2-40B4-BE49-F238E27FC236}">
-                <a16:creationId xmlns:a16="http://schemas.microsoft.com/office/drawing/2014/main" id="{2FE83FB9-ED60-418D-A672-204C04B87883}"/>
-              </a:ext>
-            </a:extLst>
-          </p:cNvPr>
-          <p:cNvSpPr txBox="1"/>
-          <p:nvPr/>
-        </p:nvSpPr>
-        <p:spPr>
-          <a:xfrm>
-            <a:off x="8237601" y="1077975"/>
-            <a:ext cx="2622551" cy="2031325"/>
-          </a:xfrm>
-          <a:prstGeom prst="rect">
-            <a:avLst/>
-          </a:prstGeom>
-          <a:noFill/>
-        </p:spPr>
-        <p:txBody>
-          <a:bodyPr wrap="square">
-            <a:spAutoFit/>
-          </a:bodyPr>
-          <a:lstStyle/>
-          <a:p>
-            <a:pPr lvl="1"/>
-            <a:r>
-              <a:rPr lang="en-MY" sz="1800" dirty="0"/>
-              <a:t>*</a:t>
-            </a:r>
-          </a:p>
-          <a:p>
-            <a:pPr lvl="1"/>
-            <a:r>
-              <a:rPr lang="en-MY" sz="1800" dirty="0"/>
-              <a:t>**</a:t>
-            </a:r>
-          </a:p>
-          <a:p>
-            <a:pPr lvl="1"/>
-            <a:r>
-              <a:rPr lang="en-MY" sz="1800" dirty="0"/>
-              <a:t>***</a:t>
-            </a:r>
-          </a:p>
-          <a:p>
-            <a:pPr lvl="1"/>
-            <a:r>
-              <a:rPr lang="en-MY" sz="1800" dirty="0"/>
-              <a:t>****</a:t>
-            </a:r>
-          </a:p>
-          <a:p>
-            <a:pPr lvl="1"/>
-            <a:r>
-              <a:rPr lang="en-MY" sz="1800" dirty="0"/>
-              <a:t>*****</a:t>
-            </a:r>
-          </a:p>
-          <a:p>
-            <a:pPr lvl="1"/>
-            <a:r>
-              <a:rPr lang="en-MY" sz="1800" dirty="0"/>
-              <a:t>******</a:t>
-            </a:r>
-          </a:p>
-          <a:p>
-            <a:pPr lvl="1"/>
-            <a:r>
-              <a:rPr lang="en-MY" dirty="0"/>
-              <a:t>*******</a:t>
-            </a:r>
-            <a:endParaRPr lang="en-MY" sz="1800" dirty="0"/>
-          </a:p>
-        </p:txBody>
-      </p:sp>
-      <p:sp>
-        <p:nvSpPr>
-          <p:cNvPr id="6" name="TextBox 5">
-            <a:extLst>
-              <a:ext uri="{FF2B5EF4-FFF2-40B4-BE49-F238E27FC236}">
-                <a16:creationId xmlns:a16="http://schemas.microsoft.com/office/drawing/2014/main" id="{73278296-E355-4E6E-B10F-8D2DFFA76166}"/>
-              </a:ext>
-            </a:extLst>
-          </p:cNvPr>
-          <p:cNvSpPr txBox="1"/>
-          <p:nvPr/>
-        </p:nvSpPr>
-        <p:spPr>
-          <a:xfrm>
-            <a:off x="8921295" y="4342691"/>
-            <a:ext cx="2622551" cy="2308324"/>
-          </a:xfrm>
-          <a:prstGeom prst="rect">
-            <a:avLst/>
-          </a:prstGeom>
-          <a:noFill/>
-        </p:spPr>
-        <p:txBody>
-          <a:bodyPr wrap="square">
-            <a:spAutoFit/>
-          </a:bodyPr>
-          <a:lstStyle/>
-          <a:p>
-            <a:pPr lvl="1"/>
-            <a:r>
-              <a:rPr lang="en-MY" sz="1800" dirty="0">
-                <a:latin typeface="Monotype Corsiva" panose="03010101010201010101" pitchFamily="66" charset="0"/>
-                <a:ea typeface="MingLiU_HKSCS" panose="020B0604030504040204" pitchFamily="18" charset="-120"/>
-                <a:cs typeface="Mongolian Baiti" panose="03000500000000000000" pitchFamily="66" charset="0"/>
-              </a:rPr>
-              <a:t> # # # #</a:t>
-            </a:r>
-          </a:p>
-          <a:p>
-            <a:pPr lvl="1"/>
-            <a:r>
-              <a:rPr lang="en-MY" dirty="0">
-                <a:latin typeface="Monotype Corsiva" panose="03010101010201010101" pitchFamily="66" charset="0"/>
-                <a:ea typeface="MingLiU_HKSCS" panose="020B0604030504040204" pitchFamily="18" charset="-120"/>
-                <a:cs typeface="Mongolian Baiti" panose="03000500000000000000" pitchFamily="66" charset="0"/>
-              </a:rPr>
-              <a:t># # # # </a:t>
-            </a:r>
-            <a:endParaRPr lang="en-MY" sz="1800" dirty="0">
-              <a:latin typeface="Monotype Corsiva" panose="03010101010201010101" pitchFamily="66" charset="0"/>
-              <a:ea typeface="MingLiU_HKSCS" panose="020B0604030504040204" pitchFamily="18" charset="-120"/>
-              <a:cs typeface="Mongolian Baiti" panose="03000500000000000000" pitchFamily="66" charset="0"/>
-            </a:endParaRPr>
-          </a:p>
-          <a:p>
-            <a:pPr lvl="1"/>
-            <a:r>
-              <a:rPr lang="en-MY" sz="1800" dirty="0">
-                <a:latin typeface="Monotype Corsiva" panose="03010101010201010101" pitchFamily="66" charset="0"/>
-                <a:ea typeface="MingLiU_HKSCS" panose="020B0604030504040204" pitchFamily="18" charset="-120"/>
-                <a:cs typeface="Mongolian Baiti" panose="03000500000000000000" pitchFamily="66" charset="0"/>
-              </a:rPr>
-              <a:t> # # # #</a:t>
-            </a:r>
-          </a:p>
-          <a:p>
-            <a:pPr lvl="1"/>
-            <a:r>
-              <a:rPr lang="en-MY" dirty="0">
-                <a:latin typeface="Monotype Corsiva" panose="03010101010201010101" pitchFamily="66" charset="0"/>
-                <a:ea typeface="MingLiU_HKSCS" panose="020B0604030504040204" pitchFamily="18" charset="-120"/>
-                <a:cs typeface="Mongolian Baiti" panose="03000500000000000000" pitchFamily="66" charset="0"/>
-              </a:rPr>
-              <a:t># # # # </a:t>
-            </a:r>
-            <a:endParaRPr lang="en-MY" sz="1800" dirty="0">
-              <a:latin typeface="Monotype Corsiva" panose="03010101010201010101" pitchFamily="66" charset="0"/>
-              <a:ea typeface="MingLiU_HKSCS" panose="020B0604030504040204" pitchFamily="18" charset="-120"/>
-              <a:cs typeface="Mongolian Baiti" panose="03000500000000000000" pitchFamily="66" charset="0"/>
-            </a:endParaRPr>
-          </a:p>
-          <a:p>
-            <a:pPr lvl="1"/>
-            <a:r>
-              <a:rPr lang="en-MY" sz="1800" dirty="0">
-                <a:latin typeface="Monotype Corsiva" panose="03010101010201010101" pitchFamily="66" charset="0"/>
-                <a:ea typeface="MingLiU_HKSCS" panose="020B0604030504040204" pitchFamily="18" charset="-120"/>
-                <a:cs typeface="Mongolian Baiti" panose="03000500000000000000" pitchFamily="66" charset="0"/>
-              </a:rPr>
-              <a:t> # # # #</a:t>
-            </a:r>
-          </a:p>
-          <a:p>
-            <a:pPr lvl="1"/>
-            <a:r>
-              <a:rPr lang="en-MY" dirty="0">
-                <a:latin typeface="Monotype Corsiva" panose="03010101010201010101" pitchFamily="66" charset="0"/>
-                <a:ea typeface="MingLiU_HKSCS" panose="020B0604030504040204" pitchFamily="18" charset="-120"/>
-                <a:cs typeface="Mongolian Baiti" panose="03000500000000000000" pitchFamily="66" charset="0"/>
-              </a:rPr>
-              <a:t># # # # </a:t>
-            </a:r>
-            <a:endParaRPr lang="en-MY" sz="1800" dirty="0">
-              <a:latin typeface="Monotype Corsiva" panose="03010101010201010101" pitchFamily="66" charset="0"/>
-              <a:ea typeface="MingLiU_HKSCS" panose="020B0604030504040204" pitchFamily="18" charset="-120"/>
-              <a:cs typeface="Mongolian Baiti" panose="03000500000000000000" pitchFamily="66" charset="0"/>
-            </a:endParaRPr>
-          </a:p>
-          <a:p>
-            <a:pPr lvl="1"/>
-            <a:r>
-              <a:rPr lang="en-MY" sz="1800" dirty="0">
-                <a:latin typeface="Monotype Corsiva" panose="03010101010201010101" pitchFamily="66" charset="0"/>
-                <a:ea typeface="MingLiU_HKSCS" panose="020B0604030504040204" pitchFamily="18" charset="-120"/>
-                <a:cs typeface="Mongolian Baiti" panose="03000500000000000000" pitchFamily="66" charset="0"/>
-              </a:rPr>
-              <a:t> # # # #</a:t>
-            </a:r>
-          </a:p>
-          <a:p>
-            <a:pPr lvl="1"/>
-            <a:r>
-              <a:rPr lang="en-MY" dirty="0">
-                <a:latin typeface="Monotype Corsiva" panose="03010101010201010101" pitchFamily="66" charset="0"/>
-                <a:ea typeface="MingLiU_HKSCS" panose="020B0604030504040204" pitchFamily="18" charset="-120"/>
-                <a:cs typeface="Mongolian Baiti" panose="03000500000000000000" pitchFamily="66" charset="0"/>
-              </a:rPr>
-              <a:t># # # # </a:t>
-            </a:r>
-            <a:endParaRPr lang="en-MY" sz="1800" dirty="0">
-              <a:latin typeface="Monotype Corsiva" panose="03010101010201010101" pitchFamily="66" charset="0"/>
-              <a:ea typeface="MingLiU_HKSCS" panose="020B0604030504040204" pitchFamily="18" charset="-120"/>
-              <a:cs typeface="Mongolian Baiti" panose="03000500000000000000" pitchFamily="66" charset="0"/>
-            </a:endParaRPr>
-          </a:p>
-        </p:txBody>
-      </p:sp>
-    </p:spTree>
-    <p:extLst>
-      <p:ext uri="{BB962C8B-B14F-4D97-AF65-F5344CB8AC3E}">
-        <p14:creationId xmlns:p14="http://schemas.microsoft.com/office/powerpoint/2010/main" val="3719593706"/>
-      </p:ext>
-    </p:extLst>
-  </p:cSld>
-  <p:clrMapOvr>
-    <a:masterClrMapping/>
-  </p:clrMapOvr>
-</p:sld>
-</file>
-
 <file path=ppt/slides/slide4.xml><?xml version="1.0" encoding="utf-8"?>
 <p:sld xmlns:a="http://schemas.openxmlformats.org/drawingml/2006/main" xmlns:r="http://schemas.openxmlformats.org/officeDocument/2006/relationships" xmlns:p="http://schemas.openxmlformats.org/presentationml/2006/main">
   <p:cSld>
@@ -8796,7 +8293,7 @@
             </a:pPr>
             <a:r>
               <a:rPr lang="en-US" sz="3300" dirty="0"/>
-              <a:t>Programming practice</a:t>
+              <a:t>Programming Practice</a:t>
             </a:r>
             <a:endParaRPr lang="en-MY" sz="3300" dirty="0"/>
           </a:p>
@@ -8820,19 +8317,26 @@
         </p:nvSpPr>
         <p:spPr>
           <a:xfrm>
-            <a:off x="802177" y="3023421"/>
-            <a:ext cx="7611981" cy="2830697"/>
+            <a:off x="802178" y="2261420"/>
+            <a:ext cx="8341822" cy="3637935"/>
           </a:xfrm>
         </p:spPr>
         <p:txBody>
           <a:bodyPr anchor="t">
-            <a:normAutofit/>
+            <a:normAutofit fontScale="85000" lnSpcReduction="20000"/>
           </a:bodyPr>
           <a:lstStyle/>
           <a:p>
             <a:r>
               <a:rPr lang="en-MY" sz="2400" dirty="0"/>
-              <a:t>Construct the shape formed by ‘*’</a:t>
+              <a:t>Shape making with console print:</a:t>
+            </a:r>
+          </a:p>
+          <a:p>
+            <a:pPr lvl="1"/>
+            <a:r>
+              <a:rPr lang="en-MY" sz="2000" dirty="0"/>
+              <a:t>If you google “ASCII art” or “text art”, you can find more nice shapes/pictures</a:t>
             </a:r>
           </a:p>
           <a:p>
@@ -8851,14 +8355,38 @@
             <a:pPr lvl="1"/>
             <a:endParaRPr lang="en-MY" sz="2000" dirty="0"/>
           </a:p>
-        </p:txBody>
-      </p:sp>
-      <p:sp>
-        <p:nvSpPr>
-          <p:cNvPr id="4" name="TextBox 3">
+          <a:p>
+            <a:r>
+              <a:rPr lang="en-MY" sz="2400" dirty="0"/>
+              <a:t>Chess board:</a:t>
+            </a:r>
+          </a:p>
+          <a:p>
+            <a:pPr lvl="1"/>
+            <a:r>
+              <a:rPr lang="en-MY" sz="2000" dirty="0"/>
+              <a:t>Normal chess board is 8x8 and each cell is black or white. We use empty space as white, use ‘#’ as black, to print the chess board.</a:t>
+            </a:r>
+          </a:p>
+          <a:p>
+            <a:pPr lvl="1"/>
+            <a:r>
+              <a:rPr lang="en-MY" sz="2000" dirty="0"/>
+              <a:t>Change the program to allow for any size besides 8.</a:t>
+            </a:r>
+          </a:p>
+          <a:p>
+            <a:pPr lvl="1"/>
+            <a:endParaRPr lang="en-MY" sz="2000" dirty="0"/>
+          </a:p>
+        </p:txBody>
+      </p:sp>
+      <p:sp>
+        <p:nvSpPr>
+          <p:cNvPr id="5" name="TextBox 4">
             <a:extLst>
               <a:ext uri="{FF2B5EF4-FFF2-40B4-BE49-F238E27FC236}">
-                <a16:creationId xmlns:a16="http://schemas.microsoft.com/office/drawing/2014/main" id="{DDAFC502-84FC-4D06-80EB-69B911342252}"/>
+                <a16:creationId xmlns:a16="http://schemas.microsoft.com/office/drawing/2014/main" id="{2FE83FB9-ED60-418D-A672-204C04B87883}"/>
               </a:ext>
             </a:extLst>
           </p:cNvPr>
@@ -8867,8 +8395,8 @@
         </p:nvSpPr>
         <p:spPr>
           <a:xfrm>
-            <a:off x="6265365" y="1938588"/>
-            <a:ext cx="2622551" cy="2585323"/>
+            <a:off x="8237601" y="1077975"/>
+            <a:ext cx="2622551" cy="2031325"/>
           </a:xfrm>
           <a:prstGeom prst="rect">
             <a:avLst/>
@@ -8919,37 +8447,160 @@
             <a:pPr lvl="1"/>
             <a:r>
               <a:rPr lang="en-MY" sz="1800" dirty="0"/>
-              <a:t>****</a:t>
+              <a:t>******</a:t>
             </a:r>
           </a:p>
           <a:p>
             <a:pPr lvl="1"/>
             <a:r>
               <a:rPr lang="en-MY" dirty="0"/>
-              <a:t>***</a:t>
-            </a:r>
-          </a:p>
+              <a:t>*******</a:t>
+            </a:r>
+            <a:endParaRPr lang="en-MY" sz="1800" dirty="0"/>
+          </a:p>
+        </p:txBody>
+      </p:sp>
+      <p:sp>
+        <p:nvSpPr>
+          <p:cNvPr id="6" name="TextBox 5">
+            <a:extLst>
+              <a:ext uri="{FF2B5EF4-FFF2-40B4-BE49-F238E27FC236}">
+                <a16:creationId xmlns:a16="http://schemas.microsoft.com/office/drawing/2014/main" id="{73278296-E355-4E6E-B10F-8D2DFFA76166}"/>
+              </a:ext>
+            </a:extLst>
+          </p:cNvPr>
+          <p:cNvSpPr txBox="1"/>
+          <p:nvPr/>
+        </p:nvSpPr>
+        <p:spPr>
+          <a:xfrm>
+            <a:off x="8921295" y="4342691"/>
+            <a:ext cx="2622551" cy="2308324"/>
+          </a:xfrm>
+          <a:prstGeom prst="rect">
+            <a:avLst/>
+          </a:prstGeom>
+          <a:noFill/>
+        </p:spPr>
+        <p:txBody>
+          <a:bodyPr wrap="square">
+            <a:spAutoFit/>
+          </a:bodyPr>
+          <a:lstStyle/>
           <a:p>
             <a:pPr lvl="1"/>
             <a:r>
-              <a:rPr lang="en-MY" sz="1800" dirty="0"/>
-              <a:t>**</a:t>
+              <a:rPr lang="en-MY" sz="1800" dirty="0">
+                <a:latin typeface="Monotype Corsiva" panose="03010101010201010101" pitchFamily="66" charset="0"/>
+                <a:ea typeface="MingLiU_HKSCS" panose="020B0604030504040204" pitchFamily="18" charset="-120"/>
+                <a:cs typeface="Mongolian Baiti" panose="03000500000000000000" pitchFamily="66" charset="0"/>
+              </a:rPr>
+              <a:t> # # # #</a:t>
             </a:r>
           </a:p>
           <a:p>
             <a:pPr lvl="1"/>
             <a:r>
-              <a:rPr lang="en-MY" dirty="0"/>
-              <a:t>*</a:t>
-            </a:r>
-            <a:endParaRPr lang="en-MY" sz="1800" dirty="0"/>
+              <a:rPr lang="en-MY" dirty="0">
+                <a:latin typeface="Monotype Corsiva" panose="03010101010201010101" pitchFamily="66" charset="0"/>
+                <a:ea typeface="MingLiU_HKSCS" panose="020B0604030504040204" pitchFamily="18" charset="-120"/>
+                <a:cs typeface="Mongolian Baiti" panose="03000500000000000000" pitchFamily="66" charset="0"/>
+              </a:rPr>
+              <a:t># # # # </a:t>
+            </a:r>
+            <a:endParaRPr lang="en-MY" sz="1800" dirty="0">
+              <a:latin typeface="Monotype Corsiva" panose="03010101010201010101" pitchFamily="66" charset="0"/>
+              <a:ea typeface="MingLiU_HKSCS" panose="020B0604030504040204" pitchFamily="18" charset="-120"/>
+              <a:cs typeface="Mongolian Baiti" panose="03000500000000000000" pitchFamily="66" charset="0"/>
+            </a:endParaRPr>
+          </a:p>
+          <a:p>
+            <a:pPr lvl="1"/>
+            <a:r>
+              <a:rPr lang="en-MY" sz="1800" dirty="0">
+                <a:latin typeface="Monotype Corsiva" panose="03010101010201010101" pitchFamily="66" charset="0"/>
+                <a:ea typeface="MingLiU_HKSCS" panose="020B0604030504040204" pitchFamily="18" charset="-120"/>
+                <a:cs typeface="Mongolian Baiti" panose="03000500000000000000" pitchFamily="66" charset="0"/>
+              </a:rPr>
+              <a:t> # # # #</a:t>
+            </a:r>
+          </a:p>
+          <a:p>
+            <a:pPr lvl="1"/>
+            <a:r>
+              <a:rPr lang="en-MY" dirty="0">
+                <a:latin typeface="Monotype Corsiva" panose="03010101010201010101" pitchFamily="66" charset="0"/>
+                <a:ea typeface="MingLiU_HKSCS" panose="020B0604030504040204" pitchFamily="18" charset="-120"/>
+                <a:cs typeface="Mongolian Baiti" panose="03000500000000000000" pitchFamily="66" charset="0"/>
+              </a:rPr>
+              <a:t># # # # </a:t>
+            </a:r>
+            <a:endParaRPr lang="en-MY" sz="1800" dirty="0">
+              <a:latin typeface="Monotype Corsiva" panose="03010101010201010101" pitchFamily="66" charset="0"/>
+              <a:ea typeface="MingLiU_HKSCS" panose="020B0604030504040204" pitchFamily="18" charset="-120"/>
+              <a:cs typeface="Mongolian Baiti" panose="03000500000000000000" pitchFamily="66" charset="0"/>
+            </a:endParaRPr>
+          </a:p>
+          <a:p>
+            <a:pPr lvl="1"/>
+            <a:r>
+              <a:rPr lang="en-MY" sz="1800" dirty="0">
+                <a:latin typeface="Monotype Corsiva" panose="03010101010201010101" pitchFamily="66" charset="0"/>
+                <a:ea typeface="MingLiU_HKSCS" panose="020B0604030504040204" pitchFamily="18" charset="-120"/>
+                <a:cs typeface="Mongolian Baiti" panose="03000500000000000000" pitchFamily="66" charset="0"/>
+              </a:rPr>
+              <a:t> # # # #</a:t>
+            </a:r>
+          </a:p>
+          <a:p>
+            <a:pPr lvl="1"/>
+            <a:r>
+              <a:rPr lang="en-MY" dirty="0">
+                <a:latin typeface="Monotype Corsiva" panose="03010101010201010101" pitchFamily="66" charset="0"/>
+                <a:ea typeface="MingLiU_HKSCS" panose="020B0604030504040204" pitchFamily="18" charset="-120"/>
+                <a:cs typeface="Mongolian Baiti" panose="03000500000000000000" pitchFamily="66" charset="0"/>
+              </a:rPr>
+              <a:t># # # # </a:t>
+            </a:r>
+            <a:endParaRPr lang="en-MY" sz="1800" dirty="0">
+              <a:latin typeface="Monotype Corsiva" panose="03010101010201010101" pitchFamily="66" charset="0"/>
+              <a:ea typeface="MingLiU_HKSCS" panose="020B0604030504040204" pitchFamily="18" charset="-120"/>
+              <a:cs typeface="Mongolian Baiti" panose="03000500000000000000" pitchFamily="66" charset="0"/>
+            </a:endParaRPr>
+          </a:p>
+          <a:p>
+            <a:pPr lvl="1"/>
+            <a:r>
+              <a:rPr lang="en-MY" sz="1800" dirty="0">
+                <a:latin typeface="Monotype Corsiva" panose="03010101010201010101" pitchFamily="66" charset="0"/>
+                <a:ea typeface="MingLiU_HKSCS" panose="020B0604030504040204" pitchFamily="18" charset="-120"/>
+                <a:cs typeface="Mongolian Baiti" panose="03000500000000000000" pitchFamily="66" charset="0"/>
+              </a:rPr>
+              <a:t> # # # #</a:t>
+            </a:r>
+          </a:p>
+          <a:p>
+            <a:pPr lvl="1"/>
+            <a:r>
+              <a:rPr lang="en-MY" dirty="0">
+                <a:latin typeface="Monotype Corsiva" panose="03010101010201010101" pitchFamily="66" charset="0"/>
+                <a:ea typeface="MingLiU_HKSCS" panose="020B0604030504040204" pitchFamily="18" charset="-120"/>
+                <a:cs typeface="Mongolian Baiti" panose="03000500000000000000" pitchFamily="66" charset="0"/>
+              </a:rPr>
+              <a:t># # # # </a:t>
+            </a:r>
+            <a:endParaRPr lang="en-MY" sz="1800" dirty="0">
+              <a:latin typeface="Monotype Corsiva" panose="03010101010201010101" pitchFamily="66" charset="0"/>
+              <a:ea typeface="MingLiU_HKSCS" panose="020B0604030504040204" pitchFamily="18" charset="-120"/>
+              <a:cs typeface="Mongolian Baiti" panose="03000500000000000000" pitchFamily="66" charset="0"/>
+            </a:endParaRPr>
           </a:p>
         </p:txBody>
       </p:sp>
     </p:spTree>
     <p:extLst>
       <p:ext uri="{BB962C8B-B14F-4D97-AF65-F5344CB8AC3E}">
-        <p14:creationId xmlns:p14="http://schemas.microsoft.com/office/powerpoint/2010/main" val="521383145"/>
+        <p14:creationId xmlns:p14="http://schemas.microsoft.com/office/powerpoint/2010/main" val="3719593706"/>
       </p:ext>
     </p:extLst>
   </p:cSld>
@@ -8978,6 +8629,47 @@
       </p:grpSpPr>
       <p:sp>
         <p:nvSpPr>
+          <p:cNvPr id="2" name="标题 1">
+            <a:extLst>
+              <a:ext uri="{FF2B5EF4-FFF2-40B4-BE49-F238E27FC236}">
+                <a16:creationId xmlns:a16="http://schemas.microsoft.com/office/drawing/2014/main" id="{5EC01E2D-9CFE-4D5D-8863-3BA90731F07B}"/>
+              </a:ext>
+            </a:extLst>
+          </p:cNvPr>
+          <p:cNvSpPr>
+            <a:spLocks noGrp="1"/>
+          </p:cNvSpPr>
+          <p:nvPr>
+            <p:ph type="title"/>
+          </p:nvPr>
+        </p:nvSpPr>
+        <p:spPr>
+          <a:xfrm>
+            <a:off x="825909" y="808055"/>
+            <a:ext cx="9406662" cy="1453363"/>
+          </a:xfrm>
+        </p:spPr>
+        <p:txBody>
+          <a:bodyPr>
+            <a:normAutofit/>
+          </a:bodyPr>
+          <a:lstStyle/>
+          <a:p>
+            <a:pPr>
+              <a:lnSpc>
+                <a:spcPct val="90000"/>
+              </a:lnSpc>
+            </a:pPr>
+            <a:r>
+              <a:rPr lang="en-US" sz="3300" dirty="0"/>
+              <a:t>Programming practice</a:t>
+            </a:r>
+            <a:endParaRPr lang="en-MY" sz="3300" dirty="0"/>
+          </a:p>
+        </p:txBody>
+      </p:sp>
+      <p:sp>
+        <p:nvSpPr>
           <p:cNvPr id="3" name="内容占位符 2">
             <a:extLst>
               <a:ext uri="{FF2B5EF4-FFF2-40B4-BE49-F238E27FC236}">
@@ -8994,8 +8686,8 @@
         </p:nvSpPr>
         <p:spPr>
           <a:xfrm>
-            <a:off x="784249" y="1104974"/>
-            <a:ext cx="8673516" cy="3269802"/>
+            <a:off x="802177" y="3023421"/>
+            <a:ext cx="7611981" cy="2830697"/>
           </a:xfrm>
         </p:spPr>
         <p:txBody>
@@ -9005,58 +8697,34 @@
           <a:lstStyle/>
           <a:p>
             <a:r>
-              <a:rPr lang="en-MY" dirty="0"/>
-              <a:t>The program get input a symbol for arrow head and arrow body, the output an arrow with them.</a:t>
-            </a:r>
-          </a:p>
-          <a:p>
-            <a:r>
-              <a:rPr lang="en-MY" dirty="0"/>
-              <a:t>Example: if input is</a:t>
+              <a:rPr lang="en-MY" sz="2400" dirty="0"/>
+              <a:t>Construct the shape formed by ‘*’</a:t>
             </a:r>
           </a:p>
           <a:p>
             <a:pPr lvl="1"/>
-            <a:endParaRPr lang="en-MY" dirty="0"/>
+            <a:endParaRPr lang="en-MY" sz="2000" dirty="0"/>
           </a:p>
           <a:p>
             <a:pPr lvl="1"/>
-            <a:endParaRPr lang="en-MY" dirty="0"/>
+            <a:endParaRPr lang="en-MY" sz="2000" dirty="0"/>
           </a:p>
           <a:p>
             <a:pPr lvl="1"/>
-            <a:endParaRPr lang="en-MY" dirty="0"/>
+            <a:endParaRPr lang="en-MY" sz="2000" dirty="0"/>
           </a:p>
           <a:p>
             <a:pPr lvl="1"/>
-            <a:endParaRPr lang="en-MY" dirty="0"/>
-          </a:p>
-          <a:p>
-            <a:r>
-              <a:rPr lang="en-MY" dirty="0"/>
-              <a:t>Then output should be:</a:t>
-            </a:r>
-          </a:p>
-          <a:p>
-            <a:pPr lvl="1"/>
-            <a:endParaRPr lang="en-MY" dirty="0"/>
-          </a:p>
-          <a:p>
-            <a:pPr lvl="1"/>
-            <a:endParaRPr lang="en-MY" dirty="0"/>
-          </a:p>
-          <a:p>
-            <a:pPr lvl="1"/>
-            <a:endParaRPr lang="en-MY" dirty="0"/>
-          </a:p>
-        </p:txBody>
-      </p:sp>
-      <p:sp>
-        <p:nvSpPr>
-          <p:cNvPr id="8" name="TextBox 7">
+            <a:endParaRPr lang="en-MY" sz="2000" dirty="0"/>
+          </a:p>
+        </p:txBody>
+      </p:sp>
+      <p:sp>
+        <p:nvSpPr>
+          <p:cNvPr id="4" name="TextBox 3">
             <a:extLst>
               <a:ext uri="{FF2B5EF4-FFF2-40B4-BE49-F238E27FC236}">
-                <a16:creationId xmlns:a16="http://schemas.microsoft.com/office/drawing/2014/main" id="{B8BB24F3-79C1-4FF9-B64F-291CFA674DB9}"/>
+                <a16:creationId xmlns:a16="http://schemas.microsoft.com/office/drawing/2014/main" id="{DDAFC502-84FC-4D06-80EB-69B911342252}"/>
               </a:ext>
             </a:extLst>
           </p:cNvPr>
@@ -9065,161 +8733,89 @@
         </p:nvSpPr>
         <p:spPr>
           <a:xfrm>
-            <a:off x="1629252" y="2428386"/>
-            <a:ext cx="2897923" cy="461665"/>
+            <a:off x="6265365" y="1938588"/>
+            <a:ext cx="2622551" cy="2585323"/>
           </a:xfrm>
           <a:prstGeom prst="rect">
             <a:avLst/>
           </a:prstGeom>
-          <a:solidFill>
-            <a:schemeClr val="tx1">
-              <a:lumMod val="85000"/>
-            </a:schemeClr>
-          </a:solidFill>
+          <a:noFill/>
         </p:spPr>
         <p:txBody>
-          <a:bodyPr wrap="square" rtlCol="0">
+          <a:bodyPr wrap="square">
             <a:spAutoFit/>
           </a:bodyPr>
           <a:lstStyle/>
           <a:p>
-            <a:r>
-              <a:rPr lang="en-US" sz="1200" dirty="0">
-                <a:solidFill>
-                  <a:schemeClr val="bg1"/>
-                </a:solidFill>
-                <a:latin typeface="Cascadia Mono SemiBold" panose="020B0609020000020004" pitchFamily="49" charset="0"/>
-                <a:ea typeface="Cascadia Mono SemiBold" panose="020B0609020000020004" pitchFamily="49" charset="0"/>
-                <a:cs typeface="Cascadia Mono SemiBold" panose="020B0609020000020004" pitchFamily="49" charset="0"/>
-              </a:rPr>
-              <a:t>=</a:t>
-            </a:r>
-          </a:p>
-          <a:p>
-            <a:r>
-              <a:rPr lang="en-US" sz="1200" dirty="0">
-                <a:solidFill>
-                  <a:schemeClr val="bg1"/>
-                </a:solidFill>
-                <a:latin typeface="Cascadia Mono SemiBold" panose="020B0609020000020004" pitchFamily="49" charset="0"/>
-                <a:ea typeface="Cascadia Mono SemiBold" panose="020B0609020000020004" pitchFamily="49" charset="0"/>
-                <a:cs typeface="Cascadia Mono SemiBold" panose="020B0609020000020004" pitchFamily="49" charset="0"/>
-              </a:rPr>
+            <a:pPr lvl="1"/>
+            <a:r>
+              <a:rPr lang="en-MY" sz="1800" dirty="0"/>
               <a:t>*</a:t>
             </a:r>
           </a:p>
-        </p:txBody>
-      </p:sp>
-      <p:sp>
-        <p:nvSpPr>
-          <p:cNvPr id="9" name="TextBox 8">
-            <a:extLst>
-              <a:ext uri="{FF2B5EF4-FFF2-40B4-BE49-F238E27FC236}">
-                <a16:creationId xmlns:a16="http://schemas.microsoft.com/office/drawing/2014/main" id="{AC05F62B-EAFE-4E12-94DF-04E1AFD30D6D}"/>
-              </a:ext>
-            </a:extLst>
-          </p:cNvPr>
-          <p:cNvSpPr txBox="1"/>
-          <p:nvPr/>
-        </p:nvSpPr>
-        <p:spPr>
-          <a:xfrm>
-            <a:off x="1629252" y="4383915"/>
-            <a:ext cx="2897923" cy="1015663"/>
-          </a:xfrm>
-          <a:prstGeom prst="rect">
-            <a:avLst/>
-          </a:prstGeom>
-          <a:solidFill>
-            <a:schemeClr val="tx1">
-              <a:lumMod val="85000"/>
-            </a:schemeClr>
-          </a:solidFill>
-        </p:spPr>
-        <p:txBody>
-          <a:bodyPr wrap="square" rtlCol="0">
-            <a:spAutoFit/>
-          </a:bodyPr>
-          <a:lstStyle/>
-          <a:p>
-            <a:r>
-              <a:rPr lang="en-US" sz="1200" dirty="0">
-                <a:solidFill>
-                  <a:schemeClr val="bg1"/>
-                </a:solidFill>
-                <a:latin typeface="Cascadia Mono SemiBold" panose="020B0609020000020004" pitchFamily="49" charset="0"/>
-                <a:ea typeface="Cascadia Mono SemiBold" panose="020B0609020000020004" pitchFamily="49" charset="0"/>
-                <a:cs typeface="Cascadia Mono SemiBold" panose="020B0609020000020004" pitchFamily="49" charset="0"/>
-              </a:rPr>
-              <a:t>         *</a:t>
-            </a:r>
-          </a:p>
-          <a:p>
-            <a:r>
-              <a:rPr lang="en-US" sz="1200" dirty="0">
-                <a:solidFill>
-                  <a:schemeClr val="bg1"/>
-                </a:solidFill>
-                <a:latin typeface="Cascadia Mono SemiBold" panose="020B0609020000020004" pitchFamily="49" charset="0"/>
-                <a:ea typeface="Cascadia Mono SemiBold" panose="020B0609020000020004" pitchFamily="49" charset="0"/>
-                <a:cs typeface="Cascadia Mono SemiBold" panose="020B0609020000020004" pitchFamily="49" charset="0"/>
-              </a:rPr>
-              <a:t>=========**</a:t>
-            </a:r>
-          </a:p>
-          <a:p>
-            <a:r>
-              <a:rPr lang="en-US" sz="1200" dirty="0">
-                <a:solidFill>
-                  <a:schemeClr val="bg1"/>
-                </a:solidFill>
-                <a:latin typeface="Cascadia Mono SemiBold" panose="020B0609020000020004" pitchFamily="49" charset="0"/>
-                <a:ea typeface="Cascadia Mono SemiBold" panose="020B0609020000020004" pitchFamily="49" charset="0"/>
-                <a:cs typeface="Cascadia Mono SemiBold" panose="020B0609020000020004" pitchFamily="49" charset="0"/>
-              </a:rPr>
-              <a:t>=========***</a:t>
-            </a:r>
-          </a:p>
-          <a:p>
-            <a:r>
-              <a:rPr lang="en-US" sz="1200" dirty="0">
-                <a:solidFill>
-                  <a:schemeClr val="bg1"/>
-                </a:solidFill>
-                <a:latin typeface="Cascadia Mono SemiBold" panose="020B0609020000020004" pitchFamily="49" charset="0"/>
-                <a:ea typeface="Cascadia Mono SemiBold" panose="020B0609020000020004" pitchFamily="49" charset="0"/>
-                <a:cs typeface="Cascadia Mono SemiBold" panose="020B0609020000020004" pitchFamily="49" charset="0"/>
-              </a:rPr>
-              <a:t>=========**</a:t>
-            </a:r>
-          </a:p>
-          <a:p>
-            <a:r>
-              <a:rPr lang="en-US" sz="1200" dirty="0">
-                <a:solidFill>
-                  <a:schemeClr val="bg1"/>
-                </a:solidFill>
-                <a:latin typeface="Cascadia Mono SemiBold" panose="020B0609020000020004" pitchFamily="49" charset="0"/>
-                <a:ea typeface="Cascadia Mono SemiBold" panose="020B0609020000020004" pitchFamily="49" charset="0"/>
-                <a:cs typeface="Cascadia Mono SemiBold" panose="020B0609020000020004" pitchFamily="49" charset="0"/>
-              </a:rPr>
-              <a:t>         *</a:t>
-            </a:r>
-            <a:endParaRPr lang="en-MY" sz="1200" dirty="0">
-              <a:solidFill>
-                <a:schemeClr val="bg1"/>
-              </a:solidFill>
-              <a:latin typeface="Cascadia Mono SemiBold" panose="020B0609020000020004" pitchFamily="49" charset="0"/>
-              <a:ea typeface="Cascadia Mono SemiBold" panose="020B0609020000020004" pitchFamily="49" charset="0"/>
-              <a:cs typeface="Cascadia Mono SemiBold" panose="020B0609020000020004" pitchFamily="49" charset="0"/>
-            </a:endParaRPr>
+          <a:p>
+            <a:pPr lvl="1"/>
+            <a:r>
+              <a:rPr lang="en-MY" sz="1800" dirty="0"/>
+              <a:t>**</a:t>
+            </a:r>
+          </a:p>
+          <a:p>
+            <a:pPr lvl="1"/>
+            <a:r>
+              <a:rPr lang="en-MY" sz="1800" dirty="0"/>
+              <a:t>***</a:t>
+            </a:r>
+          </a:p>
+          <a:p>
+            <a:pPr lvl="1"/>
+            <a:r>
+              <a:rPr lang="en-MY" sz="1800" dirty="0"/>
+              <a:t>****</a:t>
+            </a:r>
+          </a:p>
+          <a:p>
+            <a:pPr lvl="1"/>
+            <a:r>
+              <a:rPr lang="en-MY" sz="1800" dirty="0"/>
+              <a:t>*****</a:t>
+            </a:r>
+          </a:p>
+          <a:p>
+            <a:pPr lvl="1"/>
+            <a:r>
+              <a:rPr lang="en-MY" sz="1800" dirty="0"/>
+              <a:t>****</a:t>
+            </a:r>
+          </a:p>
+          <a:p>
+            <a:pPr lvl="1"/>
+            <a:r>
+              <a:rPr lang="en-MY" dirty="0"/>
+              <a:t>***</a:t>
+            </a:r>
+          </a:p>
+          <a:p>
+            <a:pPr lvl="1"/>
+            <a:r>
+              <a:rPr lang="en-MY" sz="1800" dirty="0"/>
+              <a:t>**</a:t>
+            </a:r>
+          </a:p>
+          <a:p>
+            <a:pPr lvl="1"/>
+            <a:r>
+              <a:rPr lang="en-MY" dirty="0"/>
+              <a:t>*</a:t>
+            </a:r>
+            <a:endParaRPr lang="en-MY" sz="1800" dirty="0"/>
           </a:p>
         </p:txBody>
       </p:sp>
     </p:spTree>
     <p:extLst>
       <p:ext uri="{BB962C8B-B14F-4D97-AF65-F5344CB8AC3E}">
-        <p14:creationId xmlns:p14="http://schemas.microsoft.com/office/powerpoint/2010/main" val="4041151450"/>
+        <p14:creationId xmlns:p14="http://schemas.microsoft.com/office/powerpoint/2010/main" val="521383145"/>
       </p:ext>
     </p:extLst>
   </p:cSld>
@@ -9276,7 +8872,7 @@
           <a:p>
             <a:r>
               <a:rPr lang="en-MY" dirty="0"/>
-              <a:t>You give a 10 digits phone number to program, and program output it in specific format.</a:t>
+              <a:t>The program get input a symbol for arrow head and arrow body, the output an arrow with them.</a:t>
             </a:r>
           </a:p>
           <a:p>
@@ -9336,7 +8932,7 @@
         <p:spPr>
           <a:xfrm>
             <a:off x="1629252" y="2428386"/>
-            <a:ext cx="2897923" cy="276999"/>
+            <a:ext cx="2897923" cy="461665"/>
           </a:xfrm>
           <a:prstGeom prst="rect">
             <a:avLst/>
@@ -9362,7 +8958,20 @@
                 <a:ea typeface="Cascadia Mono SemiBold" panose="020B0609020000020004" pitchFamily="49" charset="0"/>
                 <a:cs typeface="Cascadia Mono SemiBold" panose="020B0609020000020004" pitchFamily="49" charset="0"/>
               </a:rPr>
-              <a:t>0123456789</a:t>
+              <a:t>=</a:t>
+            </a:r>
+          </a:p>
+          <a:p>
+            <a:r>
+              <a:rPr lang="en-US" sz="1200" dirty="0">
+                <a:solidFill>
+                  <a:schemeClr val="bg1"/>
+                </a:solidFill>
+                <a:latin typeface="Cascadia Mono SemiBold" panose="020B0609020000020004" pitchFamily="49" charset="0"/>
+                <a:ea typeface="Cascadia Mono SemiBold" panose="020B0609020000020004" pitchFamily="49" charset="0"/>
+                <a:cs typeface="Cascadia Mono SemiBold" panose="020B0609020000020004" pitchFamily="49" charset="0"/>
+              </a:rPr>
+              <a:t>*</a:t>
             </a:r>
           </a:p>
         </p:txBody>
@@ -9382,7 +8991,7 @@
         <p:spPr>
           <a:xfrm>
             <a:off x="1629252" y="4383915"/>
-            <a:ext cx="2897923" cy="276999"/>
+            <a:ext cx="2897923" cy="1015663"/>
           </a:xfrm>
           <a:prstGeom prst="rect">
             <a:avLst/>
@@ -9408,7 +9017,59 @@
                 <a:ea typeface="Cascadia Mono SemiBold" panose="020B0609020000020004" pitchFamily="49" charset="0"/>
                 <a:cs typeface="Cascadia Mono SemiBold" panose="020B0609020000020004" pitchFamily="49" charset="0"/>
               </a:rPr>
-              <a:t>(012) 345-6789</a:t>
+              <a:t>         *</a:t>
+            </a:r>
+          </a:p>
+          <a:p>
+            <a:r>
+              <a:rPr lang="en-US" sz="1200" dirty="0">
+                <a:solidFill>
+                  <a:schemeClr val="bg1"/>
+                </a:solidFill>
+                <a:latin typeface="Cascadia Mono SemiBold" panose="020B0609020000020004" pitchFamily="49" charset="0"/>
+                <a:ea typeface="Cascadia Mono SemiBold" panose="020B0609020000020004" pitchFamily="49" charset="0"/>
+                <a:cs typeface="Cascadia Mono SemiBold" panose="020B0609020000020004" pitchFamily="49" charset="0"/>
+              </a:rPr>
+              <a:t>=========**</a:t>
+            </a:r>
+          </a:p>
+          <a:p>
+            <a:r>
+              <a:rPr lang="en-US" sz="1200" dirty="0">
+                <a:solidFill>
+                  <a:schemeClr val="bg1"/>
+                </a:solidFill>
+                <a:latin typeface="Cascadia Mono SemiBold" panose="020B0609020000020004" pitchFamily="49" charset="0"/>
+                <a:ea typeface="Cascadia Mono SemiBold" panose="020B0609020000020004" pitchFamily="49" charset="0"/>
+                <a:cs typeface="Cascadia Mono SemiBold" panose="020B0609020000020004" pitchFamily="49" charset="0"/>
+              </a:rPr>
+              <a:t>=========***</a:t>
+            </a:r>
+          </a:p>
+          <a:p>
+            <a:r>
+              <a:rPr lang="en-US" sz="1200" dirty="0">
+                <a:solidFill>
+                  <a:schemeClr val="bg1"/>
+                </a:solidFill>
+                <a:latin typeface="Cascadia Mono SemiBold" panose="020B0609020000020004" pitchFamily="49" charset="0"/>
+                <a:ea typeface="Cascadia Mono SemiBold" panose="020B0609020000020004" pitchFamily="49" charset="0"/>
+                <a:cs typeface="Cascadia Mono SemiBold" panose="020B0609020000020004" pitchFamily="49" charset="0"/>
+              </a:rPr>
+              <a:t>=========**</a:t>
+            </a:r>
+          </a:p>
+          <a:p>
+            <a:r>
+              <a:rPr lang="en-US" sz="1200" dirty="0">
+                <a:solidFill>
+                  <a:schemeClr val="bg1"/>
+                </a:solidFill>
+                <a:latin typeface="Cascadia Mono SemiBold" panose="020B0609020000020004" pitchFamily="49" charset="0"/>
+                <a:ea typeface="Cascadia Mono SemiBold" panose="020B0609020000020004" pitchFamily="49" charset="0"/>
+                <a:cs typeface="Cascadia Mono SemiBold" panose="020B0609020000020004" pitchFamily="49" charset="0"/>
+              </a:rPr>
+              <a:t>         *</a:t>
             </a:r>
             <a:endParaRPr lang="en-MY" sz="1200" dirty="0">
               <a:solidFill>
@@ -9424,7 +9085,7 @@
     </p:spTree>
     <p:extLst>
       <p:ext uri="{BB962C8B-B14F-4D97-AF65-F5344CB8AC3E}">
-        <p14:creationId xmlns:p14="http://schemas.microsoft.com/office/powerpoint/2010/main" val="1529310866"/>
+        <p14:creationId xmlns:p14="http://schemas.microsoft.com/office/powerpoint/2010/main" val="4041151450"/>
       </p:ext>
     </p:extLst>
   </p:cSld>
@@ -9453,10 +9114,10 @@
       </p:grpSpPr>
       <p:sp>
         <p:nvSpPr>
-          <p:cNvPr id="3" name="Content Placeholder 2">
+          <p:cNvPr id="3" name="内容占位符 2">
             <a:extLst>
               <a:ext uri="{FF2B5EF4-FFF2-40B4-BE49-F238E27FC236}">
-                <a16:creationId xmlns:a16="http://schemas.microsoft.com/office/drawing/2014/main" id="{A9A74A00-8237-4773-B481-72C765F68AD3}"/>
+                <a16:creationId xmlns:a16="http://schemas.microsoft.com/office/drawing/2014/main" id="{7060439F-2729-478E-B95F-230482B50AA1}"/>
               </a:ext>
             </a:extLst>
           </p:cNvPr>
@@ -9469,24 +9130,25 @@
         </p:nvSpPr>
         <p:spPr>
           <a:xfrm>
-            <a:off x="748554" y="1326278"/>
-            <a:ext cx="10131425" cy="3649133"/>
+            <a:off x="784249" y="1104974"/>
+            <a:ext cx="8673516" cy="3269802"/>
           </a:xfrm>
         </p:spPr>
         <p:txBody>
-          <a:bodyPr anchor="t"/>
+          <a:bodyPr anchor="t">
+            <a:normAutofit/>
+          </a:bodyPr>
           <a:lstStyle/>
           <a:p>
             <a:r>
-              <a:rPr lang="en-US" dirty="0"/>
-              <a:t>Make a program to get Student name and Test mark (1~9) from user, then output evaluation result (score 9 ~ Very High, score 8 ~ High, score 7 ~ Above Average, score 4,5,6 ~ Average, score 3 ~ Below Average, score 1,2 ~ Low:</a:t>
-            </a:r>
-          </a:p>
-          <a:p>
-            <a:pPr lvl="1"/>
-            <a:r>
               <a:rPr lang="en-MY" dirty="0"/>
-              <a:t>Example input:</a:t>
+              <a:t>You give a 10 digits phone number to program, and program output it in specific format.</a:t>
+            </a:r>
+          </a:p>
+          <a:p>
+            <a:r>
+              <a:rPr lang="en-MY" dirty="0"/>
+              <a:t>Example: if input is</a:t>
             </a:r>
           </a:p>
           <a:p>
@@ -9499,19 +9161,38 @@
           </a:p>
           <a:p>
             <a:pPr lvl="1"/>
+            <a:endParaRPr lang="en-MY" dirty="0"/>
+          </a:p>
+          <a:p>
+            <a:pPr lvl="1"/>
+            <a:endParaRPr lang="en-MY" dirty="0"/>
+          </a:p>
+          <a:p>
             <a:r>
               <a:rPr lang="en-MY" dirty="0"/>
-              <a:t>Output:</a:t>
-            </a:r>
-          </a:p>
-        </p:txBody>
-      </p:sp>
-      <p:sp>
-        <p:nvSpPr>
-          <p:cNvPr id="4" name="TextBox 3">
+              <a:t>Then output should be:</a:t>
+            </a:r>
+          </a:p>
+          <a:p>
+            <a:pPr lvl="1"/>
+            <a:endParaRPr lang="en-MY" dirty="0"/>
+          </a:p>
+          <a:p>
+            <a:pPr lvl="1"/>
+            <a:endParaRPr lang="en-MY" dirty="0"/>
+          </a:p>
+          <a:p>
+            <a:pPr lvl="1"/>
+            <a:endParaRPr lang="en-MY" dirty="0"/>
+          </a:p>
+        </p:txBody>
+      </p:sp>
+      <p:sp>
+        <p:nvSpPr>
+          <p:cNvPr id="8" name="TextBox 7">
             <a:extLst>
               <a:ext uri="{FF2B5EF4-FFF2-40B4-BE49-F238E27FC236}">
-                <a16:creationId xmlns:a16="http://schemas.microsoft.com/office/drawing/2014/main" id="{9574399D-EE3A-4031-AD5F-1CB5C24E4ED4}"/>
+                <a16:creationId xmlns:a16="http://schemas.microsoft.com/office/drawing/2014/main" id="{B8BB24F3-79C1-4FF9-B64F-291CFA674DB9}"/>
               </a:ext>
             </a:extLst>
           </p:cNvPr>
@@ -9520,8 +9201,8 @@
         </p:nvSpPr>
         <p:spPr>
           <a:xfrm>
-            <a:off x="1602358" y="2689179"/>
-            <a:ext cx="3928866" cy="461665"/>
+            <a:off x="1629252" y="2428386"/>
+            <a:ext cx="2897923" cy="276999"/>
           </a:xfrm>
           <a:prstGeom prst="rect">
             <a:avLst/>
@@ -9539,7 +9220,7 @@
           <a:lstStyle/>
           <a:p>
             <a:r>
-              <a:rPr lang="en-MY" sz="1200" dirty="0">
+              <a:rPr lang="en-US" sz="1200" dirty="0">
                 <a:solidFill>
                   <a:schemeClr val="bg1"/>
                 </a:solidFill>
@@ -9547,30 +9228,17 @@
                 <a:ea typeface="Cascadia Mono SemiBold" panose="020B0609020000020004" pitchFamily="49" charset="0"/>
                 <a:cs typeface="Cascadia Mono SemiBold" panose="020B0609020000020004" pitchFamily="49" charset="0"/>
               </a:rPr>
-              <a:t>What is the student’s name? &gt;&gt;&gt;Jack</a:t>
-            </a:r>
-          </a:p>
-          <a:p>
-            <a:r>
-              <a:rPr lang="en-MY" sz="1200" dirty="0">
-                <a:solidFill>
-                  <a:schemeClr val="bg1"/>
-                </a:solidFill>
-                <a:latin typeface="Cascadia Mono SemiBold" panose="020B0609020000020004" pitchFamily="49" charset="0"/>
-                <a:ea typeface="Cascadia Mono SemiBold" panose="020B0609020000020004" pitchFamily="49" charset="0"/>
-                <a:cs typeface="Cascadia Mono SemiBold" panose="020B0609020000020004" pitchFamily="49" charset="0"/>
-              </a:rPr>
-              <a:t>What is the student’s mark? &gt;&gt;&gt;8</a:t>
-            </a:r>
-          </a:p>
-        </p:txBody>
-      </p:sp>
-      <p:sp>
-        <p:nvSpPr>
-          <p:cNvPr id="5" name="TextBox 4">
+              <a:t>0123456789</a:t>
+            </a:r>
+          </a:p>
+        </p:txBody>
+      </p:sp>
+      <p:sp>
+        <p:nvSpPr>
+          <p:cNvPr id="9" name="TextBox 8">
             <a:extLst>
               <a:ext uri="{FF2B5EF4-FFF2-40B4-BE49-F238E27FC236}">
-                <a16:creationId xmlns:a16="http://schemas.microsoft.com/office/drawing/2014/main" id="{AEBE885D-B0B6-452C-90BF-701C322F6205}"/>
+                <a16:creationId xmlns:a16="http://schemas.microsoft.com/office/drawing/2014/main" id="{AC05F62B-EAFE-4E12-94DF-04E1AFD30D6D}"/>
               </a:ext>
             </a:extLst>
           </p:cNvPr>
@@ -9579,8 +9247,8 @@
         </p:nvSpPr>
         <p:spPr>
           <a:xfrm>
-            <a:off x="1602358" y="3832295"/>
-            <a:ext cx="3928866" cy="276999"/>
+            <a:off x="1629252" y="4383915"/>
+            <a:ext cx="2897923" cy="276999"/>
           </a:xfrm>
           <a:prstGeom prst="rect">
             <a:avLst/>
@@ -9598,7 +9266,7 @@
           <a:lstStyle/>
           <a:p>
             <a:r>
-              <a:rPr lang="en-MY" sz="1200" dirty="0">
+              <a:rPr lang="en-US" sz="1200" dirty="0">
                 <a:solidFill>
                   <a:schemeClr val="bg1"/>
                 </a:solidFill>
@@ -9606,15 +9274,23 @@
                 <a:ea typeface="Cascadia Mono SemiBold" panose="020B0609020000020004" pitchFamily="49" charset="0"/>
                 <a:cs typeface="Cascadia Mono SemiBold" panose="020B0609020000020004" pitchFamily="49" charset="0"/>
               </a:rPr>
-              <a:t>Jack achieved ‘High’</a:t>
-            </a:r>
+              <a:t>(012) 345-6789</a:t>
+            </a:r>
+            <a:endParaRPr lang="en-MY" sz="1200" dirty="0">
+              <a:solidFill>
+                <a:schemeClr val="bg1"/>
+              </a:solidFill>
+              <a:latin typeface="Cascadia Mono SemiBold" panose="020B0609020000020004" pitchFamily="49" charset="0"/>
+              <a:ea typeface="Cascadia Mono SemiBold" panose="020B0609020000020004" pitchFamily="49" charset="0"/>
+              <a:cs typeface="Cascadia Mono SemiBold" panose="020B0609020000020004" pitchFamily="49" charset="0"/>
+            </a:endParaRPr>
           </a:p>
         </p:txBody>
       </p:sp>
     </p:spTree>
     <p:extLst>
       <p:ext uri="{BB962C8B-B14F-4D97-AF65-F5344CB8AC3E}">
-        <p14:creationId xmlns:p14="http://schemas.microsoft.com/office/powerpoint/2010/main" val="3124131665"/>
+        <p14:creationId xmlns:p14="http://schemas.microsoft.com/office/powerpoint/2010/main" val="1529310866"/>
       </p:ext>
     </p:extLst>
   </p:cSld>
@@ -9660,37 +9336,23 @@
         <p:spPr>
           <a:xfrm>
             <a:off x="748554" y="1326278"/>
-            <a:ext cx="10131425" cy="4931087"/>
+            <a:ext cx="10131425" cy="3649133"/>
           </a:xfrm>
         </p:spPr>
         <p:txBody>
-          <a:bodyPr anchor="t">
-            <a:normAutofit fontScale="92500" lnSpcReduction="10000"/>
-          </a:bodyPr>
+          <a:bodyPr anchor="t"/>
           <a:lstStyle/>
           <a:p>
             <a:r>
               <a:rPr lang="en-US" dirty="0"/>
-              <a:t>The program will read a series of date from user. -1 means the end.</a:t>
-            </a:r>
-          </a:p>
-          <a:p>
-            <a:r>
-              <a:rPr lang="en-US" dirty="0"/>
-              <a:t>Only those date with correct format will be parsed and output. The correct format are like: “March 1, 1991”; “February 20, 2020”, etc.</a:t>
-            </a:r>
-          </a:p>
-          <a:p>
-            <a:r>
-              <a:rPr lang="en-US" dirty="0"/>
-              <a:t>The output will be pure number format “MM/DD/YYYY”, like “03/01/1991”, “02/20/2020”, etc.</a:t>
+              <a:t>Make a program to get Student name and Test mark (1~9) from user, then output evaluation result (score 9 ~ Very High, score 8 ~ High, score 7 ~ Above Average, score 4,5,6 ~ Average, score 3 ~ Below Average, score 1,2 ~ Low:</a:t>
             </a:r>
           </a:p>
           <a:p>
             <a:pPr lvl="1"/>
             <a:r>
               <a:rPr lang="en-MY" dirty="0"/>
-              <a:t>Example: input</a:t>
+              <a:t>Example input:</a:t>
             </a:r>
           </a:p>
           <a:p>
@@ -9703,36 +9365,9 @@
           </a:p>
           <a:p>
             <a:pPr lvl="1"/>
-            <a:endParaRPr lang="en-MY" dirty="0"/>
-          </a:p>
-          <a:p>
-            <a:pPr lvl="1"/>
-            <a:endParaRPr lang="en-MY" dirty="0"/>
-          </a:p>
-          <a:p>
-            <a:pPr lvl="1"/>
             <a:r>
               <a:rPr lang="en-MY" dirty="0"/>
-              <a:t>Output</a:t>
-            </a:r>
-          </a:p>
-          <a:p>
-            <a:pPr lvl="1"/>
-            <a:endParaRPr lang="en-MY" dirty="0"/>
-          </a:p>
-          <a:p>
-            <a:pPr lvl="1"/>
-            <a:endParaRPr lang="en-MY" dirty="0"/>
-          </a:p>
-          <a:p>
-            <a:pPr lvl="1"/>
-            <a:endParaRPr lang="en-MY" dirty="0"/>
-          </a:p>
-          <a:p>
-            <a:pPr lvl="1"/>
-            <a:r>
-              <a:rPr lang="en-MY" dirty="0"/>
-              <a:t>Hint: combine to use string split, replace, slicing, to get the needed information, then do the output.</a:t>
+              <a:t>Output:</a:t>
             </a:r>
           </a:p>
         </p:txBody>
@@ -9742,7 +9377,7 @@
           <p:cNvPr id="4" name="TextBox 3">
             <a:extLst>
               <a:ext uri="{FF2B5EF4-FFF2-40B4-BE49-F238E27FC236}">
-                <a16:creationId xmlns:a16="http://schemas.microsoft.com/office/drawing/2014/main" id="{FD071B80-25D5-4F64-BE5F-1BE36DA59716}"/>
+                <a16:creationId xmlns:a16="http://schemas.microsoft.com/office/drawing/2014/main" id="{9574399D-EE3A-4031-AD5F-1CB5C24E4ED4}"/>
               </a:ext>
             </a:extLst>
           </p:cNvPr>
@@ -9751,8 +9386,8 @@
         </p:nvSpPr>
         <p:spPr>
           <a:xfrm>
-            <a:off x="1694328" y="3150844"/>
-            <a:ext cx="2897923" cy="1015663"/>
+            <a:off x="1602358" y="2689179"/>
+            <a:ext cx="3928866" cy="461665"/>
           </a:xfrm>
           <a:prstGeom prst="rect">
             <a:avLst/>
@@ -9770,7 +9405,7 @@
           <a:lstStyle/>
           <a:p>
             <a:r>
-              <a:rPr lang="en-US" sz="1200" dirty="0">
+              <a:rPr lang="en-MY" sz="1200" dirty="0">
                 <a:solidFill>
                   <a:schemeClr val="bg1"/>
                 </a:solidFill>
@@ -9778,12 +9413,12 @@
                 <a:ea typeface="Cascadia Mono SemiBold" panose="020B0609020000020004" pitchFamily="49" charset="0"/>
                 <a:cs typeface="Cascadia Mono SemiBold" panose="020B0609020000020004" pitchFamily="49" charset="0"/>
               </a:rPr>
-              <a:t>December 20, 1995</a:t>
-            </a:r>
-          </a:p>
-          <a:p>
-            <a:r>
-              <a:rPr lang="en-US" sz="1200" dirty="0">
+              <a:t>What is the student’s name? &gt;&gt;&gt;Jack</a:t>
+            </a:r>
+          </a:p>
+          <a:p>
+            <a:r>
+              <a:rPr lang="en-MY" sz="1200" dirty="0">
                 <a:solidFill>
                   <a:schemeClr val="bg1"/>
                 </a:solidFill>
@@ -9791,55 +9426,8 @@
                 <a:ea typeface="Cascadia Mono SemiBold" panose="020B0609020000020004" pitchFamily="49" charset="0"/>
                 <a:cs typeface="Cascadia Mono SemiBold" panose="020B0609020000020004" pitchFamily="49" charset="0"/>
               </a:rPr>
-              <a:t>April 1 2010</a:t>
-            </a:r>
-          </a:p>
-          <a:p>
-            <a:r>
-              <a:rPr lang="en-US" sz="1200" dirty="0">
-                <a:solidFill>
-                  <a:schemeClr val="bg1"/>
-                </a:solidFill>
-                <a:latin typeface="Cascadia Mono SemiBold" panose="020B0609020000020004" pitchFamily="49" charset="0"/>
-                <a:ea typeface="Cascadia Mono SemiBold" panose="020B0609020000020004" pitchFamily="49" charset="0"/>
-                <a:cs typeface="Cascadia Mono SemiBold" panose="020B0609020000020004" pitchFamily="49" charset="0"/>
-              </a:rPr>
-              <a:t>7/15/20</a:t>
-            </a:r>
-          </a:p>
-          <a:p>
-            <a:r>
-              <a:rPr lang="en-US" sz="1200" dirty="0">
-                <a:solidFill>
-                  <a:schemeClr val="bg1"/>
-                </a:solidFill>
-                <a:latin typeface="Cascadia Mono SemiBold" panose="020B0609020000020004" pitchFamily="49" charset="0"/>
-                <a:ea typeface="Cascadia Mono SemiBold" panose="020B0609020000020004" pitchFamily="49" charset="0"/>
-                <a:cs typeface="Cascadia Mono SemiBold" panose="020B0609020000020004" pitchFamily="49" charset="0"/>
-              </a:rPr>
-              <a:t>May 05, 2021</a:t>
-            </a:r>
-          </a:p>
-          <a:p>
-            <a:r>
-              <a:rPr lang="en-US" sz="1200" dirty="0">
-                <a:solidFill>
-                  <a:schemeClr val="bg1"/>
-                </a:solidFill>
-                <a:latin typeface="Cascadia Mono SemiBold" panose="020B0609020000020004" pitchFamily="49" charset="0"/>
-                <a:ea typeface="Cascadia Mono SemiBold" panose="020B0609020000020004" pitchFamily="49" charset="0"/>
-                <a:cs typeface="Cascadia Mono SemiBold" panose="020B0609020000020004" pitchFamily="49" charset="0"/>
-              </a:rPr>
-              <a:t>-1</a:t>
-            </a:r>
-            <a:endParaRPr lang="en-MY" sz="1200" dirty="0">
-              <a:solidFill>
-                <a:schemeClr val="bg1"/>
-              </a:solidFill>
-              <a:latin typeface="Cascadia Mono SemiBold" panose="020B0609020000020004" pitchFamily="49" charset="0"/>
-              <a:ea typeface="Cascadia Mono SemiBold" panose="020B0609020000020004" pitchFamily="49" charset="0"/>
-              <a:cs typeface="Cascadia Mono SemiBold" panose="020B0609020000020004" pitchFamily="49" charset="0"/>
-            </a:endParaRPr>
+              <a:t>What is the student’s mark? &gt;&gt;&gt;8</a:t>
+            </a:r>
           </a:p>
         </p:txBody>
       </p:sp>
@@ -9848,7 +9436,7 @@
           <p:cNvPr id="5" name="TextBox 4">
             <a:extLst>
               <a:ext uri="{FF2B5EF4-FFF2-40B4-BE49-F238E27FC236}">
-                <a16:creationId xmlns:a16="http://schemas.microsoft.com/office/drawing/2014/main" id="{CF137873-8D2B-4249-B292-4CF447E6F54C}"/>
+                <a16:creationId xmlns:a16="http://schemas.microsoft.com/office/drawing/2014/main" id="{AEBE885D-B0B6-452C-90BF-701C322F6205}"/>
               </a:ext>
             </a:extLst>
           </p:cNvPr>
@@ -9857,8 +9445,8 @@
         </p:nvSpPr>
         <p:spPr>
           <a:xfrm>
-            <a:off x="1694328" y="4975410"/>
-            <a:ext cx="2897923" cy="461665"/>
+            <a:off x="1602358" y="3832295"/>
+            <a:ext cx="3928866" cy="276999"/>
           </a:xfrm>
           <a:prstGeom prst="rect">
             <a:avLst/>
@@ -9876,7 +9464,7 @@
           <a:lstStyle/>
           <a:p>
             <a:r>
-              <a:rPr lang="en-US" sz="1200" dirty="0">
+              <a:rPr lang="en-MY" sz="1200" dirty="0">
                 <a:solidFill>
                   <a:schemeClr val="bg1"/>
                 </a:solidFill>
@@ -9884,20 +9472,7 @@
                 <a:ea typeface="Cascadia Mono SemiBold" panose="020B0609020000020004" pitchFamily="49" charset="0"/>
                 <a:cs typeface="Cascadia Mono SemiBold" panose="020B0609020000020004" pitchFamily="49" charset="0"/>
               </a:rPr>
-              <a:t>12/20/1995</a:t>
-            </a:r>
-          </a:p>
-          <a:p>
-            <a:r>
-              <a:rPr lang="en-US" sz="1200" dirty="0">
-                <a:solidFill>
-                  <a:schemeClr val="bg1"/>
-                </a:solidFill>
-                <a:latin typeface="Cascadia Mono SemiBold" panose="020B0609020000020004" pitchFamily="49" charset="0"/>
-                <a:ea typeface="Cascadia Mono SemiBold" panose="020B0609020000020004" pitchFamily="49" charset="0"/>
-                <a:cs typeface="Cascadia Mono SemiBold" panose="020B0609020000020004" pitchFamily="49" charset="0"/>
-              </a:rPr>
-              <a:t>05/05/2021</a:t>
+              <a:t>Jack achieved ‘High’</a:t>
             </a:r>
           </a:p>
         </p:txBody>
@@ -9905,7 +9480,7 @@
     </p:spTree>
     <p:extLst>
       <p:ext uri="{BB962C8B-B14F-4D97-AF65-F5344CB8AC3E}">
-        <p14:creationId xmlns:p14="http://schemas.microsoft.com/office/powerpoint/2010/main" val="1667430690"/>
+        <p14:creationId xmlns:p14="http://schemas.microsoft.com/office/powerpoint/2010/main" val="3124131665"/>
       </p:ext>
     </p:extLst>
   </p:cSld>
@@ -9934,10 +9509,10 @@
       </p:grpSpPr>
       <p:sp>
         <p:nvSpPr>
-          <p:cNvPr id="2" name="Title 1">
+          <p:cNvPr id="3" name="Content Placeholder 2">
             <a:extLst>
               <a:ext uri="{FF2B5EF4-FFF2-40B4-BE49-F238E27FC236}">
-                <a16:creationId xmlns:a16="http://schemas.microsoft.com/office/drawing/2014/main" id="{5D280E3F-E80C-41C4-83BA-7980618EAC5E}"/>
+                <a16:creationId xmlns:a16="http://schemas.microsoft.com/office/drawing/2014/main" id="{A9A74A00-8237-4773-B481-72C765F68AD3}"/>
               </a:ext>
             </a:extLst>
           </p:cNvPr>
@@ -9945,71 +9520,250 @@
             <a:spLocks noGrp="1"/>
           </p:cNvSpPr>
           <p:nvPr>
-            <p:ph type="title"/>
-          </p:nvPr>
-        </p:nvSpPr>
-        <p:spPr/>
-        <p:txBody>
-          <a:bodyPr/>
+            <p:ph idx="1"/>
+          </p:nvPr>
+        </p:nvSpPr>
+        <p:spPr>
+          <a:xfrm>
+            <a:off x="748554" y="1326278"/>
+            <a:ext cx="10131425" cy="4931087"/>
+          </a:xfrm>
+        </p:spPr>
+        <p:txBody>
+          <a:bodyPr anchor="t">
+            <a:normAutofit fontScale="92500" lnSpcReduction="10000"/>
+          </a:bodyPr>
           <a:lstStyle/>
           <a:p>
             <a:r>
+              <a:rPr lang="en-US" dirty="0"/>
+              <a:t>The program will read a series of date from user. -1 means the end.</a:t>
+            </a:r>
+          </a:p>
+          <a:p>
+            <a:r>
+              <a:rPr lang="en-US" dirty="0"/>
+              <a:t>Only those date with correct format will be parsed and output. The correct format are like: “March 1, 1991”; “February 20, 2020”, etc.</a:t>
+            </a:r>
+          </a:p>
+          <a:p>
+            <a:r>
+              <a:rPr lang="en-US" dirty="0"/>
+              <a:t>The output will be pure number format “MM/DD/YYYY”, like “03/01/1991”, “02/20/2020”, etc.</a:t>
+            </a:r>
+          </a:p>
+          <a:p>
+            <a:pPr lvl="1"/>
+            <a:r>
               <a:rPr lang="en-MY" dirty="0"/>
-              <a:t>Palindrome word</a:t>
-            </a:r>
-          </a:p>
-        </p:txBody>
-      </p:sp>
-      <p:sp>
-        <p:nvSpPr>
-          <p:cNvPr id="3" name="Content Placeholder 2">
+              <a:t>Example: input</a:t>
+            </a:r>
+          </a:p>
+          <a:p>
+            <a:pPr lvl="1"/>
+            <a:endParaRPr lang="en-MY" dirty="0"/>
+          </a:p>
+          <a:p>
+            <a:pPr lvl="1"/>
+            <a:endParaRPr lang="en-MY" dirty="0"/>
+          </a:p>
+          <a:p>
+            <a:pPr lvl="1"/>
+            <a:endParaRPr lang="en-MY" dirty="0"/>
+          </a:p>
+          <a:p>
+            <a:pPr lvl="1"/>
+            <a:endParaRPr lang="en-MY" dirty="0"/>
+          </a:p>
+          <a:p>
+            <a:pPr lvl="1"/>
+            <a:r>
+              <a:rPr lang="en-MY" dirty="0"/>
+              <a:t>Output</a:t>
+            </a:r>
+          </a:p>
+          <a:p>
+            <a:pPr lvl="1"/>
+            <a:endParaRPr lang="en-MY" dirty="0"/>
+          </a:p>
+          <a:p>
+            <a:pPr lvl="1"/>
+            <a:endParaRPr lang="en-MY" dirty="0"/>
+          </a:p>
+          <a:p>
+            <a:pPr lvl="1"/>
+            <a:endParaRPr lang="en-MY" dirty="0"/>
+          </a:p>
+          <a:p>
+            <a:pPr lvl="1"/>
+            <a:r>
+              <a:rPr lang="en-MY" dirty="0"/>
+              <a:t>Hint: combine to use string split, replace, slicing, to get the needed information, then do the output.</a:t>
+            </a:r>
+          </a:p>
+        </p:txBody>
+      </p:sp>
+      <p:sp>
+        <p:nvSpPr>
+          <p:cNvPr id="4" name="TextBox 3">
             <a:extLst>
               <a:ext uri="{FF2B5EF4-FFF2-40B4-BE49-F238E27FC236}">
-                <a16:creationId xmlns:a16="http://schemas.microsoft.com/office/drawing/2014/main" id="{9ACB66CF-AD72-47FB-9DEE-6949334A6EA7}"/>
+                <a16:creationId xmlns:a16="http://schemas.microsoft.com/office/drawing/2014/main" id="{FD071B80-25D5-4F64-BE5F-1BE36DA59716}"/>
               </a:ext>
             </a:extLst>
           </p:cNvPr>
-          <p:cNvSpPr>
-            <a:spLocks noGrp="1"/>
-          </p:cNvSpPr>
-          <p:nvPr>
-            <p:ph idx="1"/>
-          </p:nvPr>
+          <p:cNvSpPr txBox="1"/>
+          <p:nvPr/>
         </p:nvSpPr>
         <p:spPr>
           <a:xfrm>
-            <a:off x="685801" y="2142067"/>
-            <a:ext cx="9103658" cy="3075391"/>
+            <a:off x="1694328" y="3150844"/>
+            <a:ext cx="2897923" cy="1015663"/>
           </a:xfrm>
+          <a:prstGeom prst="rect">
+            <a:avLst/>
+          </a:prstGeom>
+          <a:solidFill>
+            <a:schemeClr val="tx1">
+              <a:lumMod val="85000"/>
+            </a:schemeClr>
+          </a:solidFill>
         </p:spPr>
         <p:txBody>
-          <a:bodyPr anchor="t"/>
+          <a:bodyPr wrap="square" rtlCol="0">
+            <a:spAutoFit/>
+          </a:bodyPr>
           <a:lstStyle/>
           <a:p>
             <a:r>
-              <a:rPr lang="en-US" dirty="0"/>
-              <a:t>Make a program, which can check if a word is palindrome or not.</a:t>
-            </a:r>
-          </a:p>
-          <a:p>
-            <a:r>
-              <a:rPr lang="en-US" dirty="0"/>
-              <a:t>Palindrome words, are those words that read from reverse order is same from beginning, like: madam, refer, racecar, etc.</a:t>
-            </a:r>
-          </a:p>
-          <a:p>
-            <a:endParaRPr lang="en-US" dirty="0"/>
-          </a:p>
-          <a:p>
-            <a:endParaRPr lang="en-US" dirty="0"/>
-          </a:p>
-          <a:p>
-            <a:endParaRPr lang="en-MY" dirty="0"/>
-          </a:p>
-          <a:p>
-            <a:r>
-              <a:rPr lang="en-MY" dirty="0"/>
-              <a:t>How about words “never odd or even”? If we do not consider space, then it is also palindrome. Can you make your program also detect this situation?</a:t>
+              <a:rPr lang="en-US" sz="1200" dirty="0">
+                <a:solidFill>
+                  <a:schemeClr val="bg1"/>
+                </a:solidFill>
+                <a:latin typeface="Cascadia Mono SemiBold" panose="020B0609020000020004" pitchFamily="49" charset="0"/>
+                <a:ea typeface="Cascadia Mono SemiBold" panose="020B0609020000020004" pitchFamily="49" charset="0"/>
+                <a:cs typeface="Cascadia Mono SemiBold" panose="020B0609020000020004" pitchFamily="49" charset="0"/>
+              </a:rPr>
+              <a:t>December 20, 1995</a:t>
+            </a:r>
+          </a:p>
+          <a:p>
+            <a:r>
+              <a:rPr lang="en-US" sz="1200" dirty="0">
+                <a:solidFill>
+                  <a:schemeClr val="bg1"/>
+                </a:solidFill>
+                <a:latin typeface="Cascadia Mono SemiBold" panose="020B0609020000020004" pitchFamily="49" charset="0"/>
+                <a:ea typeface="Cascadia Mono SemiBold" panose="020B0609020000020004" pitchFamily="49" charset="0"/>
+                <a:cs typeface="Cascadia Mono SemiBold" panose="020B0609020000020004" pitchFamily="49" charset="0"/>
+              </a:rPr>
+              <a:t>April 1 2010</a:t>
+            </a:r>
+          </a:p>
+          <a:p>
+            <a:r>
+              <a:rPr lang="en-US" sz="1200" dirty="0">
+                <a:solidFill>
+                  <a:schemeClr val="bg1"/>
+                </a:solidFill>
+                <a:latin typeface="Cascadia Mono SemiBold" panose="020B0609020000020004" pitchFamily="49" charset="0"/>
+                <a:ea typeface="Cascadia Mono SemiBold" panose="020B0609020000020004" pitchFamily="49" charset="0"/>
+                <a:cs typeface="Cascadia Mono SemiBold" panose="020B0609020000020004" pitchFamily="49" charset="0"/>
+              </a:rPr>
+              <a:t>7/15/20</a:t>
+            </a:r>
+          </a:p>
+          <a:p>
+            <a:r>
+              <a:rPr lang="en-US" sz="1200" dirty="0">
+                <a:solidFill>
+                  <a:schemeClr val="bg1"/>
+                </a:solidFill>
+                <a:latin typeface="Cascadia Mono SemiBold" panose="020B0609020000020004" pitchFamily="49" charset="0"/>
+                <a:ea typeface="Cascadia Mono SemiBold" panose="020B0609020000020004" pitchFamily="49" charset="0"/>
+                <a:cs typeface="Cascadia Mono SemiBold" panose="020B0609020000020004" pitchFamily="49" charset="0"/>
+              </a:rPr>
+              <a:t>May 05, 2021</a:t>
+            </a:r>
+          </a:p>
+          <a:p>
+            <a:r>
+              <a:rPr lang="en-US" sz="1200" dirty="0">
+                <a:solidFill>
+                  <a:schemeClr val="bg1"/>
+                </a:solidFill>
+                <a:latin typeface="Cascadia Mono SemiBold" panose="020B0609020000020004" pitchFamily="49" charset="0"/>
+                <a:ea typeface="Cascadia Mono SemiBold" panose="020B0609020000020004" pitchFamily="49" charset="0"/>
+                <a:cs typeface="Cascadia Mono SemiBold" panose="020B0609020000020004" pitchFamily="49" charset="0"/>
+              </a:rPr>
+              <a:t>-1</a:t>
+            </a:r>
+            <a:endParaRPr lang="en-MY" sz="1200" dirty="0">
+              <a:solidFill>
+                <a:schemeClr val="bg1"/>
+              </a:solidFill>
+              <a:latin typeface="Cascadia Mono SemiBold" panose="020B0609020000020004" pitchFamily="49" charset="0"/>
+              <a:ea typeface="Cascadia Mono SemiBold" panose="020B0609020000020004" pitchFamily="49" charset="0"/>
+              <a:cs typeface="Cascadia Mono SemiBold" panose="020B0609020000020004" pitchFamily="49" charset="0"/>
+            </a:endParaRPr>
+          </a:p>
+        </p:txBody>
+      </p:sp>
+      <p:sp>
+        <p:nvSpPr>
+          <p:cNvPr id="5" name="TextBox 4">
+            <a:extLst>
+              <a:ext uri="{FF2B5EF4-FFF2-40B4-BE49-F238E27FC236}">
+                <a16:creationId xmlns:a16="http://schemas.microsoft.com/office/drawing/2014/main" id="{CF137873-8D2B-4249-B292-4CF447E6F54C}"/>
+              </a:ext>
+            </a:extLst>
+          </p:cNvPr>
+          <p:cNvSpPr txBox="1"/>
+          <p:nvPr/>
+        </p:nvSpPr>
+        <p:spPr>
+          <a:xfrm>
+            <a:off x="1694328" y="4975410"/>
+            <a:ext cx="2897923" cy="461665"/>
+          </a:xfrm>
+          <a:prstGeom prst="rect">
+            <a:avLst/>
+          </a:prstGeom>
+          <a:solidFill>
+            <a:schemeClr val="tx1">
+              <a:lumMod val="85000"/>
+            </a:schemeClr>
+          </a:solidFill>
+        </p:spPr>
+        <p:txBody>
+          <a:bodyPr wrap="square" rtlCol="0">
+            <a:spAutoFit/>
+          </a:bodyPr>
+          <a:lstStyle/>
+          <a:p>
+            <a:r>
+              <a:rPr lang="en-US" sz="1200" dirty="0">
+                <a:solidFill>
+                  <a:schemeClr val="bg1"/>
+                </a:solidFill>
+                <a:latin typeface="Cascadia Mono SemiBold" panose="020B0609020000020004" pitchFamily="49" charset="0"/>
+                <a:ea typeface="Cascadia Mono SemiBold" panose="020B0609020000020004" pitchFamily="49" charset="0"/>
+                <a:cs typeface="Cascadia Mono SemiBold" panose="020B0609020000020004" pitchFamily="49" charset="0"/>
+              </a:rPr>
+              <a:t>12/20/1995</a:t>
+            </a:r>
+          </a:p>
+          <a:p>
+            <a:r>
+              <a:rPr lang="en-US" sz="1200" dirty="0">
+                <a:solidFill>
+                  <a:schemeClr val="bg1"/>
+                </a:solidFill>
+                <a:latin typeface="Cascadia Mono SemiBold" panose="020B0609020000020004" pitchFamily="49" charset="0"/>
+                <a:ea typeface="Cascadia Mono SemiBold" panose="020B0609020000020004" pitchFamily="49" charset="0"/>
+                <a:cs typeface="Cascadia Mono SemiBold" panose="020B0609020000020004" pitchFamily="49" charset="0"/>
+              </a:rPr>
+              <a:t>05/05/2021</a:t>
             </a:r>
           </a:p>
         </p:txBody>
@@ -10017,7 +9771,7 @@
     </p:spTree>
     <p:extLst>
       <p:ext uri="{BB962C8B-B14F-4D97-AF65-F5344CB8AC3E}">
-        <p14:creationId xmlns:p14="http://schemas.microsoft.com/office/powerpoint/2010/main" val="4124062850"/>
+        <p14:creationId xmlns:p14="http://schemas.microsoft.com/office/powerpoint/2010/main" val="1667430690"/>
       </p:ext>
     </p:extLst>
   </p:cSld>
